--- a/PrésentationDéfi/WACG.pptx
+++ b/PrésentationDéfi/WACG.pptx
@@ -6,11 +6,15 @@
   </p:sldMasterIdLst>
   <p:sldIdLst>
     <p:sldId id="256" r:id="rId5"/>
-    <p:sldId id="257" r:id="rId6"/>
-    <p:sldId id="258" r:id="rId7"/>
-    <p:sldId id="259" r:id="rId8"/>
-    <p:sldId id="260" r:id="rId9"/>
-    <p:sldId id="261" r:id="rId10"/>
+    <p:sldId id="264" r:id="rId6"/>
+    <p:sldId id="265" r:id="rId7"/>
+    <p:sldId id="266" r:id="rId8"/>
+    <p:sldId id="267" r:id="rId9"/>
+    <p:sldId id="268" r:id="rId10"/>
+    <p:sldId id="269" r:id="rId11"/>
+    <p:sldId id="270" r:id="rId12"/>
+    <p:sldId id="272" r:id="rId13"/>
+    <p:sldId id="271" r:id="rId14"/>
   </p:sldIdLst>
   <p:sldSz cx="12192000" cy="6858000"/>
   <p:notesSz cx="6858000" cy="9144000"/>
@@ -109,7 +113,2680 @@
       </a:defRPr>
     </a:lvl9pPr>
   </p:defaultTextStyle>
+  <p:extLst>
+    <p:ext uri="{EFAFB233-063F-42B5-8137-9DF3F51BA10A}">
+      <p15:sldGuideLst xmlns:p15="http://schemas.microsoft.com/office/powerpoint/2012/main"/>
+    </p:ext>
+  </p:extLst>
 </p:presentation>
+</file>
+
+<file path=ppt/diagrams/colors1.xml><?xml version="1.0" encoding="utf-8"?>
+<dgm:colorsDef xmlns:dgm="http://schemas.openxmlformats.org/drawingml/2006/diagram" xmlns:a="http://schemas.openxmlformats.org/drawingml/2006/main" uniqueId="urn:microsoft.com/office/officeart/2018/5/colors/Iconchunking_neutralicontext_colorful2">
+  <dgm:title val=""/>
+  <dgm:desc val=""/>
+  <dgm:catLst>
+    <dgm:cat type="colorful" pri="10200"/>
+  </dgm:catLst>
+  <dgm:styleLbl name="node0">
+    <dgm:fillClrLst meth="repeat">
+      <a:schemeClr val="accent1"/>
+    </dgm:fillClrLst>
+    <dgm:linClrLst meth="repeat">
+      <a:schemeClr val="lt1"/>
+    </dgm:linClrLst>
+    <dgm:effectClrLst/>
+    <dgm:txLinClrLst/>
+    <dgm:txFillClrLst/>
+    <dgm:txEffectClrLst/>
+  </dgm:styleLbl>
+  <dgm:styleLbl name="node1">
+    <dgm:fillClrLst meth="repeat">
+      <a:schemeClr val="bg1"/>
+    </dgm:fillClrLst>
+    <dgm:linClrLst meth="repeat">
+      <a:schemeClr val="lt1">
+        <a:alpha val="0"/>
+      </a:schemeClr>
+    </dgm:linClrLst>
+    <dgm:effectClrLst/>
+    <dgm:txLinClrLst/>
+    <dgm:txFillClrLst meth="repeat">
+      <a:schemeClr val="dk1"/>
+    </dgm:txFillClrLst>
+    <dgm:txEffectClrLst/>
+  </dgm:styleLbl>
+  <dgm:styleLbl name="alignNode1">
+    <dgm:fillClrLst>
+      <a:schemeClr val="accent2"/>
+      <a:schemeClr val="accent3"/>
+    </dgm:fillClrLst>
+    <dgm:linClrLst>
+      <a:schemeClr val="accent2"/>
+      <a:schemeClr val="accent3"/>
+    </dgm:linClrLst>
+    <dgm:effectClrLst/>
+    <dgm:txLinClrLst/>
+    <dgm:txFillClrLst/>
+    <dgm:txEffectClrLst/>
+  </dgm:styleLbl>
+  <dgm:styleLbl name="lnNode1">
+    <dgm:fillClrLst>
+      <a:schemeClr val="accent2"/>
+      <a:schemeClr val="accent3"/>
+    </dgm:fillClrLst>
+    <dgm:linClrLst meth="repeat">
+      <a:schemeClr val="lt1"/>
+    </dgm:linClrLst>
+    <dgm:effectClrLst/>
+    <dgm:txLinClrLst/>
+    <dgm:txFillClrLst/>
+    <dgm:txEffectClrLst/>
+  </dgm:styleLbl>
+  <dgm:styleLbl name="vennNode1">
+    <dgm:fillClrLst>
+      <a:schemeClr val="accent2">
+        <a:alpha val="50000"/>
+      </a:schemeClr>
+      <a:schemeClr val="accent3">
+        <a:alpha val="50000"/>
+      </a:schemeClr>
+    </dgm:fillClrLst>
+    <dgm:linClrLst meth="repeat">
+      <a:schemeClr val="lt1"/>
+    </dgm:linClrLst>
+    <dgm:effectClrLst/>
+    <dgm:txLinClrLst/>
+    <dgm:txFillClrLst/>
+    <dgm:txEffectClrLst/>
+  </dgm:styleLbl>
+  <dgm:styleLbl name="node2">
+    <dgm:fillClrLst>
+      <a:schemeClr val="accent3"/>
+    </dgm:fillClrLst>
+    <dgm:linClrLst meth="repeat">
+      <a:schemeClr val="lt1"/>
+    </dgm:linClrLst>
+    <dgm:effectClrLst/>
+    <dgm:txLinClrLst/>
+    <dgm:txFillClrLst/>
+    <dgm:txEffectClrLst/>
+  </dgm:styleLbl>
+  <dgm:styleLbl name="node3">
+    <dgm:fillClrLst>
+      <a:schemeClr val="accent4"/>
+    </dgm:fillClrLst>
+    <dgm:linClrLst meth="repeat">
+      <a:schemeClr val="lt1"/>
+    </dgm:linClrLst>
+    <dgm:effectClrLst/>
+    <dgm:txLinClrLst/>
+    <dgm:txFillClrLst/>
+    <dgm:txEffectClrLst/>
+  </dgm:styleLbl>
+  <dgm:styleLbl name="node4">
+    <dgm:fillClrLst>
+      <a:schemeClr val="accent5"/>
+    </dgm:fillClrLst>
+    <dgm:linClrLst meth="repeat">
+      <a:schemeClr val="lt1"/>
+    </dgm:linClrLst>
+    <dgm:effectClrLst/>
+    <dgm:txLinClrLst/>
+    <dgm:txFillClrLst/>
+    <dgm:txEffectClrLst/>
+  </dgm:styleLbl>
+  <dgm:styleLbl name="fgImgPlace1">
+    <dgm:fillClrLst>
+      <a:schemeClr val="accent2">
+        <a:tint val="50000"/>
+      </a:schemeClr>
+      <a:schemeClr val="accent3">
+        <a:tint val="50000"/>
+      </a:schemeClr>
+    </dgm:fillClrLst>
+    <dgm:linClrLst meth="repeat">
+      <a:schemeClr val="lt1"/>
+    </dgm:linClrLst>
+    <dgm:effectClrLst/>
+    <dgm:txLinClrLst/>
+    <dgm:txFillClrLst meth="repeat">
+      <a:schemeClr val="lt1"/>
+    </dgm:txFillClrLst>
+    <dgm:txEffectClrLst/>
+  </dgm:styleLbl>
+  <dgm:styleLbl name="alignImgPlace1">
+    <dgm:fillClrLst>
+      <a:schemeClr val="accent2">
+        <a:tint val="50000"/>
+      </a:schemeClr>
+      <a:schemeClr val="accent3">
+        <a:tint val="20000"/>
+      </a:schemeClr>
+    </dgm:fillClrLst>
+    <dgm:linClrLst meth="repeat">
+      <a:schemeClr val="lt1"/>
+    </dgm:linClrLst>
+    <dgm:effectClrLst/>
+    <dgm:txLinClrLst/>
+    <dgm:txFillClrLst meth="repeat">
+      <a:schemeClr val="lt1"/>
+    </dgm:txFillClrLst>
+    <dgm:txEffectClrLst/>
+  </dgm:styleLbl>
+  <dgm:styleLbl name="bgImgPlace1">
+    <dgm:fillClrLst>
+      <a:schemeClr val="accent2">
+        <a:tint val="50000"/>
+      </a:schemeClr>
+      <a:schemeClr val="accent3">
+        <a:tint val="20000"/>
+      </a:schemeClr>
+    </dgm:fillClrLst>
+    <dgm:linClrLst meth="repeat">
+      <a:schemeClr val="lt1"/>
+    </dgm:linClrLst>
+    <dgm:effectClrLst/>
+    <dgm:txLinClrLst/>
+    <dgm:txFillClrLst meth="repeat">
+      <a:schemeClr val="lt1"/>
+    </dgm:txFillClrLst>
+    <dgm:txEffectClrLst/>
+  </dgm:styleLbl>
+  <dgm:styleLbl name="sibTrans2D1">
+    <dgm:fillClrLst>
+      <a:schemeClr val="accent2"/>
+      <a:schemeClr val="accent3"/>
+    </dgm:fillClrLst>
+    <dgm:linClrLst meth="repeat">
+      <a:schemeClr val="lt1"/>
+    </dgm:linClrLst>
+    <dgm:effectClrLst/>
+    <dgm:txLinClrLst/>
+    <dgm:txFillClrLst/>
+    <dgm:txEffectClrLst/>
+  </dgm:styleLbl>
+  <dgm:styleLbl name="fgSibTrans2D1">
+    <dgm:fillClrLst>
+      <a:schemeClr val="accent2"/>
+      <a:schemeClr val="accent3"/>
+    </dgm:fillClrLst>
+    <dgm:linClrLst meth="repeat">
+      <a:schemeClr val="lt1"/>
+    </dgm:linClrLst>
+    <dgm:effectClrLst/>
+    <dgm:txLinClrLst/>
+    <dgm:txFillClrLst meth="repeat">
+      <a:schemeClr val="lt1"/>
+    </dgm:txFillClrLst>
+    <dgm:txEffectClrLst/>
+  </dgm:styleLbl>
+  <dgm:styleLbl name="bgSibTrans2D1">
+    <dgm:fillClrLst>
+      <a:schemeClr val="accent2"/>
+      <a:schemeClr val="accent3"/>
+    </dgm:fillClrLst>
+    <dgm:linClrLst meth="repeat">
+      <a:schemeClr val="lt1"/>
+    </dgm:linClrLst>
+    <dgm:effectClrLst/>
+    <dgm:txLinClrLst/>
+    <dgm:txFillClrLst meth="repeat">
+      <a:schemeClr val="lt1"/>
+    </dgm:txFillClrLst>
+    <dgm:txEffectClrLst/>
+  </dgm:styleLbl>
+  <dgm:styleLbl name="sibTrans1D1">
+    <dgm:fillClrLst/>
+    <dgm:linClrLst>
+      <a:schemeClr val="accent2"/>
+      <a:schemeClr val="accent3"/>
+    </dgm:linClrLst>
+    <dgm:effectClrLst/>
+    <dgm:txLinClrLst/>
+    <dgm:txFillClrLst meth="repeat">
+      <a:schemeClr val="tx1"/>
+    </dgm:txFillClrLst>
+    <dgm:txEffectClrLst/>
+  </dgm:styleLbl>
+  <dgm:styleLbl name="callout">
+    <dgm:fillClrLst meth="repeat">
+      <a:schemeClr val="accent2"/>
+    </dgm:fillClrLst>
+    <dgm:linClrLst meth="repeat">
+      <a:schemeClr val="accent2">
+        <a:tint val="50000"/>
+      </a:schemeClr>
+    </dgm:linClrLst>
+    <dgm:effectClrLst/>
+    <dgm:txLinClrLst/>
+    <dgm:txFillClrLst meth="repeat">
+      <a:schemeClr val="tx1"/>
+    </dgm:txFillClrLst>
+    <dgm:txEffectClrLst/>
+  </dgm:styleLbl>
+  <dgm:styleLbl name="asst0">
+    <dgm:fillClrLst meth="repeat">
+      <a:schemeClr val="accent2"/>
+    </dgm:fillClrLst>
+    <dgm:linClrLst meth="repeat">
+      <a:schemeClr val="lt1">
+        <a:shade val="80000"/>
+      </a:schemeClr>
+    </dgm:linClrLst>
+    <dgm:effectClrLst/>
+    <dgm:txLinClrLst/>
+    <dgm:txFillClrLst/>
+    <dgm:txEffectClrLst/>
+  </dgm:styleLbl>
+  <dgm:styleLbl name="asst1">
+    <dgm:fillClrLst meth="repeat">
+      <a:schemeClr val="accent3"/>
+    </dgm:fillClrLst>
+    <dgm:linClrLst meth="repeat">
+      <a:schemeClr val="lt1">
+        <a:shade val="80000"/>
+      </a:schemeClr>
+    </dgm:linClrLst>
+    <dgm:effectClrLst/>
+    <dgm:txLinClrLst/>
+    <dgm:txFillClrLst/>
+    <dgm:txEffectClrLst/>
+  </dgm:styleLbl>
+  <dgm:styleLbl name="asst2">
+    <dgm:fillClrLst>
+      <a:schemeClr val="accent4"/>
+    </dgm:fillClrLst>
+    <dgm:linClrLst meth="repeat">
+      <a:schemeClr val="lt1"/>
+    </dgm:linClrLst>
+    <dgm:effectClrLst/>
+    <dgm:txLinClrLst/>
+    <dgm:txFillClrLst/>
+    <dgm:txEffectClrLst/>
+  </dgm:styleLbl>
+  <dgm:styleLbl name="asst3">
+    <dgm:fillClrLst>
+      <a:schemeClr val="accent5"/>
+    </dgm:fillClrLst>
+    <dgm:linClrLst meth="repeat">
+      <a:schemeClr val="lt1"/>
+    </dgm:linClrLst>
+    <dgm:effectClrLst/>
+    <dgm:txLinClrLst/>
+    <dgm:txFillClrLst/>
+    <dgm:txEffectClrLst/>
+  </dgm:styleLbl>
+  <dgm:styleLbl name="asst4">
+    <dgm:fillClrLst>
+      <a:schemeClr val="accent6"/>
+    </dgm:fillClrLst>
+    <dgm:linClrLst meth="repeat">
+      <a:schemeClr val="lt1"/>
+    </dgm:linClrLst>
+    <dgm:effectClrLst/>
+    <dgm:txLinClrLst/>
+    <dgm:txFillClrLst/>
+    <dgm:txEffectClrLst/>
+  </dgm:styleLbl>
+  <dgm:styleLbl name="parChTrans2D1">
+    <dgm:fillClrLst meth="repeat">
+      <a:schemeClr val="accent2"/>
+    </dgm:fillClrLst>
+    <dgm:linClrLst meth="repeat">
+      <a:schemeClr val="lt1"/>
+    </dgm:linClrLst>
+    <dgm:effectClrLst/>
+    <dgm:txLinClrLst/>
+    <dgm:txFillClrLst meth="repeat">
+      <a:schemeClr val="lt1"/>
+    </dgm:txFillClrLst>
+    <dgm:txEffectClrLst/>
+  </dgm:styleLbl>
+  <dgm:styleLbl name="parChTrans2D2">
+    <dgm:fillClrLst meth="repeat">
+      <a:schemeClr val="accent3"/>
+    </dgm:fillClrLst>
+    <dgm:linClrLst meth="repeat">
+      <a:schemeClr val="lt1"/>
+    </dgm:linClrLst>
+    <dgm:effectClrLst/>
+    <dgm:txLinClrLst/>
+    <dgm:txFillClrLst/>
+    <dgm:txEffectClrLst/>
+  </dgm:styleLbl>
+  <dgm:styleLbl name="parChTrans2D3">
+    <dgm:fillClrLst meth="repeat">
+      <a:schemeClr val="accent4"/>
+    </dgm:fillClrLst>
+    <dgm:linClrLst meth="repeat">
+      <a:schemeClr val="lt1"/>
+    </dgm:linClrLst>
+    <dgm:effectClrLst/>
+    <dgm:txLinClrLst/>
+    <dgm:txFillClrLst/>
+    <dgm:txEffectClrLst/>
+  </dgm:styleLbl>
+  <dgm:styleLbl name="parChTrans2D4">
+    <dgm:fillClrLst meth="repeat">
+      <a:schemeClr val="accent5"/>
+    </dgm:fillClrLst>
+    <dgm:linClrLst meth="repeat">
+      <a:schemeClr val="lt1"/>
+    </dgm:linClrLst>
+    <dgm:effectClrLst/>
+    <dgm:txLinClrLst/>
+    <dgm:txFillClrLst meth="repeat">
+      <a:schemeClr val="lt1"/>
+    </dgm:txFillClrLst>
+    <dgm:txEffectClrLst/>
+  </dgm:styleLbl>
+  <dgm:styleLbl name="parChTrans1D1">
+    <dgm:fillClrLst meth="repeat">
+      <a:schemeClr val="accent2"/>
+    </dgm:fillClrLst>
+    <dgm:linClrLst meth="repeat">
+      <a:schemeClr val="accent2"/>
+    </dgm:linClrLst>
+    <dgm:effectClrLst/>
+    <dgm:txLinClrLst/>
+    <dgm:txFillClrLst meth="repeat">
+      <a:schemeClr val="tx1"/>
+    </dgm:txFillClrLst>
+    <dgm:txEffectClrLst/>
+  </dgm:styleLbl>
+  <dgm:styleLbl name="parChTrans1D2">
+    <dgm:fillClrLst meth="repeat">
+      <a:schemeClr val="accent2">
+        <a:tint val="90000"/>
+      </a:schemeClr>
+    </dgm:fillClrLst>
+    <dgm:linClrLst meth="repeat">
+      <a:schemeClr val="accent3"/>
+    </dgm:linClrLst>
+    <dgm:effectClrLst/>
+    <dgm:txLinClrLst/>
+    <dgm:txFillClrLst meth="repeat">
+      <a:schemeClr val="tx1"/>
+    </dgm:txFillClrLst>
+    <dgm:txEffectClrLst/>
+  </dgm:styleLbl>
+  <dgm:styleLbl name="parChTrans1D3">
+    <dgm:fillClrLst meth="repeat">
+      <a:schemeClr val="accent2">
+        <a:tint val="70000"/>
+      </a:schemeClr>
+    </dgm:fillClrLst>
+    <dgm:linClrLst meth="repeat">
+      <a:schemeClr val="accent4"/>
+    </dgm:linClrLst>
+    <dgm:effectClrLst/>
+    <dgm:txLinClrLst/>
+    <dgm:txFillClrLst meth="repeat">
+      <a:schemeClr val="tx1"/>
+    </dgm:txFillClrLst>
+    <dgm:txEffectClrLst/>
+  </dgm:styleLbl>
+  <dgm:styleLbl name="parChTrans1D4">
+    <dgm:fillClrLst meth="repeat">
+      <a:schemeClr val="accent2">
+        <a:tint val="50000"/>
+      </a:schemeClr>
+    </dgm:fillClrLst>
+    <dgm:linClrLst meth="repeat">
+      <a:schemeClr val="accent5"/>
+    </dgm:linClrLst>
+    <dgm:effectClrLst/>
+    <dgm:txLinClrLst/>
+    <dgm:txFillClrLst meth="repeat">
+      <a:schemeClr val="tx1"/>
+    </dgm:txFillClrLst>
+    <dgm:txEffectClrLst/>
+  </dgm:styleLbl>
+  <dgm:styleLbl name="fgAcc1">
+    <dgm:fillClrLst meth="repeat">
+      <a:schemeClr val="lt1">
+        <a:alpha val="90000"/>
+      </a:schemeClr>
+    </dgm:fillClrLst>
+    <dgm:linClrLst>
+      <a:schemeClr val="accent2"/>
+      <a:schemeClr val="accent3"/>
+    </dgm:linClrLst>
+    <dgm:effectClrLst/>
+    <dgm:txLinClrLst/>
+    <dgm:txFillClrLst meth="repeat">
+      <a:schemeClr val="dk1"/>
+    </dgm:txFillClrLst>
+    <dgm:txEffectClrLst/>
+  </dgm:styleLbl>
+  <dgm:styleLbl name="conFgAcc1">
+    <dgm:fillClrLst meth="repeat">
+      <a:schemeClr val="lt1">
+        <a:alpha val="90000"/>
+      </a:schemeClr>
+    </dgm:fillClrLst>
+    <dgm:linClrLst>
+      <a:schemeClr val="accent2"/>
+      <a:schemeClr val="accent3"/>
+    </dgm:linClrLst>
+    <dgm:effectClrLst/>
+    <dgm:txLinClrLst/>
+    <dgm:txFillClrLst meth="repeat">
+      <a:schemeClr val="dk1"/>
+    </dgm:txFillClrLst>
+    <dgm:txEffectClrLst/>
+  </dgm:styleLbl>
+  <dgm:styleLbl name="alignAcc1">
+    <dgm:fillClrLst meth="repeat">
+      <a:schemeClr val="lt1">
+        <a:alpha val="90000"/>
+      </a:schemeClr>
+    </dgm:fillClrLst>
+    <dgm:linClrLst>
+      <a:schemeClr val="accent2"/>
+      <a:schemeClr val="accent3"/>
+    </dgm:linClrLst>
+    <dgm:effectClrLst/>
+    <dgm:txLinClrLst/>
+    <dgm:txFillClrLst meth="repeat">
+      <a:schemeClr val="dk1"/>
+    </dgm:txFillClrLst>
+    <dgm:txEffectClrLst/>
+  </dgm:styleLbl>
+  <dgm:styleLbl name="trAlignAcc1">
+    <dgm:fillClrLst meth="repeat">
+      <a:schemeClr val="lt1">
+        <a:alpha val="40000"/>
+      </a:schemeClr>
+    </dgm:fillClrLst>
+    <dgm:linClrLst meth="repeat">
+      <a:schemeClr val="accent2"/>
+    </dgm:linClrLst>
+    <dgm:effectClrLst/>
+    <dgm:txLinClrLst/>
+    <dgm:txFillClrLst meth="repeat">
+      <a:schemeClr val="dk1"/>
+    </dgm:txFillClrLst>
+    <dgm:txEffectClrLst/>
+  </dgm:styleLbl>
+  <dgm:styleLbl name="bgAcc1">
+    <dgm:fillClrLst meth="repeat">
+      <a:schemeClr val="lt1">
+        <a:alpha val="90000"/>
+      </a:schemeClr>
+    </dgm:fillClrLst>
+    <dgm:linClrLst>
+      <a:schemeClr val="accent2"/>
+      <a:schemeClr val="accent3"/>
+    </dgm:linClrLst>
+    <dgm:effectClrLst/>
+    <dgm:txLinClrLst/>
+    <dgm:txFillClrLst meth="repeat">
+      <a:schemeClr val="dk1"/>
+    </dgm:txFillClrLst>
+    <dgm:txEffectClrLst/>
+  </dgm:styleLbl>
+  <dgm:styleLbl name="solidFgAcc1">
+    <dgm:fillClrLst meth="repeat">
+      <a:schemeClr val="lt1"/>
+    </dgm:fillClrLst>
+    <dgm:linClrLst>
+      <a:schemeClr val="accent2"/>
+      <a:schemeClr val="accent3"/>
+    </dgm:linClrLst>
+    <dgm:effectClrLst/>
+    <dgm:txLinClrLst/>
+    <dgm:txFillClrLst meth="repeat">
+      <a:schemeClr val="dk1"/>
+    </dgm:txFillClrLst>
+    <dgm:txEffectClrLst/>
+  </dgm:styleLbl>
+  <dgm:styleLbl name="solidAlignAcc1">
+    <dgm:fillClrLst meth="repeat">
+      <a:schemeClr val="lt1"/>
+    </dgm:fillClrLst>
+    <dgm:linClrLst>
+      <a:schemeClr val="accent2"/>
+      <a:schemeClr val="accent3"/>
+    </dgm:linClrLst>
+    <dgm:effectClrLst/>
+    <dgm:txLinClrLst/>
+    <dgm:txFillClrLst meth="repeat">
+      <a:schemeClr val="dk1"/>
+    </dgm:txFillClrLst>
+    <dgm:txEffectClrLst/>
+  </dgm:styleLbl>
+  <dgm:styleLbl name="solidBgAcc1">
+    <dgm:fillClrLst meth="repeat">
+      <a:schemeClr val="lt1"/>
+    </dgm:fillClrLst>
+    <dgm:linClrLst>
+      <a:schemeClr val="accent2"/>
+      <a:schemeClr val="accent3"/>
+    </dgm:linClrLst>
+    <dgm:effectClrLst/>
+    <dgm:txLinClrLst/>
+    <dgm:txFillClrLst meth="repeat">
+      <a:schemeClr val="dk1"/>
+    </dgm:txFillClrLst>
+    <dgm:txEffectClrLst/>
+  </dgm:styleLbl>
+  <dgm:styleLbl name="fgAccFollowNode1">
+    <dgm:fillClrLst>
+      <a:schemeClr val="accent2">
+        <a:tint val="40000"/>
+        <a:alpha val="90000"/>
+      </a:schemeClr>
+      <a:schemeClr val="accent3">
+        <a:tint val="40000"/>
+        <a:alpha val="90000"/>
+      </a:schemeClr>
+    </dgm:fillClrLst>
+    <dgm:linClrLst>
+      <a:schemeClr val="accent2">
+        <a:tint val="40000"/>
+        <a:alpha val="90000"/>
+      </a:schemeClr>
+      <a:schemeClr val="accent3">
+        <a:tint val="40000"/>
+        <a:alpha val="90000"/>
+      </a:schemeClr>
+    </dgm:linClrLst>
+    <dgm:effectClrLst/>
+    <dgm:txLinClrLst/>
+    <dgm:txFillClrLst meth="repeat">
+      <a:schemeClr val="dk1"/>
+    </dgm:txFillClrLst>
+    <dgm:txEffectClrLst/>
+  </dgm:styleLbl>
+  <dgm:styleLbl name="alignAccFollowNode1">
+    <dgm:fillClrLst>
+      <a:schemeClr val="accent2">
+        <a:tint val="40000"/>
+        <a:alpha val="90000"/>
+      </a:schemeClr>
+      <a:schemeClr val="accent3">
+        <a:tint val="40000"/>
+        <a:alpha val="90000"/>
+      </a:schemeClr>
+    </dgm:fillClrLst>
+    <dgm:linClrLst>
+      <a:schemeClr val="accent2">
+        <a:tint val="40000"/>
+        <a:alpha val="90000"/>
+      </a:schemeClr>
+      <a:schemeClr val="accent3">
+        <a:tint val="40000"/>
+        <a:alpha val="90000"/>
+      </a:schemeClr>
+    </dgm:linClrLst>
+    <dgm:effectClrLst/>
+    <dgm:txLinClrLst/>
+    <dgm:txFillClrLst meth="repeat">
+      <a:schemeClr val="dk1"/>
+    </dgm:txFillClrLst>
+    <dgm:txEffectClrLst/>
+  </dgm:styleLbl>
+  <dgm:styleLbl name="bgAccFollowNode1">
+    <dgm:fillClrLst>
+      <a:schemeClr val="accent2">
+        <a:tint val="40000"/>
+        <a:alpha val="90000"/>
+      </a:schemeClr>
+      <a:schemeClr val="accent3">
+        <a:tint val="40000"/>
+        <a:alpha val="90000"/>
+      </a:schemeClr>
+    </dgm:fillClrLst>
+    <dgm:linClrLst>
+      <a:schemeClr val="accent2">
+        <a:tint val="40000"/>
+        <a:alpha val="90000"/>
+      </a:schemeClr>
+      <a:schemeClr val="accent3">
+        <a:tint val="40000"/>
+        <a:alpha val="90000"/>
+      </a:schemeClr>
+    </dgm:linClrLst>
+    <dgm:effectClrLst/>
+    <dgm:txLinClrLst/>
+    <dgm:txFillClrLst meth="repeat">
+      <a:schemeClr val="dk1"/>
+    </dgm:txFillClrLst>
+    <dgm:txEffectClrLst/>
+  </dgm:styleLbl>
+  <dgm:styleLbl name="fgAcc0">
+    <dgm:fillClrLst meth="repeat">
+      <a:schemeClr val="lt1">
+        <a:alpha val="90000"/>
+      </a:schemeClr>
+    </dgm:fillClrLst>
+    <dgm:linClrLst>
+      <a:schemeClr val="accent1"/>
+    </dgm:linClrLst>
+    <dgm:effectClrLst/>
+    <dgm:txLinClrLst/>
+    <dgm:txFillClrLst meth="repeat">
+      <a:schemeClr val="dk1"/>
+    </dgm:txFillClrLst>
+    <dgm:txEffectClrLst/>
+  </dgm:styleLbl>
+  <dgm:styleLbl name="fgAcc2">
+    <dgm:fillClrLst meth="repeat">
+      <a:schemeClr val="lt1">
+        <a:alpha val="90000"/>
+      </a:schemeClr>
+    </dgm:fillClrLst>
+    <dgm:linClrLst>
+      <a:schemeClr val="accent3"/>
+    </dgm:linClrLst>
+    <dgm:effectClrLst/>
+    <dgm:txLinClrLst/>
+    <dgm:txFillClrLst meth="repeat">
+      <a:schemeClr val="dk1"/>
+    </dgm:txFillClrLst>
+    <dgm:txEffectClrLst/>
+  </dgm:styleLbl>
+  <dgm:styleLbl name="fgAcc3">
+    <dgm:fillClrLst meth="repeat">
+      <a:schemeClr val="lt1">
+        <a:alpha val="90000"/>
+      </a:schemeClr>
+    </dgm:fillClrLst>
+    <dgm:linClrLst>
+      <a:schemeClr val="accent4"/>
+    </dgm:linClrLst>
+    <dgm:effectClrLst/>
+    <dgm:txLinClrLst/>
+    <dgm:txFillClrLst meth="repeat">
+      <a:schemeClr val="dk1"/>
+    </dgm:txFillClrLst>
+    <dgm:txEffectClrLst/>
+  </dgm:styleLbl>
+  <dgm:styleLbl name="fgAcc4">
+    <dgm:fillClrLst meth="repeat">
+      <a:schemeClr val="lt1">
+        <a:alpha val="90000"/>
+      </a:schemeClr>
+    </dgm:fillClrLst>
+    <dgm:linClrLst>
+      <a:schemeClr val="accent5"/>
+    </dgm:linClrLst>
+    <dgm:effectClrLst/>
+    <dgm:txLinClrLst/>
+    <dgm:txFillClrLst meth="repeat">
+      <a:schemeClr val="dk1"/>
+    </dgm:txFillClrLst>
+    <dgm:txEffectClrLst/>
+  </dgm:styleLbl>
+  <dgm:styleLbl name="bgShp">
+    <dgm:fillClrLst>
+      <a:schemeClr val="accent2"/>
+      <a:schemeClr val="accent3"/>
+    </dgm:fillClrLst>
+    <dgm:linClrLst meth="repeat">
+      <a:schemeClr val="lt1">
+        <a:alpha val="0"/>
+      </a:schemeClr>
+    </dgm:linClrLst>
+    <dgm:effectClrLst/>
+    <dgm:txLinClrLst/>
+    <dgm:txFillClrLst/>
+    <dgm:txEffectClrLst/>
+  </dgm:styleLbl>
+  <dgm:styleLbl name="dkBgShp">
+    <dgm:fillClrLst meth="repeat">
+      <a:schemeClr val="accent2">
+        <a:shade val="90000"/>
+      </a:schemeClr>
+    </dgm:fillClrLst>
+    <dgm:linClrLst meth="repeat">
+      <a:schemeClr val="dk1"/>
+    </dgm:linClrLst>
+    <dgm:effectClrLst/>
+    <dgm:txLinClrLst/>
+    <dgm:txFillClrLst meth="repeat">
+      <a:schemeClr val="lt1"/>
+    </dgm:txFillClrLst>
+    <dgm:txEffectClrLst/>
+  </dgm:styleLbl>
+  <dgm:styleLbl name="trBgShp">
+    <dgm:fillClrLst meth="repeat">
+      <a:schemeClr val="accent2">
+        <a:tint val="50000"/>
+        <a:alpha val="40000"/>
+      </a:schemeClr>
+    </dgm:fillClrLst>
+    <dgm:linClrLst meth="repeat">
+      <a:schemeClr val="accent2"/>
+    </dgm:linClrLst>
+    <dgm:effectClrLst/>
+    <dgm:txLinClrLst/>
+    <dgm:txFillClrLst meth="repeat">
+      <a:schemeClr val="lt1"/>
+    </dgm:txFillClrLst>
+    <dgm:txEffectClrLst/>
+  </dgm:styleLbl>
+  <dgm:styleLbl name="fgShp">
+    <dgm:fillClrLst meth="repeat">
+      <a:schemeClr val="accent2">
+        <a:tint val="40000"/>
+      </a:schemeClr>
+    </dgm:fillClrLst>
+    <dgm:linClrLst meth="repeat">
+      <a:schemeClr val="lt1"/>
+    </dgm:linClrLst>
+    <dgm:effectClrLst/>
+    <dgm:txLinClrLst/>
+    <dgm:txFillClrLst meth="repeat">
+      <a:schemeClr val="dk1"/>
+    </dgm:txFillClrLst>
+    <dgm:txEffectClrLst/>
+  </dgm:styleLbl>
+  <dgm:styleLbl name="revTx">
+    <dgm:fillClrLst meth="repeat">
+      <a:schemeClr val="lt1">
+        <a:alpha val="0"/>
+      </a:schemeClr>
+    </dgm:fillClrLst>
+    <dgm:linClrLst meth="repeat">
+      <a:schemeClr val="dk1">
+        <a:alpha val="0"/>
+      </a:schemeClr>
+    </dgm:linClrLst>
+    <dgm:effectClrLst/>
+    <dgm:txLinClrLst/>
+    <dgm:txFillClrLst meth="repeat">
+      <a:schemeClr val="bg1"/>
+    </dgm:txFillClrLst>
+    <dgm:txEffectClrLst/>
+  </dgm:styleLbl>
+</dgm:colorsDef>
+</file>
+
+<file path=ppt/diagrams/data1.xml><?xml version="1.0" encoding="utf-8"?>
+<dgm:dataModel xmlns:dgm="http://schemas.openxmlformats.org/drawingml/2006/diagram" xmlns:a="http://schemas.openxmlformats.org/drawingml/2006/main">
+  <dgm:ptLst>
+    <dgm:pt modelId="{E1599B7D-7FFA-4FCE-98DA-A766A395837F}" type="doc">
+      <dgm:prSet loTypeId="urn:microsoft.com/office/officeart/2018/2/layout/IconVerticalSolidList" loCatId="icon" qsTypeId="urn:microsoft.com/office/officeart/2005/8/quickstyle/simple1" qsCatId="simple" csTypeId="urn:microsoft.com/office/officeart/2018/5/colors/Iconchunking_neutralicontext_colorful2" csCatId="colorful" phldr="1"/>
+      <dgm:spPr/>
+      <dgm:t>
+        <a:bodyPr/>
+        <a:lstStyle/>
+        <a:p>
+          <a:endParaRPr lang="en-US"/>
+        </a:p>
+      </dgm:t>
+    </dgm:pt>
+    <dgm:pt modelId="{181ADC0F-28C5-434E-AAB5-283D598FB9F9}">
+      <dgm:prSet/>
+      <dgm:spPr/>
+      <dgm:t>
+        <a:bodyPr/>
+        <a:lstStyle/>
+        <a:p>
+          <a:pPr>
+            <a:lnSpc>
+              <a:spcPct val="100000"/>
+            </a:lnSpc>
+          </a:pPr>
+          <a:r>
+            <a:rPr lang="fr-CA"/>
+            <a:t>C’était un nouveau outil que nous avions jamais utilisé auparavant.</a:t>
+          </a:r>
+          <a:endParaRPr lang="en-US"/>
+        </a:p>
+      </dgm:t>
+    </dgm:pt>
+    <dgm:pt modelId="{4BBA4CF5-7054-4B78-93CF-DBE0D777D2C3}" type="parTrans" cxnId="{B365BAC2-D270-4E3C-A22E-526F6A9AFFE8}">
+      <dgm:prSet/>
+      <dgm:spPr/>
+      <dgm:t>
+        <a:bodyPr/>
+        <a:lstStyle/>
+        <a:p>
+          <a:endParaRPr lang="en-US"/>
+        </a:p>
+      </dgm:t>
+    </dgm:pt>
+    <dgm:pt modelId="{78DE6BF7-6A85-444D-B313-081B19F4297D}" type="sibTrans" cxnId="{B365BAC2-D270-4E3C-A22E-526F6A9AFFE8}">
+      <dgm:prSet/>
+      <dgm:spPr/>
+      <dgm:t>
+        <a:bodyPr/>
+        <a:lstStyle/>
+        <a:p>
+          <a:endParaRPr lang="en-US"/>
+        </a:p>
+      </dgm:t>
+    </dgm:pt>
+    <dgm:pt modelId="{0AC8BFB8-C2BE-48B9-8449-E3D52A0A7D5B}">
+      <dgm:prSet/>
+      <dgm:spPr/>
+      <dgm:t>
+        <a:bodyPr/>
+        <a:lstStyle/>
+        <a:p>
+          <a:pPr>
+            <a:lnSpc>
+              <a:spcPct val="100000"/>
+            </a:lnSpc>
+          </a:pPr>
+          <a:r>
+            <a:rPr lang="fr-CA"/>
+            <a:t>Nous devions adapter notre code selon des critères du WCAG.</a:t>
+          </a:r>
+          <a:endParaRPr lang="en-US"/>
+        </a:p>
+      </dgm:t>
+    </dgm:pt>
+    <dgm:pt modelId="{63724226-D494-46B5-AB4E-4919D47C63D9}" type="parTrans" cxnId="{00659423-CF72-4E48-9CBD-28EA990A1A7E}">
+      <dgm:prSet/>
+      <dgm:spPr/>
+      <dgm:t>
+        <a:bodyPr/>
+        <a:lstStyle/>
+        <a:p>
+          <a:endParaRPr lang="en-US"/>
+        </a:p>
+      </dgm:t>
+    </dgm:pt>
+    <dgm:pt modelId="{39C0A7FA-B701-426D-A00A-7DC97F4938D9}" type="sibTrans" cxnId="{00659423-CF72-4E48-9CBD-28EA990A1A7E}">
+      <dgm:prSet/>
+      <dgm:spPr/>
+      <dgm:t>
+        <a:bodyPr/>
+        <a:lstStyle/>
+        <a:p>
+          <a:endParaRPr lang="en-US"/>
+        </a:p>
+      </dgm:t>
+    </dgm:pt>
+    <dgm:pt modelId="{35777C29-028F-4F5A-BFC8-61795AC4529E}" type="pres">
+      <dgm:prSet presAssocID="{E1599B7D-7FFA-4FCE-98DA-A766A395837F}" presName="root" presStyleCnt="0">
+        <dgm:presLayoutVars>
+          <dgm:dir/>
+          <dgm:resizeHandles val="exact"/>
+        </dgm:presLayoutVars>
+      </dgm:prSet>
+      <dgm:spPr/>
+    </dgm:pt>
+    <dgm:pt modelId="{85EC2B18-90A3-4EC3-8054-BBE4EB50FBAC}" type="pres">
+      <dgm:prSet presAssocID="{181ADC0F-28C5-434E-AAB5-283D598FB9F9}" presName="compNode" presStyleCnt="0"/>
+      <dgm:spPr/>
+    </dgm:pt>
+    <dgm:pt modelId="{365A106D-060C-4DB9-8D42-3C2202E221EC}" type="pres">
+      <dgm:prSet presAssocID="{181ADC0F-28C5-434E-AAB5-283D598FB9F9}" presName="bgRect" presStyleLbl="bgShp" presStyleIdx="0" presStyleCnt="2"/>
+      <dgm:spPr/>
+    </dgm:pt>
+    <dgm:pt modelId="{FD5E579C-4109-4019-A965-DDC487ADC34B}" type="pres">
+      <dgm:prSet presAssocID="{181ADC0F-28C5-434E-AAB5-283D598FB9F9}" presName="iconRect" presStyleLbl="node1" presStyleIdx="0" presStyleCnt="2"/>
+      <dgm:spPr>
+        <a:blipFill>
+          <a:blip xmlns:r="http://schemas.openxmlformats.org/officeDocument/2006/relationships" r:embed="rId1">
+            <a:extLst>
+              <a:ext uri="{28A0092B-C50C-407E-A947-70E740481C1C}">
+                <a14:useLocalDpi xmlns:a14="http://schemas.microsoft.com/office/drawing/2010/main" val="0"/>
+              </a:ext>
+              <a:ext uri="{96DAC541-7B7A-43D3-8B79-37D633B846F1}">
+                <asvg:svgBlip xmlns:asvg="http://schemas.microsoft.com/office/drawing/2016/SVG/main" r:embed="rId2"/>
+              </a:ext>
+            </a:extLst>
+          </a:blip>
+          <a:srcRect/>
+          <a:stretch>
+            <a:fillRect/>
+          </a:stretch>
+        </a:blipFill>
+        <a:ln>
+          <a:noFill/>
+        </a:ln>
+      </dgm:spPr>
+      <dgm:extLst>
+        <a:ext uri="{E40237B7-FDA0-4F09-8148-C483321AD2D9}">
+          <dgm14:cNvPr xmlns:dgm14="http://schemas.microsoft.com/office/drawing/2010/diagram" id="0" name="" descr="Ajouter"/>
+        </a:ext>
+      </dgm:extLst>
+    </dgm:pt>
+    <dgm:pt modelId="{A1D74B5D-EE42-4BB3-BBD0-18ACF3DB9053}" type="pres">
+      <dgm:prSet presAssocID="{181ADC0F-28C5-434E-AAB5-283D598FB9F9}" presName="spaceRect" presStyleCnt="0"/>
+      <dgm:spPr/>
+    </dgm:pt>
+    <dgm:pt modelId="{3DFD7683-142C-4D42-B254-7B96E1B92FDF}" type="pres">
+      <dgm:prSet presAssocID="{181ADC0F-28C5-434E-AAB5-283D598FB9F9}" presName="parTx" presStyleLbl="revTx" presStyleIdx="0" presStyleCnt="2">
+        <dgm:presLayoutVars>
+          <dgm:chMax val="0"/>
+          <dgm:chPref val="0"/>
+        </dgm:presLayoutVars>
+      </dgm:prSet>
+      <dgm:spPr/>
+    </dgm:pt>
+    <dgm:pt modelId="{33F6EE0E-EEB3-4209-A7A4-8407408D1238}" type="pres">
+      <dgm:prSet presAssocID="{78DE6BF7-6A85-444D-B313-081B19F4297D}" presName="sibTrans" presStyleCnt="0"/>
+      <dgm:spPr/>
+    </dgm:pt>
+    <dgm:pt modelId="{52B9F6A6-7711-442B-9B5F-CC179C39BAC6}" type="pres">
+      <dgm:prSet presAssocID="{0AC8BFB8-C2BE-48B9-8449-E3D52A0A7D5B}" presName="compNode" presStyleCnt="0"/>
+      <dgm:spPr/>
+    </dgm:pt>
+    <dgm:pt modelId="{3B82918B-2C0C-41D5-BF64-E8B9B1D0CBFF}" type="pres">
+      <dgm:prSet presAssocID="{0AC8BFB8-C2BE-48B9-8449-E3D52A0A7D5B}" presName="bgRect" presStyleLbl="bgShp" presStyleIdx="1" presStyleCnt="2"/>
+      <dgm:spPr/>
+    </dgm:pt>
+    <dgm:pt modelId="{17393CEA-7828-46B7-B6CB-15170EECC7CB}" type="pres">
+      <dgm:prSet presAssocID="{0AC8BFB8-C2BE-48B9-8449-E3D52A0A7D5B}" presName="iconRect" presStyleLbl="node1" presStyleIdx="1" presStyleCnt="2"/>
+      <dgm:spPr>
+        <a:blipFill>
+          <a:blip xmlns:r="http://schemas.openxmlformats.org/officeDocument/2006/relationships" r:embed="rId3">
+            <a:extLst>
+              <a:ext uri="{28A0092B-C50C-407E-A947-70E740481C1C}">
+                <a14:useLocalDpi xmlns:a14="http://schemas.microsoft.com/office/drawing/2010/main" val="0"/>
+              </a:ext>
+              <a:ext uri="{96DAC541-7B7A-43D3-8B79-37D633B846F1}">
+                <asvg:svgBlip xmlns:asvg="http://schemas.microsoft.com/office/drawing/2016/SVG/main" r:embed="rId4"/>
+              </a:ext>
+            </a:extLst>
+          </a:blip>
+          <a:stretch>
+            <a:fillRect/>
+          </a:stretch>
+        </a:blipFill>
+        <a:ln>
+          <a:noFill/>
+        </a:ln>
+      </dgm:spPr>
+      <dgm:extLst>
+        <a:ext uri="{E40237B7-FDA0-4F09-8148-C483321AD2D9}">
+          <dgm14:cNvPr xmlns:dgm14="http://schemas.microsoft.com/office/drawing/2010/diagram" id="0" name="" descr="Lightbulb"/>
+        </a:ext>
+      </dgm:extLst>
+    </dgm:pt>
+    <dgm:pt modelId="{061369A1-5A73-4C9A-AF1C-D0C4170C05DD}" type="pres">
+      <dgm:prSet presAssocID="{0AC8BFB8-C2BE-48B9-8449-E3D52A0A7D5B}" presName="spaceRect" presStyleCnt="0"/>
+      <dgm:spPr/>
+    </dgm:pt>
+    <dgm:pt modelId="{771DCD29-63FB-4C61-91BF-C13EBCCA3383}" type="pres">
+      <dgm:prSet presAssocID="{0AC8BFB8-C2BE-48B9-8449-E3D52A0A7D5B}" presName="parTx" presStyleLbl="revTx" presStyleIdx="1" presStyleCnt="2">
+        <dgm:presLayoutVars>
+          <dgm:chMax val="0"/>
+          <dgm:chPref val="0"/>
+        </dgm:presLayoutVars>
+      </dgm:prSet>
+      <dgm:spPr/>
+    </dgm:pt>
+  </dgm:ptLst>
+  <dgm:cxnLst>
+    <dgm:cxn modelId="{00659423-CF72-4E48-9CBD-28EA990A1A7E}" srcId="{E1599B7D-7FFA-4FCE-98DA-A766A395837F}" destId="{0AC8BFB8-C2BE-48B9-8449-E3D52A0A7D5B}" srcOrd="1" destOrd="0" parTransId="{63724226-D494-46B5-AB4E-4919D47C63D9}" sibTransId="{39C0A7FA-B701-426D-A00A-7DC97F4938D9}"/>
+    <dgm:cxn modelId="{2E54E52F-1B0A-4D49-B8C7-2A1F2326462B}" type="presOf" srcId="{0AC8BFB8-C2BE-48B9-8449-E3D52A0A7D5B}" destId="{771DCD29-63FB-4C61-91BF-C13EBCCA3383}" srcOrd="0" destOrd="0" presId="urn:microsoft.com/office/officeart/2018/2/layout/IconVerticalSolidList"/>
+    <dgm:cxn modelId="{72A7C64E-DCA8-4055-82D8-7C057F7326A3}" type="presOf" srcId="{181ADC0F-28C5-434E-AAB5-283D598FB9F9}" destId="{3DFD7683-142C-4D42-B254-7B96E1B92FDF}" srcOrd="0" destOrd="0" presId="urn:microsoft.com/office/officeart/2018/2/layout/IconVerticalSolidList"/>
+    <dgm:cxn modelId="{1A0A8A76-9AC2-45AA-8C0E-506373527189}" type="presOf" srcId="{E1599B7D-7FFA-4FCE-98DA-A766A395837F}" destId="{35777C29-028F-4F5A-BFC8-61795AC4529E}" srcOrd="0" destOrd="0" presId="urn:microsoft.com/office/officeart/2018/2/layout/IconVerticalSolidList"/>
+    <dgm:cxn modelId="{B365BAC2-D270-4E3C-A22E-526F6A9AFFE8}" srcId="{E1599B7D-7FFA-4FCE-98DA-A766A395837F}" destId="{181ADC0F-28C5-434E-AAB5-283D598FB9F9}" srcOrd="0" destOrd="0" parTransId="{4BBA4CF5-7054-4B78-93CF-DBE0D777D2C3}" sibTransId="{78DE6BF7-6A85-444D-B313-081B19F4297D}"/>
+    <dgm:cxn modelId="{08860EDD-E822-4437-A9CA-EDFDAC665248}" type="presParOf" srcId="{35777C29-028F-4F5A-BFC8-61795AC4529E}" destId="{85EC2B18-90A3-4EC3-8054-BBE4EB50FBAC}" srcOrd="0" destOrd="0" presId="urn:microsoft.com/office/officeart/2018/2/layout/IconVerticalSolidList"/>
+    <dgm:cxn modelId="{A0A0486C-080C-4879-AD80-2F553764D2D8}" type="presParOf" srcId="{85EC2B18-90A3-4EC3-8054-BBE4EB50FBAC}" destId="{365A106D-060C-4DB9-8D42-3C2202E221EC}" srcOrd="0" destOrd="0" presId="urn:microsoft.com/office/officeart/2018/2/layout/IconVerticalSolidList"/>
+    <dgm:cxn modelId="{DAAC1852-5A31-41D5-9C81-5C9D6A945A05}" type="presParOf" srcId="{85EC2B18-90A3-4EC3-8054-BBE4EB50FBAC}" destId="{FD5E579C-4109-4019-A965-DDC487ADC34B}" srcOrd="1" destOrd="0" presId="urn:microsoft.com/office/officeart/2018/2/layout/IconVerticalSolidList"/>
+    <dgm:cxn modelId="{646A1061-0B9E-4F44-B4A7-E8724125C7F3}" type="presParOf" srcId="{85EC2B18-90A3-4EC3-8054-BBE4EB50FBAC}" destId="{A1D74B5D-EE42-4BB3-BBD0-18ACF3DB9053}" srcOrd="2" destOrd="0" presId="urn:microsoft.com/office/officeart/2018/2/layout/IconVerticalSolidList"/>
+    <dgm:cxn modelId="{0DB960BE-4D0E-4E4C-ACF3-4E9F55065EF7}" type="presParOf" srcId="{85EC2B18-90A3-4EC3-8054-BBE4EB50FBAC}" destId="{3DFD7683-142C-4D42-B254-7B96E1B92FDF}" srcOrd="3" destOrd="0" presId="urn:microsoft.com/office/officeart/2018/2/layout/IconVerticalSolidList"/>
+    <dgm:cxn modelId="{DA0E41C8-B857-41E2-BFBF-A96504B98310}" type="presParOf" srcId="{35777C29-028F-4F5A-BFC8-61795AC4529E}" destId="{33F6EE0E-EEB3-4209-A7A4-8407408D1238}" srcOrd="1" destOrd="0" presId="urn:microsoft.com/office/officeart/2018/2/layout/IconVerticalSolidList"/>
+    <dgm:cxn modelId="{27828C0A-D92E-4DA7-9680-88A7AF11C89B}" type="presParOf" srcId="{35777C29-028F-4F5A-BFC8-61795AC4529E}" destId="{52B9F6A6-7711-442B-9B5F-CC179C39BAC6}" srcOrd="2" destOrd="0" presId="urn:microsoft.com/office/officeart/2018/2/layout/IconVerticalSolidList"/>
+    <dgm:cxn modelId="{4147D4E6-4BF9-4C7F-82F3-27061F2FD4B6}" type="presParOf" srcId="{52B9F6A6-7711-442B-9B5F-CC179C39BAC6}" destId="{3B82918B-2C0C-41D5-BF64-E8B9B1D0CBFF}" srcOrd="0" destOrd="0" presId="urn:microsoft.com/office/officeart/2018/2/layout/IconVerticalSolidList"/>
+    <dgm:cxn modelId="{B6D4F4F2-FF54-4EDF-8070-847DB14C3D48}" type="presParOf" srcId="{52B9F6A6-7711-442B-9B5F-CC179C39BAC6}" destId="{17393CEA-7828-46B7-B6CB-15170EECC7CB}" srcOrd="1" destOrd="0" presId="urn:microsoft.com/office/officeart/2018/2/layout/IconVerticalSolidList"/>
+    <dgm:cxn modelId="{C088D3DF-7629-4113-B4C0-2670ABE0A8FD}" type="presParOf" srcId="{52B9F6A6-7711-442B-9B5F-CC179C39BAC6}" destId="{061369A1-5A73-4C9A-AF1C-D0C4170C05DD}" srcOrd="2" destOrd="0" presId="urn:microsoft.com/office/officeart/2018/2/layout/IconVerticalSolidList"/>
+    <dgm:cxn modelId="{005E3ED8-F490-4A58-8307-9E9167D59C90}" type="presParOf" srcId="{52B9F6A6-7711-442B-9B5F-CC179C39BAC6}" destId="{771DCD29-63FB-4C61-91BF-C13EBCCA3383}" srcOrd="3" destOrd="0" presId="urn:microsoft.com/office/officeart/2018/2/layout/IconVerticalSolidList"/>
+  </dgm:cxnLst>
+  <dgm:bg/>
+  <dgm:whole/>
+  <dgm:extLst>
+    <a:ext uri="http://schemas.microsoft.com/office/drawing/2008/diagram">
+      <dsp:dataModelExt xmlns:dsp="http://schemas.microsoft.com/office/drawing/2008/diagram" relId="rId6" minVer="http://schemas.openxmlformats.org/drawingml/2006/diagram"/>
+    </a:ext>
+  </dgm:extLst>
+</dgm:dataModel>
+</file>
+
+<file path=ppt/diagrams/drawing1.xml><?xml version="1.0" encoding="utf-8"?>
+<dsp:drawing xmlns:dgm="http://schemas.openxmlformats.org/drawingml/2006/diagram" xmlns:dsp="http://schemas.microsoft.com/office/drawing/2008/diagram" xmlns:a="http://schemas.openxmlformats.org/drawingml/2006/main">
+  <dsp:spTree>
+    <dsp:nvGrpSpPr>
+      <dsp:cNvPr id="0" name=""/>
+      <dsp:cNvGrpSpPr/>
+    </dsp:nvGrpSpPr>
+    <dsp:grpSpPr/>
+    <dsp:sp modelId="{365A106D-060C-4DB9-8D42-3C2202E221EC}">
+      <dsp:nvSpPr>
+        <dsp:cNvPr id="0" name=""/>
+        <dsp:cNvSpPr/>
+      </dsp:nvSpPr>
+      <dsp:spPr>
+        <a:xfrm>
+          <a:off x="0" y="707092"/>
+          <a:ext cx="10515600" cy="1305401"/>
+        </a:xfrm>
+        <a:prstGeom prst="roundRect">
+          <a:avLst>
+            <a:gd name="adj" fmla="val 10000"/>
+          </a:avLst>
+        </a:prstGeom>
+        <a:solidFill>
+          <a:schemeClr val="accent2">
+            <a:hueOff val="0"/>
+            <a:satOff val="0"/>
+            <a:lumOff val="0"/>
+            <a:alphaOff val="0"/>
+          </a:schemeClr>
+        </a:solidFill>
+        <a:ln>
+          <a:noFill/>
+        </a:ln>
+        <a:effectLst/>
+      </dsp:spPr>
+      <dsp:style>
+        <a:lnRef idx="0">
+          <a:scrgbClr r="0" g="0" b="0"/>
+        </a:lnRef>
+        <a:fillRef idx="1">
+          <a:scrgbClr r="0" g="0" b="0"/>
+        </a:fillRef>
+        <a:effectRef idx="0">
+          <a:scrgbClr r="0" g="0" b="0"/>
+        </a:effectRef>
+        <a:fontRef idx="minor"/>
+      </dsp:style>
+    </dsp:sp>
+    <dsp:sp modelId="{FD5E579C-4109-4019-A965-DDC487ADC34B}">
+      <dsp:nvSpPr>
+        <dsp:cNvPr id="0" name=""/>
+        <dsp:cNvSpPr/>
+      </dsp:nvSpPr>
+      <dsp:spPr>
+        <a:xfrm>
+          <a:off x="394883" y="1000807"/>
+          <a:ext cx="717970" cy="717970"/>
+        </a:xfrm>
+        <a:prstGeom prst="rect">
+          <a:avLst/>
+        </a:prstGeom>
+        <a:blipFill>
+          <a:blip xmlns:r="http://schemas.openxmlformats.org/officeDocument/2006/relationships" r:embed="rId1">
+            <a:extLst>
+              <a:ext uri="{28A0092B-C50C-407E-A947-70E740481C1C}">
+                <a14:useLocalDpi xmlns:a14="http://schemas.microsoft.com/office/drawing/2010/main" val="0"/>
+              </a:ext>
+              <a:ext uri="{96DAC541-7B7A-43D3-8B79-37D633B846F1}">
+                <asvg:svgBlip xmlns:asvg="http://schemas.microsoft.com/office/drawing/2016/SVG/main" r:embed="rId2"/>
+              </a:ext>
+            </a:extLst>
+          </a:blip>
+          <a:srcRect/>
+          <a:stretch>
+            <a:fillRect/>
+          </a:stretch>
+        </a:blipFill>
+        <a:ln w="12700" cap="flat" cmpd="sng" algn="ctr">
+          <a:noFill/>
+          <a:prstDash val="solid"/>
+          <a:miter lim="800000"/>
+        </a:ln>
+        <a:effectLst/>
+      </dsp:spPr>
+      <dsp:style>
+        <a:lnRef idx="2">
+          <a:scrgbClr r="0" g="0" b="0"/>
+        </a:lnRef>
+        <a:fillRef idx="1">
+          <a:scrgbClr r="0" g="0" b="0"/>
+        </a:fillRef>
+        <a:effectRef idx="0">
+          <a:scrgbClr r="0" g="0" b="0"/>
+        </a:effectRef>
+        <a:fontRef idx="minor">
+          <a:schemeClr val="lt1"/>
+        </a:fontRef>
+      </dsp:style>
+    </dsp:sp>
+    <dsp:sp modelId="{3DFD7683-142C-4D42-B254-7B96E1B92FDF}">
+      <dsp:nvSpPr>
+        <dsp:cNvPr id="0" name=""/>
+        <dsp:cNvSpPr/>
+      </dsp:nvSpPr>
+      <dsp:spPr>
+        <a:xfrm>
+          <a:off x="1507738" y="707092"/>
+          <a:ext cx="9007861" cy="1305401"/>
+        </a:xfrm>
+        <a:prstGeom prst="rect">
+          <a:avLst/>
+        </a:prstGeom>
+        <a:noFill/>
+        <a:ln>
+          <a:noFill/>
+        </a:ln>
+        <a:effectLst/>
+      </dsp:spPr>
+      <dsp:style>
+        <a:lnRef idx="0">
+          <a:scrgbClr r="0" g="0" b="0"/>
+        </a:lnRef>
+        <a:fillRef idx="0">
+          <a:scrgbClr r="0" g="0" b="0"/>
+        </a:fillRef>
+        <a:effectRef idx="0">
+          <a:scrgbClr r="0" g="0" b="0"/>
+        </a:effectRef>
+        <a:fontRef idx="minor"/>
+      </dsp:style>
+      <dsp:txBody>
+        <a:bodyPr spcFirstLastPara="0" vert="horz" wrap="square" lIns="138155" tIns="138155" rIns="138155" bIns="138155" numCol="1" spcCol="1270" anchor="ctr" anchorCtr="0">
+          <a:noAutofit/>
+        </a:bodyPr>
+        <a:lstStyle/>
+        <a:p>
+          <a:pPr marL="0" lvl="0" indent="0" algn="l" defTabSz="1111250">
+            <a:lnSpc>
+              <a:spcPct val="100000"/>
+            </a:lnSpc>
+            <a:spcBef>
+              <a:spcPct val="0"/>
+            </a:spcBef>
+            <a:spcAft>
+              <a:spcPct val="35000"/>
+            </a:spcAft>
+            <a:buNone/>
+          </a:pPr>
+          <a:r>
+            <a:rPr lang="fr-CA" sz="2500" kern="1200"/>
+            <a:t>C’était un nouveau outil que nous avions jamais utilisé auparavant.</a:t>
+          </a:r>
+          <a:endParaRPr lang="en-US" sz="2500" kern="1200"/>
+        </a:p>
+      </dsp:txBody>
+      <dsp:txXfrm>
+        <a:off x="1507738" y="707092"/>
+        <a:ext cx="9007861" cy="1305401"/>
+      </dsp:txXfrm>
+    </dsp:sp>
+    <dsp:sp modelId="{3B82918B-2C0C-41D5-BF64-E8B9B1D0CBFF}">
+      <dsp:nvSpPr>
+        <dsp:cNvPr id="0" name=""/>
+        <dsp:cNvSpPr/>
+      </dsp:nvSpPr>
+      <dsp:spPr>
+        <a:xfrm>
+          <a:off x="0" y="2338844"/>
+          <a:ext cx="10515600" cy="1305401"/>
+        </a:xfrm>
+        <a:prstGeom prst="roundRect">
+          <a:avLst>
+            <a:gd name="adj" fmla="val 10000"/>
+          </a:avLst>
+        </a:prstGeom>
+        <a:solidFill>
+          <a:schemeClr val="accent2">
+            <a:hueOff val="-1455363"/>
+            <a:satOff val="-83928"/>
+            <a:lumOff val="8628"/>
+            <a:alphaOff val="0"/>
+          </a:schemeClr>
+        </a:solidFill>
+        <a:ln>
+          <a:noFill/>
+        </a:ln>
+        <a:effectLst/>
+      </dsp:spPr>
+      <dsp:style>
+        <a:lnRef idx="0">
+          <a:scrgbClr r="0" g="0" b="0"/>
+        </a:lnRef>
+        <a:fillRef idx="1">
+          <a:scrgbClr r="0" g="0" b="0"/>
+        </a:fillRef>
+        <a:effectRef idx="0">
+          <a:scrgbClr r="0" g="0" b="0"/>
+        </a:effectRef>
+        <a:fontRef idx="minor"/>
+      </dsp:style>
+    </dsp:sp>
+    <dsp:sp modelId="{17393CEA-7828-46B7-B6CB-15170EECC7CB}">
+      <dsp:nvSpPr>
+        <dsp:cNvPr id="0" name=""/>
+        <dsp:cNvSpPr/>
+      </dsp:nvSpPr>
+      <dsp:spPr>
+        <a:xfrm>
+          <a:off x="394883" y="2632559"/>
+          <a:ext cx="717970" cy="717970"/>
+        </a:xfrm>
+        <a:prstGeom prst="rect">
+          <a:avLst/>
+        </a:prstGeom>
+        <a:blipFill>
+          <a:blip xmlns:r="http://schemas.openxmlformats.org/officeDocument/2006/relationships" r:embed="rId3">
+            <a:extLst>
+              <a:ext uri="{28A0092B-C50C-407E-A947-70E740481C1C}">
+                <a14:useLocalDpi xmlns:a14="http://schemas.microsoft.com/office/drawing/2010/main" val="0"/>
+              </a:ext>
+              <a:ext uri="{96DAC541-7B7A-43D3-8B79-37D633B846F1}">
+                <asvg:svgBlip xmlns:asvg="http://schemas.microsoft.com/office/drawing/2016/SVG/main" r:embed="rId4"/>
+              </a:ext>
+            </a:extLst>
+          </a:blip>
+          <a:stretch>
+            <a:fillRect/>
+          </a:stretch>
+        </a:blipFill>
+        <a:ln w="12700" cap="flat" cmpd="sng" algn="ctr">
+          <a:noFill/>
+          <a:prstDash val="solid"/>
+          <a:miter lim="800000"/>
+        </a:ln>
+        <a:effectLst/>
+      </dsp:spPr>
+      <dsp:style>
+        <a:lnRef idx="2">
+          <a:scrgbClr r="0" g="0" b="0"/>
+        </a:lnRef>
+        <a:fillRef idx="1">
+          <a:scrgbClr r="0" g="0" b="0"/>
+        </a:fillRef>
+        <a:effectRef idx="0">
+          <a:scrgbClr r="0" g="0" b="0"/>
+        </a:effectRef>
+        <a:fontRef idx="minor">
+          <a:schemeClr val="lt1"/>
+        </a:fontRef>
+      </dsp:style>
+    </dsp:sp>
+    <dsp:sp modelId="{771DCD29-63FB-4C61-91BF-C13EBCCA3383}">
+      <dsp:nvSpPr>
+        <dsp:cNvPr id="0" name=""/>
+        <dsp:cNvSpPr/>
+      </dsp:nvSpPr>
+      <dsp:spPr>
+        <a:xfrm>
+          <a:off x="1507738" y="2338844"/>
+          <a:ext cx="9007861" cy="1305401"/>
+        </a:xfrm>
+        <a:prstGeom prst="rect">
+          <a:avLst/>
+        </a:prstGeom>
+        <a:noFill/>
+        <a:ln>
+          <a:noFill/>
+        </a:ln>
+        <a:effectLst/>
+      </dsp:spPr>
+      <dsp:style>
+        <a:lnRef idx="0">
+          <a:scrgbClr r="0" g="0" b="0"/>
+        </a:lnRef>
+        <a:fillRef idx="0">
+          <a:scrgbClr r="0" g="0" b="0"/>
+        </a:fillRef>
+        <a:effectRef idx="0">
+          <a:scrgbClr r="0" g="0" b="0"/>
+        </a:effectRef>
+        <a:fontRef idx="minor"/>
+      </dsp:style>
+      <dsp:txBody>
+        <a:bodyPr spcFirstLastPara="0" vert="horz" wrap="square" lIns="138155" tIns="138155" rIns="138155" bIns="138155" numCol="1" spcCol="1270" anchor="ctr" anchorCtr="0">
+          <a:noAutofit/>
+        </a:bodyPr>
+        <a:lstStyle/>
+        <a:p>
+          <a:pPr marL="0" lvl="0" indent="0" algn="l" defTabSz="1111250">
+            <a:lnSpc>
+              <a:spcPct val="100000"/>
+            </a:lnSpc>
+            <a:spcBef>
+              <a:spcPct val="0"/>
+            </a:spcBef>
+            <a:spcAft>
+              <a:spcPct val="35000"/>
+            </a:spcAft>
+            <a:buNone/>
+          </a:pPr>
+          <a:r>
+            <a:rPr lang="fr-CA" sz="2500" kern="1200"/>
+            <a:t>Nous devions adapter notre code selon des critères du WCAG.</a:t>
+          </a:r>
+          <a:endParaRPr lang="en-US" sz="2500" kern="1200"/>
+        </a:p>
+      </dsp:txBody>
+      <dsp:txXfrm>
+        <a:off x="1507738" y="2338844"/>
+        <a:ext cx="9007861" cy="1305401"/>
+      </dsp:txXfrm>
+    </dsp:sp>
+  </dsp:spTree>
+</dsp:drawing>
+</file>
+
+<file path=ppt/diagrams/layout1.xml><?xml version="1.0" encoding="utf-8"?>
+<dgm:layoutDef xmlns:dgm="http://schemas.openxmlformats.org/drawingml/2006/diagram" xmlns:a="http://schemas.openxmlformats.org/drawingml/2006/main" uniqueId="urn:microsoft.com/office/officeart/2018/2/layout/IconVerticalSolidList">
+  <dgm:title val="Icon Vertical Solid List"/>
+  <dgm:desc val="Use to show a series of visuals from top to bottom with Level 1 or Level 1 and Level 2 text grouped in a shape. Works best with icons or small pictures with lengthier descriptions."/>
+  <dgm:catLst>
+    <dgm:cat type="icon" pri="500"/>
+  </dgm:catLst>
+  <dgm:sampData useDef="1">
+    <dgm:dataModel>
+      <dgm:ptLst/>
+      <dgm:bg/>
+      <dgm:whole/>
+    </dgm:dataModel>
+  </dgm:sampData>
+  <dgm:styleData useDef="1">
+    <dgm:dataModel>
+      <dgm:ptLst/>
+      <dgm:bg/>
+      <dgm:whole/>
+    </dgm:dataModel>
+  </dgm:styleData>
+  <dgm:clrData useDef="1">
+    <dgm:dataModel>
+      <dgm:ptLst/>
+      <dgm:bg/>
+      <dgm:whole/>
+    </dgm:dataModel>
+  </dgm:clrData>
+  <dgm:layoutNode name="root">
+    <dgm:varLst>
+      <dgm:dir/>
+      <dgm:resizeHandles val="exact"/>
+    </dgm:varLst>
+    <dgm:choose name="Name0">
+      <dgm:if name="Name1" axis="self" func="var" arg="dir" op="equ" val="norm">
+        <dgm:alg type="lin">
+          <dgm:param type="linDir" val="fromT"/>
+          <dgm:param type="nodeHorzAlign" val="l"/>
+        </dgm:alg>
+      </dgm:if>
+      <dgm:else name="Name2">
+        <dgm:alg type="lin">
+          <dgm:param type="linDir" val="fromT"/>
+          <dgm:param type="nodeHorzAlign" val="r"/>
+        </dgm:alg>
+      </dgm:else>
+    </dgm:choose>
+    <dgm:shape xmlns:r="http://schemas.openxmlformats.org/officeDocument/2006/relationships" r:blip="">
+      <dgm:adjLst/>
+    </dgm:shape>
+    <dgm:presOf/>
+    <dgm:choose name="Name3">
+      <dgm:if name="Name4" axis="ch" ptType="node" func="cnt" op="lte" val="3">
+        <dgm:constrLst>
+          <dgm:constr type="h" for="ch" forName="compNode" refType="h" fact="0.3"/>
+          <dgm:constr type="w" for="ch" forName="compNode" refType="w"/>
+          <dgm:constr type="h" for="ch" forName="sibTrans" refType="h" refFor="ch" refForName="compNode" fact="0.25"/>
+          <dgm:constr type="primFontSz" for="des" forName="parTx" val="25"/>
+          <dgm:constr type="primFontSz" for="des" forName="desTx" refType="primFontSz" refFor="des" refForName="parTx" op="lte" fact="0.75"/>
+          <dgm:constr type="h" for="des" forName="compNode" op="equ"/>
+          <dgm:constr type="h" for="des" forName="bgRect" op="equ"/>
+          <dgm:constr type="h" for="des" forName="iconRect" op="equ"/>
+          <dgm:constr type="w" for="des" forName="iconRect" op="equ"/>
+          <dgm:constr type="h" for="des" forName="spaceRect" op="equ"/>
+          <dgm:constr type="h" for="des" forName="parTx" op="equ"/>
+          <dgm:constr type="h" for="des" forName="desTx" op="equ"/>
+        </dgm:constrLst>
+      </dgm:if>
+      <dgm:if name="Name5" axis="ch" ptType="node" func="cnt" op="lte" val="4">
+        <dgm:constrLst>
+          <dgm:constr type="h" for="ch" forName="compNode" refType="h" fact="0.3"/>
+          <dgm:constr type="w" for="ch" forName="compNode" refType="w"/>
+          <dgm:constr type="h" for="ch" forName="sibTrans" refType="h" refFor="ch" refForName="compNode" fact="0.25"/>
+          <dgm:constr type="primFontSz" for="des" forName="parTx" val="22"/>
+          <dgm:constr type="primFontSz" for="des" forName="desTx" refType="primFontSz" refFor="des" refForName="parTx" op="lte" fact="0.75"/>
+          <dgm:constr type="h" for="des" forName="compNode" op="equ"/>
+          <dgm:constr type="h" for="des" forName="bgRect" op="equ"/>
+          <dgm:constr type="h" for="des" forName="iconRect" op="equ"/>
+          <dgm:constr type="w" for="des" forName="iconRect" op="equ"/>
+          <dgm:constr type="h" for="des" forName="spaceRect" op="equ"/>
+          <dgm:constr type="h" for="des" forName="parTx" op="equ"/>
+          <dgm:constr type="h" for="des" forName="desTx" op="equ"/>
+        </dgm:constrLst>
+      </dgm:if>
+      <dgm:if name="Name6" axis="ch" ptType="node" func="cnt" op="lte" val="6">
+        <dgm:constrLst>
+          <dgm:constr type="h" for="ch" forName="compNode" refType="h" fact="0.3"/>
+          <dgm:constr type="w" for="ch" forName="compNode" refType="w"/>
+          <dgm:constr type="h" for="ch" forName="sibTrans" refType="h" refFor="ch" refForName="compNode" fact="0.25"/>
+          <dgm:constr type="primFontSz" for="des" forName="parTx" val="19"/>
+          <dgm:constr type="primFontSz" for="des" forName="desTx" refType="primFontSz" refFor="des" refForName="parTx" op="lte" fact="0.75"/>
+          <dgm:constr type="h" for="des" forName="compNode" op="equ"/>
+          <dgm:constr type="h" for="des" forName="bgRect" op="equ"/>
+          <dgm:constr type="h" for="des" forName="iconRect" op="equ"/>
+          <dgm:constr type="w" for="des" forName="iconRect" op="equ"/>
+          <dgm:constr type="h" for="des" forName="spaceRect" op="equ"/>
+          <dgm:constr type="h" for="des" forName="parTx" op="equ"/>
+          <dgm:constr type="h" for="des" forName="desTx" op="equ"/>
+        </dgm:constrLst>
+      </dgm:if>
+      <dgm:else name="Name7">
+        <dgm:constrLst>
+          <dgm:constr type="h" for="ch" forName="compNode" refType="h" fact="0.3"/>
+          <dgm:constr type="w" for="ch" forName="compNode" refType="w"/>
+          <dgm:constr type="h" for="ch" forName="sibTrans" refType="h" refFor="ch" refForName="compNode" fact="0.25"/>
+          <dgm:constr type="primFontSz" for="des" forName="parTx" val="16"/>
+          <dgm:constr type="primFontSz" for="des" forName="desTx" refType="primFontSz" refFor="des" refForName="parTx" op="lte" fact="0.75"/>
+          <dgm:constr type="h" for="des" forName="compNode" op="equ"/>
+          <dgm:constr type="h" for="des" forName="bgRect" op="equ"/>
+          <dgm:constr type="h" for="des" forName="iconRect" op="equ"/>
+          <dgm:constr type="w" for="des" forName="iconRect" op="equ"/>
+          <dgm:constr type="h" for="des" forName="spaceRect" op="equ"/>
+          <dgm:constr type="h" for="des" forName="parTx" op="equ"/>
+          <dgm:constr type="h" for="des" forName="desTx" op="equ"/>
+        </dgm:constrLst>
+      </dgm:else>
+    </dgm:choose>
+    <dgm:ruleLst>
+      <dgm:rule type="h" for="ch" forName="compNode" val="0" fact="NaN" max="NaN"/>
+    </dgm:ruleLst>
+    <dgm:forEach name="Name8" axis="ch" ptType="node">
+      <dgm:layoutNode name="compNode">
+        <dgm:alg type="composite"/>
+        <dgm:shape xmlns:r="http://schemas.openxmlformats.org/officeDocument/2006/relationships" r:blip="">
+          <dgm:adjLst/>
+        </dgm:shape>
+        <dgm:presOf axis="self"/>
+        <dgm:choose name="Name9">
+          <dgm:if name="Name10" axis="ch" ptType="node" func="cnt" op="gte" val="1">
+            <dgm:constrLst>
+              <dgm:constr type="w" for="ch" forName="bgRect" refType="w"/>
+              <dgm:constr type="h" for="ch" forName="bgRect" refType="h"/>
+              <dgm:constr type="l" for="ch" forName="bgRect"/>
+              <dgm:constr type="t" for="ch" forName="bgRect"/>
+              <dgm:constr type="h" for="ch" forName="iconRect" refType="h" fact="0.55"/>
+              <dgm:constr type="w" for="ch" forName="iconRect" refType="h" refFor="ch" refForName="iconRect"/>
+              <dgm:constr type="l" for="ch" forName="iconRect" refType="h" refFor="ch" refForName="iconRect" fact="0.55"/>
+              <dgm:constr type="ctrY" for="ch" forName="iconRect" refType="ctrY" refFor="ch" refForName="bgRect"/>
+              <dgm:constr type="w" for="ch" forName="spaceRect" refType="l" refFor="ch" refForName="iconRect"/>
+              <dgm:constr type="h" for="ch" forName="spaceRect" refType="h"/>
+              <dgm:constr type="l" for="ch" forName="spaceRect" refType="r" refFor="ch" refForName="iconRect"/>
+              <dgm:constr type="t" for="ch" forName="spaceRect"/>
+              <dgm:constr type="w" for="ch" forName="parTx" refType="w" fact="0.45"/>
+              <dgm:constr type="h" for="ch" forName="parTx" refType="h"/>
+              <dgm:constr type="l" for="ch" forName="parTx" refType="r" refFor="ch" refForName="spaceRect"/>
+              <dgm:constr type="t" for="ch" forName="parTx"/>
+              <dgm:constr type="h" for="ch" forName="desTx" refType="h"/>
+              <dgm:constr type="l" for="ch" forName="desTx" refType="r" refFor="ch" refForName="parTx"/>
+              <dgm:constr type="t" for="ch" forName="desTx"/>
+            </dgm:constrLst>
+          </dgm:if>
+          <dgm:else name="Name11">
+            <dgm:constrLst>
+              <dgm:constr type="w" for="ch" forName="bgRect" refType="w"/>
+              <dgm:constr type="h" for="ch" forName="bgRect" refType="h"/>
+              <dgm:constr type="l" for="ch" forName="bgRect"/>
+              <dgm:constr type="t" for="ch" forName="bgRect"/>
+              <dgm:constr type="h" for="ch" forName="iconRect" refType="h" fact="0.55"/>
+              <dgm:constr type="w" for="ch" forName="iconRect" refType="h" refFor="ch" refForName="iconRect"/>
+              <dgm:constr type="l" for="ch" forName="iconRect" refType="h" refFor="ch" refForName="iconRect" fact="0.55"/>
+              <dgm:constr type="ctrY" for="ch" forName="iconRect" refType="ctrY" refFor="ch" refForName="bgRect"/>
+              <dgm:constr type="w" for="ch" forName="spaceRect" refType="l" refFor="ch" refForName="iconRect"/>
+              <dgm:constr type="h" for="ch" forName="spaceRect" refType="h"/>
+              <dgm:constr type="l" for="ch" forName="spaceRect" refType="r" refFor="ch" refForName="iconRect"/>
+              <dgm:constr type="t" for="ch" forName="spaceRect"/>
+              <dgm:constr type="h" for="ch" forName="parTx" refType="h"/>
+              <dgm:constr type="l" for="ch" forName="parTx" refType="r" refFor="ch" refForName="spaceRect"/>
+              <dgm:constr type="t" for="ch" forName="parTx"/>
+            </dgm:constrLst>
+          </dgm:else>
+        </dgm:choose>
+        <dgm:ruleLst>
+          <dgm:rule type="h" val="INF" fact="NaN" max="NaN"/>
+        </dgm:ruleLst>
+        <dgm:layoutNode name="bgRect" styleLbl="bgShp">
+          <dgm:alg type="sp"/>
+          <dgm:shape xmlns:r="http://schemas.openxmlformats.org/officeDocument/2006/relationships" type="roundRect" r:blip="">
+            <dgm:adjLst>
+              <dgm:adj idx="1" val="0.1"/>
+            </dgm:adjLst>
+          </dgm:shape>
+          <dgm:presOf/>
+          <dgm:constrLst/>
+          <dgm:ruleLst/>
+        </dgm:layoutNode>
+        <dgm:layoutNode name="iconRect" styleLbl="node1">
+          <dgm:alg type="sp"/>
+          <dgm:shape xmlns:r="http://schemas.openxmlformats.org/officeDocument/2006/relationships" type="rect" r:blip="" blipPhldr="1">
+            <dgm:adjLst/>
+          </dgm:shape>
+          <dgm:presOf/>
+          <dgm:constrLst/>
+          <dgm:ruleLst/>
+        </dgm:layoutNode>
+        <dgm:layoutNode name="spaceRect">
+          <dgm:alg type="sp"/>
+          <dgm:shape xmlns:r="http://schemas.openxmlformats.org/officeDocument/2006/relationships" r:blip="">
+            <dgm:adjLst/>
+          </dgm:shape>
+          <dgm:presOf/>
+          <dgm:constrLst/>
+          <dgm:ruleLst/>
+        </dgm:layoutNode>
+        <dgm:layoutNode name="parTx" styleLbl="revTx">
+          <dgm:varLst>
+            <dgm:chMax val="0"/>
+            <dgm:chPref val="0"/>
+          </dgm:varLst>
+          <dgm:alg type="tx">
+            <dgm:param type="txAnchorVert" val="mid"/>
+            <dgm:param type="parTxLTRAlign" val="l"/>
+            <dgm:param type="shpTxLTRAlignCh" val="l"/>
+            <dgm:param type="parTxRTLAlign" val="r"/>
+            <dgm:param type="shpTxRTLAlignCh" val="r"/>
+          </dgm:alg>
+          <dgm:shape xmlns:r="http://schemas.openxmlformats.org/officeDocument/2006/relationships" type="rect" r:blip="">
+            <dgm:adjLst/>
+          </dgm:shape>
+          <dgm:presOf axis="self" ptType="node"/>
+          <dgm:constrLst>
+            <dgm:constr type="lMarg" refType="h" fact="0.3"/>
+            <dgm:constr type="rMarg" refType="h" fact="0.3"/>
+            <dgm:constr type="tMarg" refType="h" fact="0.3"/>
+            <dgm:constr type="bMarg" refType="h" fact="0.3"/>
+          </dgm:constrLst>
+          <dgm:ruleLst>
+            <dgm:rule type="primFontSz" val="14" fact="NaN" max="NaN"/>
+            <dgm:rule type="h" val="INF" fact="NaN" max="NaN"/>
+          </dgm:ruleLst>
+        </dgm:layoutNode>
+        <dgm:choose name="Name12">
+          <dgm:if name="Name13" axis="ch" ptType="node" func="cnt" op="gte" val="1">
+            <dgm:layoutNode name="desTx" styleLbl="revTx">
+              <dgm:varLst/>
+              <dgm:alg type="tx">
+                <dgm:param type="txAnchorVertCh" val="mid"/>
+                <dgm:param type="parTxLTRAlign" val="l"/>
+                <dgm:param type="shpTxLTRAlignCh" val="l"/>
+                <dgm:param type="parTxRTLAlign" val="r"/>
+                <dgm:param type="shpTxRTLAlignCh" val="r"/>
+                <dgm:param type="stBulletLvl" val="0"/>
+              </dgm:alg>
+              <dgm:shape xmlns:r="http://schemas.openxmlformats.org/officeDocument/2006/relationships" type="rect" r:blip="">
+                <dgm:adjLst/>
+              </dgm:shape>
+              <dgm:presOf axis="des" ptType="node"/>
+              <dgm:constrLst>
+                <dgm:constr type="primFontSz" val="18"/>
+                <dgm:constr type="secFontSz" refType="primFontSz"/>
+                <dgm:constr type="lMarg" refType="h" fact="0.3"/>
+                <dgm:constr type="rMarg" refType="h" fact="0.3"/>
+                <dgm:constr type="tMarg" refType="h" fact="0.3"/>
+                <dgm:constr type="bMarg" refType="h" fact="0.3"/>
+              </dgm:constrLst>
+              <dgm:ruleLst>
+                <dgm:rule type="primFontSz" val="11" fact="NaN" max="NaN"/>
+              </dgm:ruleLst>
+            </dgm:layoutNode>
+          </dgm:if>
+          <dgm:else name="Name14"/>
+        </dgm:choose>
+      </dgm:layoutNode>
+      <dgm:forEach name="Name15" axis="followSib" ptType="sibTrans" cnt="1">
+        <dgm:layoutNode name="sibTrans">
+          <dgm:alg type="sp"/>
+          <dgm:shape xmlns:r="http://schemas.openxmlformats.org/officeDocument/2006/relationships" r:blip="">
+            <dgm:adjLst/>
+          </dgm:shape>
+          <dgm:presOf axis="self"/>
+          <dgm:constrLst/>
+          <dgm:ruleLst/>
+        </dgm:layoutNode>
+      </dgm:forEach>
+    </dgm:forEach>
+  </dgm:layoutNode>
+  <dgm:extLst>
+    <a:ext uri="{68A01E43-0DF5-4B5B-8FA6-DAF915123BFB}">
+      <dgm1612:lstStyle xmlns:dgm1612="http://schemas.microsoft.com/office/drawing/2016/12/diagram">
+        <a:lvl1pPr>
+          <a:lnSpc>
+            <a:spcPct val="100000"/>
+          </a:lnSpc>
+        </a:lvl1pPr>
+        <a:lvl2pPr>
+          <a:lnSpc>
+            <a:spcPct val="100000"/>
+          </a:lnSpc>
+        </a:lvl2pPr>
+      </dgm1612:lstStyle>
+    </a:ext>
+  </dgm:extLst>
+</dgm:layoutDef>
+</file>
+
+<file path=ppt/diagrams/quickStyle1.xml><?xml version="1.0" encoding="utf-8"?>
+<dgm:styleDef xmlns:dgm="http://schemas.openxmlformats.org/drawingml/2006/diagram" xmlns:a="http://schemas.openxmlformats.org/drawingml/2006/main" uniqueId="urn:microsoft.com/office/officeart/2005/8/quickstyle/simple1">
+  <dgm:title val=""/>
+  <dgm:desc val=""/>
+  <dgm:catLst>
+    <dgm:cat type="simple" pri="10100"/>
+  </dgm:catLst>
+  <dgm:scene3d>
+    <a:camera prst="orthographicFront"/>
+    <a:lightRig rig="threePt" dir="t"/>
+  </dgm:scene3d>
+  <dgm:styleLbl name="node0">
+    <dgm:scene3d>
+      <a:camera prst="orthographicFront"/>
+      <a:lightRig rig="threePt" dir="t"/>
+    </dgm:scene3d>
+    <dgm:sp3d/>
+    <dgm:txPr/>
+    <dgm:style>
+      <a:lnRef idx="2">
+        <a:scrgbClr r="0" g="0" b="0"/>
+      </a:lnRef>
+      <a:fillRef idx="1">
+        <a:scrgbClr r="0" g="0" b="0"/>
+      </a:fillRef>
+      <a:effectRef idx="0">
+        <a:scrgbClr r="0" g="0" b="0"/>
+      </a:effectRef>
+      <a:fontRef idx="minor">
+        <a:schemeClr val="lt1"/>
+      </a:fontRef>
+    </dgm:style>
+  </dgm:styleLbl>
+  <dgm:styleLbl name="lnNode1">
+    <dgm:scene3d>
+      <a:camera prst="orthographicFront"/>
+      <a:lightRig rig="threePt" dir="t"/>
+    </dgm:scene3d>
+    <dgm:sp3d/>
+    <dgm:txPr/>
+    <dgm:style>
+      <a:lnRef idx="2">
+        <a:scrgbClr r="0" g="0" b="0"/>
+      </a:lnRef>
+      <a:fillRef idx="1">
+        <a:scrgbClr r="0" g="0" b="0"/>
+      </a:fillRef>
+      <a:effectRef idx="0">
+        <a:scrgbClr r="0" g="0" b="0"/>
+      </a:effectRef>
+      <a:fontRef idx="minor">
+        <a:schemeClr val="lt1"/>
+      </a:fontRef>
+    </dgm:style>
+  </dgm:styleLbl>
+  <dgm:styleLbl name="vennNode1">
+    <dgm:scene3d>
+      <a:camera prst="orthographicFront"/>
+      <a:lightRig rig="threePt" dir="t"/>
+    </dgm:scene3d>
+    <dgm:sp3d/>
+    <dgm:txPr/>
+    <dgm:style>
+      <a:lnRef idx="2">
+        <a:scrgbClr r="0" g="0" b="0"/>
+      </a:lnRef>
+      <a:fillRef idx="1">
+        <a:scrgbClr r="0" g="0" b="0"/>
+      </a:fillRef>
+      <a:effectRef idx="0">
+        <a:scrgbClr r="0" g="0" b="0"/>
+      </a:effectRef>
+      <a:fontRef idx="minor">
+        <a:schemeClr val="tx1"/>
+      </a:fontRef>
+    </dgm:style>
+  </dgm:styleLbl>
+  <dgm:styleLbl name="alignNode1">
+    <dgm:scene3d>
+      <a:camera prst="orthographicFront"/>
+      <a:lightRig rig="threePt" dir="t"/>
+    </dgm:scene3d>
+    <dgm:sp3d/>
+    <dgm:txPr/>
+    <dgm:style>
+      <a:lnRef idx="2">
+        <a:scrgbClr r="0" g="0" b="0"/>
+      </a:lnRef>
+      <a:fillRef idx="1">
+        <a:scrgbClr r="0" g="0" b="0"/>
+      </a:fillRef>
+      <a:effectRef idx="0">
+        <a:scrgbClr r="0" g="0" b="0"/>
+      </a:effectRef>
+      <a:fontRef idx="minor">
+        <a:schemeClr val="lt1"/>
+      </a:fontRef>
+    </dgm:style>
+  </dgm:styleLbl>
+  <dgm:styleLbl name="node1">
+    <dgm:scene3d>
+      <a:camera prst="orthographicFront"/>
+      <a:lightRig rig="threePt" dir="t"/>
+    </dgm:scene3d>
+    <dgm:sp3d/>
+    <dgm:txPr/>
+    <dgm:style>
+      <a:lnRef idx="2">
+        <a:scrgbClr r="0" g="0" b="0"/>
+      </a:lnRef>
+      <a:fillRef idx="1">
+        <a:scrgbClr r="0" g="0" b="0"/>
+      </a:fillRef>
+      <a:effectRef idx="0">
+        <a:scrgbClr r="0" g="0" b="0"/>
+      </a:effectRef>
+      <a:fontRef idx="minor">
+        <a:schemeClr val="lt1"/>
+      </a:fontRef>
+    </dgm:style>
+  </dgm:styleLbl>
+  <dgm:styleLbl name="node2">
+    <dgm:scene3d>
+      <a:camera prst="orthographicFront"/>
+      <a:lightRig rig="threePt" dir="t"/>
+    </dgm:scene3d>
+    <dgm:sp3d/>
+    <dgm:txPr/>
+    <dgm:style>
+      <a:lnRef idx="2">
+        <a:scrgbClr r="0" g="0" b="0"/>
+      </a:lnRef>
+      <a:fillRef idx="1">
+        <a:scrgbClr r="0" g="0" b="0"/>
+      </a:fillRef>
+      <a:effectRef idx="0">
+        <a:scrgbClr r="0" g="0" b="0"/>
+      </a:effectRef>
+      <a:fontRef idx="minor">
+        <a:schemeClr val="lt1"/>
+      </a:fontRef>
+    </dgm:style>
+  </dgm:styleLbl>
+  <dgm:styleLbl name="node3">
+    <dgm:scene3d>
+      <a:camera prst="orthographicFront"/>
+      <a:lightRig rig="threePt" dir="t"/>
+    </dgm:scene3d>
+    <dgm:sp3d/>
+    <dgm:txPr/>
+    <dgm:style>
+      <a:lnRef idx="2">
+        <a:scrgbClr r="0" g="0" b="0"/>
+      </a:lnRef>
+      <a:fillRef idx="1">
+        <a:scrgbClr r="0" g="0" b="0"/>
+      </a:fillRef>
+      <a:effectRef idx="0">
+        <a:scrgbClr r="0" g="0" b="0"/>
+      </a:effectRef>
+      <a:fontRef idx="minor">
+        <a:schemeClr val="lt1"/>
+      </a:fontRef>
+    </dgm:style>
+  </dgm:styleLbl>
+  <dgm:styleLbl name="node4">
+    <dgm:scene3d>
+      <a:camera prst="orthographicFront"/>
+      <a:lightRig rig="threePt" dir="t"/>
+    </dgm:scene3d>
+    <dgm:sp3d/>
+    <dgm:txPr/>
+    <dgm:style>
+      <a:lnRef idx="2">
+        <a:scrgbClr r="0" g="0" b="0"/>
+      </a:lnRef>
+      <a:fillRef idx="1">
+        <a:scrgbClr r="0" g="0" b="0"/>
+      </a:fillRef>
+      <a:effectRef idx="0">
+        <a:scrgbClr r="0" g="0" b="0"/>
+      </a:effectRef>
+      <a:fontRef idx="minor">
+        <a:schemeClr val="lt1"/>
+      </a:fontRef>
+    </dgm:style>
+  </dgm:styleLbl>
+  <dgm:styleLbl name="fgImgPlace1">
+    <dgm:scene3d>
+      <a:camera prst="orthographicFront"/>
+      <a:lightRig rig="threePt" dir="t"/>
+    </dgm:scene3d>
+    <dgm:sp3d/>
+    <dgm:txPr/>
+    <dgm:style>
+      <a:lnRef idx="2">
+        <a:scrgbClr r="0" g="0" b="0"/>
+      </a:lnRef>
+      <a:fillRef idx="1">
+        <a:scrgbClr r="0" g="0" b="0"/>
+      </a:fillRef>
+      <a:effectRef idx="0">
+        <a:scrgbClr r="0" g="0" b="0"/>
+      </a:effectRef>
+      <a:fontRef idx="minor"/>
+    </dgm:style>
+  </dgm:styleLbl>
+  <dgm:styleLbl name="alignImgPlace1">
+    <dgm:scene3d>
+      <a:camera prst="orthographicFront"/>
+      <a:lightRig rig="threePt" dir="t"/>
+    </dgm:scene3d>
+    <dgm:sp3d/>
+    <dgm:txPr/>
+    <dgm:style>
+      <a:lnRef idx="2">
+        <a:scrgbClr r="0" g="0" b="0"/>
+      </a:lnRef>
+      <a:fillRef idx="1">
+        <a:scrgbClr r="0" g="0" b="0"/>
+      </a:fillRef>
+      <a:effectRef idx="0">
+        <a:scrgbClr r="0" g="0" b="0"/>
+      </a:effectRef>
+      <a:fontRef idx="minor"/>
+    </dgm:style>
+  </dgm:styleLbl>
+  <dgm:styleLbl name="bgImgPlace1">
+    <dgm:scene3d>
+      <a:camera prst="orthographicFront"/>
+      <a:lightRig rig="threePt" dir="t"/>
+    </dgm:scene3d>
+    <dgm:sp3d/>
+    <dgm:txPr/>
+    <dgm:style>
+      <a:lnRef idx="2">
+        <a:scrgbClr r="0" g="0" b="0"/>
+      </a:lnRef>
+      <a:fillRef idx="1">
+        <a:scrgbClr r="0" g="0" b="0"/>
+      </a:fillRef>
+      <a:effectRef idx="0">
+        <a:scrgbClr r="0" g="0" b="0"/>
+      </a:effectRef>
+      <a:fontRef idx="minor"/>
+    </dgm:style>
+  </dgm:styleLbl>
+  <dgm:styleLbl name="sibTrans2D1">
+    <dgm:scene3d>
+      <a:camera prst="orthographicFront"/>
+      <a:lightRig rig="threePt" dir="t"/>
+    </dgm:scene3d>
+    <dgm:sp3d/>
+    <dgm:txPr/>
+    <dgm:style>
+      <a:lnRef idx="0">
+        <a:scrgbClr r="0" g="0" b="0"/>
+      </a:lnRef>
+      <a:fillRef idx="1">
+        <a:scrgbClr r="0" g="0" b="0"/>
+      </a:fillRef>
+      <a:effectRef idx="0">
+        <a:scrgbClr r="0" g="0" b="0"/>
+      </a:effectRef>
+      <a:fontRef idx="minor">
+        <a:schemeClr val="lt1"/>
+      </a:fontRef>
+    </dgm:style>
+  </dgm:styleLbl>
+  <dgm:styleLbl name="fgSibTrans2D1">
+    <dgm:scene3d>
+      <a:camera prst="orthographicFront"/>
+      <a:lightRig rig="threePt" dir="t"/>
+    </dgm:scene3d>
+    <dgm:sp3d/>
+    <dgm:txPr/>
+    <dgm:style>
+      <a:lnRef idx="0">
+        <a:scrgbClr r="0" g="0" b="0"/>
+      </a:lnRef>
+      <a:fillRef idx="1">
+        <a:scrgbClr r="0" g="0" b="0"/>
+      </a:fillRef>
+      <a:effectRef idx="0">
+        <a:scrgbClr r="0" g="0" b="0"/>
+      </a:effectRef>
+      <a:fontRef idx="minor">
+        <a:schemeClr val="lt1"/>
+      </a:fontRef>
+    </dgm:style>
+  </dgm:styleLbl>
+  <dgm:styleLbl name="bgSibTrans2D1">
+    <dgm:scene3d>
+      <a:camera prst="orthographicFront"/>
+      <a:lightRig rig="threePt" dir="t"/>
+    </dgm:scene3d>
+    <dgm:sp3d/>
+    <dgm:txPr/>
+    <dgm:style>
+      <a:lnRef idx="0">
+        <a:scrgbClr r="0" g="0" b="0"/>
+      </a:lnRef>
+      <a:fillRef idx="1">
+        <a:scrgbClr r="0" g="0" b="0"/>
+      </a:fillRef>
+      <a:effectRef idx="0">
+        <a:scrgbClr r="0" g="0" b="0"/>
+      </a:effectRef>
+      <a:fontRef idx="minor">
+        <a:schemeClr val="lt1"/>
+      </a:fontRef>
+    </dgm:style>
+  </dgm:styleLbl>
+  <dgm:styleLbl name="sibTrans1D1">
+    <dgm:scene3d>
+      <a:camera prst="orthographicFront"/>
+      <a:lightRig rig="threePt" dir="t"/>
+    </dgm:scene3d>
+    <dgm:sp3d/>
+    <dgm:txPr/>
+    <dgm:style>
+      <a:lnRef idx="1">
+        <a:scrgbClr r="0" g="0" b="0"/>
+      </a:lnRef>
+      <a:fillRef idx="0">
+        <a:scrgbClr r="0" g="0" b="0"/>
+      </a:fillRef>
+      <a:effectRef idx="0">
+        <a:scrgbClr r="0" g="0" b="0"/>
+      </a:effectRef>
+      <a:fontRef idx="minor"/>
+    </dgm:style>
+  </dgm:styleLbl>
+  <dgm:styleLbl name="callout">
+    <dgm:scene3d>
+      <a:camera prst="orthographicFront"/>
+      <a:lightRig rig="threePt" dir="t"/>
+    </dgm:scene3d>
+    <dgm:sp3d/>
+    <dgm:txPr/>
+    <dgm:style>
+      <a:lnRef idx="2">
+        <a:scrgbClr r="0" g="0" b="0"/>
+      </a:lnRef>
+      <a:fillRef idx="1">
+        <a:scrgbClr r="0" g="0" b="0"/>
+      </a:fillRef>
+      <a:effectRef idx="0">
+        <a:scrgbClr r="0" g="0" b="0"/>
+      </a:effectRef>
+      <a:fontRef idx="minor"/>
+    </dgm:style>
+  </dgm:styleLbl>
+  <dgm:styleLbl name="asst0">
+    <dgm:scene3d>
+      <a:camera prst="orthographicFront"/>
+      <a:lightRig rig="threePt" dir="t"/>
+    </dgm:scene3d>
+    <dgm:sp3d/>
+    <dgm:txPr/>
+    <dgm:style>
+      <a:lnRef idx="2">
+        <a:scrgbClr r="0" g="0" b="0"/>
+      </a:lnRef>
+      <a:fillRef idx="1">
+        <a:scrgbClr r="0" g="0" b="0"/>
+      </a:fillRef>
+      <a:effectRef idx="0">
+        <a:scrgbClr r="0" g="0" b="0"/>
+      </a:effectRef>
+      <a:fontRef idx="minor">
+        <a:schemeClr val="lt1"/>
+      </a:fontRef>
+    </dgm:style>
+  </dgm:styleLbl>
+  <dgm:styleLbl name="asst1">
+    <dgm:scene3d>
+      <a:camera prst="orthographicFront"/>
+      <a:lightRig rig="threePt" dir="t"/>
+    </dgm:scene3d>
+    <dgm:sp3d/>
+    <dgm:txPr/>
+    <dgm:style>
+      <a:lnRef idx="2">
+        <a:scrgbClr r="0" g="0" b="0"/>
+      </a:lnRef>
+      <a:fillRef idx="1">
+        <a:scrgbClr r="0" g="0" b="0"/>
+      </a:fillRef>
+      <a:effectRef idx="0">
+        <a:scrgbClr r="0" g="0" b="0"/>
+      </a:effectRef>
+      <a:fontRef idx="minor">
+        <a:schemeClr val="lt1"/>
+      </a:fontRef>
+    </dgm:style>
+  </dgm:styleLbl>
+  <dgm:styleLbl name="asst2">
+    <dgm:scene3d>
+      <a:camera prst="orthographicFront"/>
+      <a:lightRig rig="threePt" dir="t"/>
+    </dgm:scene3d>
+    <dgm:sp3d/>
+    <dgm:txPr/>
+    <dgm:style>
+      <a:lnRef idx="2">
+        <a:scrgbClr r="0" g="0" b="0"/>
+      </a:lnRef>
+      <a:fillRef idx="1">
+        <a:scrgbClr r="0" g="0" b="0"/>
+      </a:fillRef>
+      <a:effectRef idx="0">
+        <a:scrgbClr r="0" g="0" b="0"/>
+      </a:effectRef>
+      <a:fontRef idx="minor">
+        <a:schemeClr val="lt1"/>
+      </a:fontRef>
+    </dgm:style>
+  </dgm:styleLbl>
+  <dgm:styleLbl name="asst3">
+    <dgm:scene3d>
+      <a:camera prst="orthographicFront"/>
+      <a:lightRig rig="threePt" dir="t"/>
+    </dgm:scene3d>
+    <dgm:sp3d/>
+    <dgm:txPr/>
+    <dgm:style>
+      <a:lnRef idx="2">
+        <a:scrgbClr r="0" g="0" b="0"/>
+      </a:lnRef>
+      <a:fillRef idx="1">
+        <a:scrgbClr r="0" g="0" b="0"/>
+      </a:fillRef>
+      <a:effectRef idx="0">
+        <a:scrgbClr r="0" g="0" b="0"/>
+      </a:effectRef>
+      <a:fontRef idx="minor">
+        <a:schemeClr val="lt1"/>
+      </a:fontRef>
+    </dgm:style>
+  </dgm:styleLbl>
+  <dgm:styleLbl name="asst4">
+    <dgm:scene3d>
+      <a:camera prst="orthographicFront"/>
+      <a:lightRig rig="threePt" dir="t"/>
+    </dgm:scene3d>
+    <dgm:sp3d/>
+    <dgm:txPr/>
+    <dgm:style>
+      <a:lnRef idx="2">
+        <a:scrgbClr r="0" g="0" b="0"/>
+      </a:lnRef>
+      <a:fillRef idx="1">
+        <a:scrgbClr r="0" g="0" b="0"/>
+      </a:fillRef>
+      <a:effectRef idx="0">
+        <a:scrgbClr r="0" g="0" b="0"/>
+      </a:effectRef>
+      <a:fontRef idx="minor">
+        <a:schemeClr val="lt1"/>
+      </a:fontRef>
+    </dgm:style>
+  </dgm:styleLbl>
+  <dgm:styleLbl name="parChTrans2D1">
+    <dgm:scene3d>
+      <a:camera prst="orthographicFront"/>
+      <a:lightRig rig="threePt" dir="t"/>
+    </dgm:scene3d>
+    <dgm:sp3d/>
+    <dgm:txPr/>
+    <dgm:style>
+      <a:lnRef idx="2">
+        <a:scrgbClr r="0" g="0" b="0"/>
+      </a:lnRef>
+      <a:fillRef idx="1">
+        <a:scrgbClr r="0" g="0" b="0"/>
+      </a:fillRef>
+      <a:effectRef idx="0">
+        <a:scrgbClr r="0" g="0" b="0"/>
+      </a:effectRef>
+      <a:fontRef idx="minor">
+        <a:schemeClr val="lt1"/>
+      </a:fontRef>
+    </dgm:style>
+  </dgm:styleLbl>
+  <dgm:styleLbl name="parChTrans2D2">
+    <dgm:scene3d>
+      <a:camera prst="orthographicFront"/>
+      <a:lightRig rig="threePt" dir="t"/>
+    </dgm:scene3d>
+    <dgm:sp3d/>
+    <dgm:txPr/>
+    <dgm:style>
+      <a:lnRef idx="2">
+        <a:scrgbClr r="0" g="0" b="0"/>
+      </a:lnRef>
+      <a:fillRef idx="1">
+        <a:scrgbClr r="0" g="0" b="0"/>
+      </a:fillRef>
+      <a:effectRef idx="0">
+        <a:scrgbClr r="0" g="0" b="0"/>
+      </a:effectRef>
+      <a:fontRef idx="minor">
+        <a:schemeClr val="lt1"/>
+      </a:fontRef>
+    </dgm:style>
+  </dgm:styleLbl>
+  <dgm:styleLbl name="parChTrans2D3">
+    <dgm:scene3d>
+      <a:camera prst="orthographicFront"/>
+      <a:lightRig rig="threePt" dir="t"/>
+    </dgm:scene3d>
+    <dgm:sp3d/>
+    <dgm:txPr/>
+    <dgm:style>
+      <a:lnRef idx="2">
+        <a:scrgbClr r="0" g="0" b="0"/>
+      </a:lnRef>
+      <a:fillRef idx="1">
+        <a:scrgbClr r="0" g="0" b="0"/>
+      </a:fillRef>
+      <a:effectRef idx="0">
+        <a:scrgbClr r="0" g="0" b="0"/>
+      </a:effectRef>
+      <a:fontRef idx="minor">
+        <a:schemeClr val="lt1"/>
+      </a:fontRef>
+    </dgm:style>
+  </dgm:styleLbl>
+  <dgm:styleLbl name="parChTrans2D4">
+    <dgm:scene3d>
+      <a:camera prst="orthographicFront"/>
+      <a:lightRig rig="threePt" dir="t"/>
+    </dgm:scene3d>
+    <dgm:sp3d/>
+    <dgm:txPr/>
+    <dgm:style>
+      <a:lnRef idx="2">
+        <a:scrgbClr r="0" g="0" b="0"/>
+      </a:lnRef>
+      <a:fillRef idx="1">
+        <a:scrgbClr r="0" g="0" b="0"/>
+      </a:fillRef>
+      <a:effectRef idx="0">
+        <a:scrgbClr r="0" g="0" b="0"/>
+      </a:effectRef>
+      <a:fontRef idx="minor">
+        <a:schemeClr val="lt1"/>
+      </a:fontRef>
+    </dgm:style>
+  </dgm:styleLbl>
+  <dgm:styleLbl name="parChTrans1D1">
+    <dgm:scene3d>
+      <a:camera prst="orthographicFront"/>
+      <a:lightRig rig="threePt" dir="t"/>
+    </dgm:scene3d>
+    <dgm:sp3d/>
+    <dgm:txPr/>
+    <dgm:style>
+      <a:lnRef idx="2">
+        <a:scrgbClr r="0" g="0" b="0"/>
+      </a:lnRef>
+      <a:fillRef idx="0">
+        <a:scrgbClr r="0" g="0" b="0"/>
+      </a:fillRef>
+      <a:effectRef idx="0">
+        <a:scrgbClr r="0" g="0" b="0"/>
+      </a:effectRef>
+      <a:fontRef idx="minor"/>
+    </dgm:style>
+  </dgm:styleLbl>
+  <dgm:styleLbl name="parChTrans1D2">
+    <dgm:scene3d>
+      <a:camera prst="orthographicFront"/>
+      <a:lightRig rig="threePt" dir="t"/>
+    </dgm:scene3d>
+    <dgm:sp3d/>
+    <dgm:txPr/>
+    <dgm:style>
+      <a:lnRef idx="2">
+        <a:scrgbClr r="0" g="0" b="0"/>
+      </a:lnRef>
+      <a:fillRef idx="0">
+        <a:scrgbClr r="0" g="0" b="0"/>
+      </a:fillRef>
+      <a:effectRef idx="0">
+        <a:scrgbClr r="0" g="0" b="0"/>
+      </a:effectRef>
+      <a:fontRef idx="minor"/>
+    </dgm:style>
+  </dgm:styleLbl>
+  <dgm:styleLbl name="parChTrans1D3">
+    <dgm:scene3d>
+      <a:camera prst="orthographicFront"/>
+      <a:lightRig rig="threePt" dir="t"/>
+    </dgm:scene3d>
+    <dgm:sp3d/>
+    <dgm:txPr/>
+    <dgm:style>
+      <a:lnRef idx="2">
+        <a:scrgbClr r="0" g="0" b="0"/>
+      </a:lnRef>
+      <a:fillRef idx="0">
+        <a:scrgbClr r="0" g="0" b="0"/>
+      </a:fillRef>
+      <a:effectRef idx="0">
+        <a:scrgbClr r="0" g="0" b="0"/>
+      </a:effectRef>
+      <a:fontRef idx="minor"/>
+    </dgm:style>
+  </dgm:styleLbl>
+  <dgm:styleLbl name="parChTrans1D4">
+    <dgm:scene3d>
+      <a:camera prst="orthographicFront"/>
+      <a:lightRig rig="threePt" dir="t"/>
+    </dgm:scene3d>
+    <dgm:sp3d/>
+    <dgm:txPr/>
+    <dgm:style>
+      <a:lnRef idx="2">
+        <a:scrgbClr r="0" g="0" b="0"/>
+      </a:lnRef>
+      <a:fillRef idx="0">
+        <a:scrgbClr r="0" g="0" b="0"/>
+      </a:fillRef>
+      <a:effectRef idx="0">
+        <a:scrgbClr r="0" g="0" b="0"/>
+      </a:effectRef>
+      <a:fontRef idx="minor"/>
+    </dgm:style>
+  </dgm:styleLbl>
+  <dgm:styleLbl name="fgAcc1">
+    <dgm:scene3d>
+      <a:camera prst="orthographicFront"/>
+      <a:lightRig rig="threePt" dir="t"/>
+    </dgm:scene3d>
+    <dgm:sp3d/>
+    <dgm:txPr/>
+    <dgm:style>
+      <a:lnRef idx="2">
+        <a:scrgbClr r="0" g="0" b="0"/>
+      </a:lnRef>
+      <a:fillRef idx="1">
+        <a:scrgbClr r="0" g="0" b="0"/>
+      </a:fillRef>
+      <a:effectRef idx="0">
+        <a:scrgbClr r="0" g="0" b="0"/>
+      </a:effectRef>
+      <a:fontRef idx="minor"/>
+    </dgm:style>
+  </dgm:styleLbl>
+  <dgm:styleLbl name="conFgAcc1">
+    <dgm:scene3d>
+      <a:camera prst="orthographicFront"/>
+      <a:lightRig rig="threePt" dir="t"/>
+    </dgm:scene3d>
+    <dgm:sp3d/>
+    <dgm:txPr/>
+    <dgm:style>
+      <a:lnRef idx="2">
+        <a:scrgbClr r="0" g="0" b="0"/>
+      </a:lnRef>
+      <a:fillRef idx="1">
+        <a:scrgbClr r="0" g="0" b="0"/>
+      </a:fillRef>
+      <a:effectRef idx="0">
+        <a:scrgbClr r="0" g="0" b="0"/>
+      </a:effectRef>
+      <a:fontRef idx="minor"/>
+    </dgm:style>
+  </dgm:styleLbl>
+  <dgm:styleLbl name="alignAcc1">
+    <dgm:scene3d>
+      <a:camera prst="orthographicFront"/>
+      <a:lightRig rig="threePt" dir="t"/>
+    </dgm:scene3d>
+    <dgm:sp3d/>
+    <dgm:txPr/>
+    <dgm:style>
+      <a:lnRef idx="2">
+        <a:scrgbClr r="0" g="0" b="0"/>
+      </a:lnRef>
+      <a:fillRef idx="1">
+        <a:scrgbClr r="0" g="0" b="0"/>
+      </a:fillRef>
+      <a:effectRef idx="0">
+        <a:scrgbClr r="0" g="0" b="0"/>
+      </a:effectRef>
+      <a:fontRef idx="minor"/>
+    </dgm:style>
+  </dgm:styleLbl>
+  <dgm:styleLbl name="trAlignAcc1">
+    <dgm:scene3d>
+      <a:camera prst="orthographicFront"/>
+      <a:lightRig rig="threePt" dir="t"/>
+    </dgm:scene3d>
+    <dgm:sp3d/>
+    <dgm:txPr/>
+    <dgm:style>
+      <a:lnRef idx="1">
+        <a:scrgbClr r="0" g="0" b="0"/>
+      </a:lnRef>
+      <a:fillRef idx="1">
+        <a:scrgbClr r="0" g="0" b="0"/>
+      </a:fillRef>
+      <a:effectRef idx="0">
+        <a:scrgbClr r="0" g="0" b="0"/>
+      </a:effectRef>
+      <a:fontRef idx="minor"/>
+    </dgm:style>
+  </dgm:styleLbl>
+  <dgm:styleLbl name="bgAcc1">
+    <dgm:scene3d>
+      <a:camera prst="orthographicFront"/>
+      <a:lightRig rig="threePt" dir="t"/>
+    </dgm:scene3d>
+    <dgm:sp3d/>
+    <dgm:txPr/>
+    <dgm:style>
+      <a:lnRef idx="2">
+        <a:scrgbClr r="0" g="0" b="0"/>
+      </a:lnRef>
+      <a:fillRef idx="1">
+        <a:scrgbClr r="0" g="0" b="0"/>
+      </a:fillRef>
+      <a:effectRef idx="0">
+        <a:scrgbClr r="0" g="0" b="0"/>
+      </a:effectRef>
+      <a:fontRef idx="minor"/>
+    </dgm:style>
+  </dgm:styleLbl>
+  <dgm:styleLbl name="solidFgAcc1">
+    <dgm:scene3d>
+      <a:camera prst="orthographicFront"/>
+      <a:lightRig rig="threePt" dir="t"/>
+    </dgm:scene3d>
+    <dgm:sp3d/>
+    <dgm:txPr/>
+    <dgm:style>
+      <a:lnRef idx="2">
+        <a:scrgbClr r="0" g="0" b="0"/>
+      </a:lnRef>
+      <a:fillRef idx="1">
+        <a:scrgbClr r="0" g="0" b="0"/>
+      </a:fillRef>
+      <a:effectRef idx="0">
+        <a:scrgbClr r="0" g="0" b="0"/>
+      </a:effectRef>
+      <a:fontRef idx="minor"/>
+    </dgm:style>
+  </dgm:styleLbl>
+  <dgm:styleLbl name="solidAlignAcc1">
+    <dgm:scene3d>
+      <a:camera prst="orthographicFront"/>
+      <a:lightRig rig="threePt" dir="t"/>
+    </dgm:scene3d>
+    <dgm:sp3d/>
+    <dgm:txPr/>
+    <dgm:style>
+      <a:lnRef idx="2">
+        <a:scrgbClr r="0" g="0" b="0"/>
+      </a:lnRef>
+      <a:fillRef idx="1">
+        <a:scrgbClr r="0" g="0" b="0"/>
+      </a:fillRef>
+      <a:effectRef idx="0">
+        <a:scrgbClr r="0" g="0" b="0"/>
+      </a:effectRef>
+      <a:fontRef idx="minor"/>
+    </dgm:style>
+  </dgm:styleLbl>
+  <dgm:styleLbl name="solidBgAcc1">
+    <dgm:scene3d>
+      <a:camera prst="orthographicFront"/>
+      <a:lightRig rig="threePt" dir="t"/>
+    </dgm:scene3d>
+    <dgm:sp3d/>
+    <dgm:txPr/>
+    <dgm:style>
+      <a:lnRef idx="2">
+        <a:scrgbClr r="0" g="0" b="0"/>
+      </a:lnRef>
+      <a:fillRef idx="1">
+        <a:scrgbClr r="0" g="0" b="0"/>
+      </a:fillRef>
+      <a:effectRef idx="0">
+        <a:scrgbClr r="0" g="0" b="0"/>
+      </a:effectRef>
+      <a:fontRef idx="minor"/>
+    </dgm:style>
+  </dgm:styleLbl>
+  <dgm:styleLbl name="fgAccFollowNode1">
+    <dgm:scene3d>
+      <a:camera prst="orthographicFront"/>
+      <a:lightRig rig="threePt" dir="t"/>
+    </dgm:scene3d>
+    <dgm:sp3d/>
+    <dgm:txPr/>
+    <dgm:style>
+      <a:lnRef idx="2">
+        <a:scrgbClr r="0" g="0" b="0"/>
+      </a:lnRef>
+      <a:fillRef idx="1">
+        <a:scrgbClr r="0" g="0" b="0"/>
+      </a:fillRef>
+      <a:effectRef idx="0">
+        <a:scrgbClr r="0" g="0" b="0"/>
+      </a:effectRef>
+      <a:fontRef idx="minor"/>
+    </dgm:style>
+  </dgm:styleLbl>
+  <dgm:styleLbl name="alignAccFollowNode1">
+    <dgm:scene3d>
+      <a:camera prst="orthographicFront"/>
+      <a:lightRig rig="threePt" dir="t"/>
+    </dgm:scene3d>
+    <dgm:sp3d/>
+    <dgm:txPr/>
+    <dgm:style>
+      <a:lnRef idx="2">
+        <a:scrgbClr r="0" g="0" b="0"/>
+      </a:lnRef>
+      <a:fillRef idx="1">
+        <a:scrgbClr r="0" g="0" b="0"/>
+      </a:fillRef>
+      <a:effectRef idx="0">
+        <a:scrgbClr r="0" g="0" b="0"/>
+      </a:effectRef>
+      <a:fontRef idx="minor"/>
+    </dgm:style>
+  </dgm:styleLbl>
+  <dgm:styleLbl name="bgAccFollowNode1">
+    <dgm:scene3d>
+      <a:camera prst="orthographicFront"/>
+      <a:lightRig rig="threePt" dir="t"/>
+    </dgm:scene3d>
+    <dgm:sp3d/>
+    <dgm:txPr/>
+    <dgm:style>
+      <a:lnRef idx="2">
+        <a:scrgbClr r="0" g="0" b="0"/>
+      </a:lnRef>
+      <a:fillRef idx="1">
+        <a:scrgbClr r="0" g="0" b="0"/>
+      </a:fillRef>
+      <a:effectRef idx="0">
+        <a:scrgbClr r="0" g="0" b="0"/>
+      </a:effectRef>
+      <a:fontRef idx="minor"/>
+    </dgm:style>
+  </dgm:styleLbl>
+  <dgm:styleLbl name="fgAcc0">
+    <dgm:scene3d>
+      <a:camera prst="orthographicFront"/>
+      <a:lightRig rig="threePt" dir="t"/>
+    </dgm:scene3d>
+    <dgm:sp3d/>
+    <dgm:txPr/>
+    <dgm:style>
+      <a:lnRef idx="2">
+        <a:scrgbClr r="0" g="0" b="0"/>
+      </a:lnRef>
+      <a:fillRef idx="1">
+        <a:scrgbClr r="0" g="0" b="0"/>
+      </a:fillRef>
+      <a:effectRef idx="0">
+        <a:scrgbClr r="0" g="0" b="0"/>
+      </a:effectRef>
+      <a:fontRef idx="minor"/>
+    </dgm:style>
+  </dgm:styleLbl>
+  <dgm:styleLbl name="fgAcc2">
+    <dgm:scene3d>
+      <a:camera prst="orthographicFront"/>
+      <a:lightRig rig="threePt" dir="t"/>
+    </dgm:scene3d>
+    <dgm:sp3d/>
+    <dgm:txPr/>
+    <dgm:style>
+      <a:lnRef idx="2">
+        <a:scrgbClr r="0" g="0" b="0"/>
+      </a:lnRef>
+      <a:fillRef idx="1">
+        <a:scrgbClr r="0" g="0" b="0"/>
+      </a:fillRef>
+      <a:effectRef idx="0">
+        <a:scrgbClr r="0" g="0" b="0"/>
+      </a:effectRef>
+      <a:fontRef idx="minor"/>
+    </dgm:style>
+  </dgm:styleLbl>
+  <dgm:styleLbl name="fgAcc3">
+    <dgm:scene3d>
+      <a:camera prst="orthographicFront"/>
+      <a:lightRig rig="threePt" dir="t"/>
+    </dgm:scene3d>
+    <dgm:sp3d/>
+    <dgm:txPr/>
+    <dgm:style>
+      <a:lnRef idx="2">
+        <a:scrgbClr r="0" g="0" b="0"/>
+      </a:lnRef>
+      <a:fillRef idx="1">
+        <a:scrgbClr r="0" g="0" b="0"/>
+      </a:fillRef>
+      <a:effectRef idx="0">
+        <a:scrgbClr r="0" g="0" b="0"/>
+      </a:effectRef>
+      <a:fontRef idx="minor"/>
+    </dgm:style>
+  </dgm:styleLbl>
+  <dgm:styleLbl name="fgAcc4">
+    <dgm:scene3d>
+      <a:camera prst="orthographicFront"/>
+      <a:lightRig rig="threePt" dir="t"/>
+    </dgm:scene3d>
+    <dgm:sp3d/>
+    <dgm:txPr/>
+    <dgm:style>
+      <a:lnRef idx="2">
+        <a:scrgbClr r="0" g="0" b="0"/>
+      </a:lnRef>
+      <a:fillRef idx="1">
+        <a:scrgbClr r="0" g="0" b="0"/>
+      </a:fillRef>
+      <a:effectRef idx="0">
+        <a:scrgbClr r="0" g="0" b="0"/>
+      </a:effectRef>
+      <a:fontRef idx="minor"/>
+    </dgm:style>
+  </dgm:styleLbl>
+  <dgm:styleLbl name="bgShp">
+    <dgm:scene3d>
+      <a:camera prst="orthographicFront"/>
+      <a:lightRig rig="threePt" dir="t"/>
+    </dgm:scene3d>
+    <dgm:sp3d/>
+    <dgm:txPr/>
+    <dgm:style>
+      <a:lnRef idx="0">
+        <a:scrgbClr r="0" g="0" b="0"/>
+      </a:lnRef>
+      <a:fillRef idx="1">
+        <a:scrgbClr r="0" g="0" b="0"/>
+      </a:fillRef>
+      <a:effectRef idx="0">
+        <a:scrgbClr r="0" g="0" b="0"/>
+      </a:effectRef>
+      <a:fontRef idx="minor"/>
+    </dgm:style>
+  </dgm:styleLbl>
+  <dgm:styleLbl name="dkBgShp">
+    <dgm:scene3d>
+      <a:camera prst="orthographicFront"/>
+      <a:lightRig rig="threePt" dir="t"/>
+    </dgm:scene3d>
+    <dgm:sp3d/>
+    <dgm:txPr/>
+    <dgm:style>
+      <a:lnRef idx="0">
+        <a:scrgbClr r="0" g="0" b="0"/>
+      </a:lnRef>
+      <a:fillRef idx="1">
+        <a:scrgbClr r="0" g="0" b="0"/>
+      </a:fillRef>
+      <a:effectRef idx="0">
+        <a:scrgbClr r="0" g="0" b="0"/>
+      </a:effectRef>
+      <a:fontRef idx="minor"/>
+    </dgm:style>
+  </dgm:styleLbl>
+  <dgm:styleLbl name="trBgShp">
+    <dgm:scene3d>
+      <a:camera prst="orthographicFront"/>
+      <a:lightRig rig="threePt" dir="t"/>
+    </dgm:scene3d>
+    <dgm:sp3d/>
+    <dgm:txPr/>
+    <dgm:style>
+      <a:lnRef idx="0">
+        <a:scrgbClr r="0" g="0" b="0"/>
+      </a:lnRef>
+      <a:fillRef idx="1">
+        <a:scrgbClr r="0" g="0" b="0"/>
+      </a:fillRef>
+      <a:effectRef idx="0">
+        <a:scrgbClr r="0" g="0" b="0"/>
+      </a:effectRef>
+      <a:fontRef idx="minor"/>
+    </dgm:style>
+  </dgm:styleLbl>
+  <dgm:styleLbl name="fgShp">
+    <dgm:scene3d>
+      <a:camera prst="orthographicFront"/>
+      <a:lightRig rig="threePt" dir="t"/>
+    </dgm:scene3d>
+    <dgm:sp3d/>
+    <dgm:txPr/>
+    <dgm:style>
+      <a:lnRef idx="2">
+        <a:scrgbClr r="0" g="0" b="0"/>
+      </a:lnRef>
+      <a:fillRef idx="1">
+        <a:scrgbClr r="0" g="0" b="0"/>
+      </a:fillRef>
+      <a:effectRef idx="0">
+        <a:scrgbClr r="0" g="0" b="0"/>
+      </a:effectRef>
+      <a:fontRef idx="minor"/>
+    </dgm:style>
+  </dgm:styleLbl>
+  <dgm:styleLbl name="revTx">
+    <dgm:scene3d>
+      <a:camera prst="orthographicFront"/>
+      <a:lightRig rig="threePt" dir="t"/>
+    </dgm:scene3d>
+    <dgm:sp3d/>
+    <dgm:txPr/>
+    <dgm:style>
+      <a:lnRef idx="0">
+        <a:scrgbClr r="0" g="0" b="0"/>
+      </a:lnRef>
+      <a:fillRef idx="0">
+        <a:scrgbClr r="0" g="0" b="0"/>
+      </a:fillRef>
+      <a:effectRef idx="0">
+        <a:scrgbClr r="0" g="0" b="0"/>
+      </a:effectRef>
+      <a:fontRef idx="minor"/>
+    </dgm:style>
+  </dgm:styleLbl>
+</dgm:styleDef>
 </file>
 
 <file path=ppt/slideLayouts/slideLayout1.xml><?xml version="1.0" encoding="utf-8"?>
@@ -261,7 +2938,7 @@
           <a:p>
             <a:fld id="{10A3F587-0E16-4165-BC43-D6DC73060A16}" type="datetimeFigureOut">
               <a:rPr lang="fr-CA" smtClean="0"/>
-              <a:t>2020-05-15</a:t>
+              <a:t>2020-05-19</a:t>
             </a:fld>
             <a:endParaRPr lang="fr-CA"/>
           </a:p>
@@ -461,7 +3138,7 @@
           <a:p>
             <a:fld id="{10A3F587-0E16-4165-BC43-D6DC73060A16}" type="datetimeFigureOut">
               <a:rPr lang="fr-CA" smtClean="0"/>
-              <a:t>2020-05-15</a:t>
+              <a:t>2020-05-19</a:t>
             </a:fld>
             <a:endParaRPr lang="fr-CA"/>
           </a:p>
@@ -671,7 +3348,7 @@
           <a:p>
             <a:fld id="{10A3F587-0E16-4165-BC43-D6DC73060A16}" type="datetimeFigureOut">
               <a:rPr lang="fr-CA" smtClean="0"/>
-              <a:t>2020-05-15</a:t>
+              <a:t>2020-05-19</a:t>
             </a:fld>
             <a:endParaRPr lang="fr-CA"/>
           </a:p>
@@ -871,7 +3548,7 @@
           <a:p>
             <a:fld id="{10A3F587-0E16-4165-BC43-D6DC73060A16}" type="datetimeFigureOut">
               <a:rPr lang="fr-CA" smtClean="0"/>
-              <a:t>2020-05-15</a:t>
+              <a:t>2020-05-19</a:t>
             </a:fld>
             <a:endParaRPr lang="fr-CA"/>
           </a:p>
@@ -1147,7 +3824,7 @@
           <a:p>
             <a:fld id="{10A3F587-0E16-4165-BC43-D6DC73060A16}" type="datetimeFigureOut">
               <a:rPr lang="fr-CA" smtClean="0"/>
-              <a:t>2020-05-15</a:t>
+              <a:t>2020-05-19</a:t>
             </a:fld>
             <a:endParaRPr lang="fr-CA"/>
           </a:p>
@@ -1415,7 +4092,7 @@
           <a:p>
             <a:fld id="{10A3F587-0E16-4165-BC43-D6DC73060A16}" type="datetimeFigureOut">
               <a:rPr lang="fr-CA" smtClean="0"/>
-              <a:t>2020-05-15</a:t>
+              <a:t>2020-05-19</a:t>
             </a:fld>
             <a:endParaRPr lang="fr-CA"/>
           </a:p>
@@ -1830,7 +4507,7 @@
           <a:p>
             <a:fld id="{10A3F587-0E16-4165-BC43-D6DC73060A16}" type="datetimeFigureOut">
               <a:rPr lang="fr-CA" smtClean="0"/>
-              <a:t>2020-05-15</a:t>
+              <a:t>2020-05-19</a:t>
             </a:fld>
             <a:endParaRPr lang="fr-CA"/>
           </a:p>
@@ -1972,7 +4649,7 @@
           <a:p>
             <a:fld id="{10A3F587-0E16-4165-BC43-D6DC73060A16}" type="datetimeFigureOut">
               <a:rPr lang="fr-CA" smtClean="0"/>
-              <a:t>2020-05-15</a:t>
+              <a:t>2020-05-19</a:t>
             </a:fld>
             <a:endParaRPr lang="fr-CA"/>
           </a:p>
@@ -2085,7 +4762,7 @@
           <a:p>
             <a:fld id="{10A3F587-0E16-4165-BC43-D6DC73060A16}" type="datetimeFigureOut">
               <a:rPr lang="fr-CA" smtClean="0"/>
-              <a:t>2020-05-15</a:t>
+              <a:t>2020-05-19</a:t>
             </a:fld>
             <a:endParaRPr lang="fr-CA"/>
           </a:p>
@@ -2398,7 +5075,7 @@
           <a:p>
             <a:fld id="{10A3F587-0E16-4165-BC43-D6DC73060A16}" type="datetimeFigureOut">
               <a:rPr lang="fr-CA" smtClean="0"/>
-              <a:t>2020-05-15</a:t>
+              <a:t>2020-05-19</a:t>
             </a:fld>
             <a:endParaRPr lang="fr-CA"/>
           </a:p>
@@ -2687,7 +5364,7 @@
           <a:p>
             <a:fld id="{10A3F587-0E16-4165-BC43-D6DC73060A16}" type="datetimeFigureOut">
               <a:rPr lang="fr-CA" smtClean="0"/>
-              <a:t>2020-05-15</a:t>
+              <a:t>2020-05-19</a:t>
             </a:fld>
             <a:endParaRPr lang="fr-CA"/>
           </a:p>
@@ -2930,7 +5607,7 @@
           <a:p>
             <a:fld id="{10A3F587-0E16-4165-BC43-D6DC73060A16}" type="datetimeFigureOut">
               <a:rPr lang="fr-CA" smtClean="0"/>
-              <a:t>2020-05-15</a:t>
+              <a:t>2020-05-19</a:t>
             </a:fld>
             <a:endParaRPr lang="fr-CA"/>
           </a:p>
@@ -3333,6 +6010,14 @@
 <file path=ppt/slides/slide1.xml><?xml version="1.0" encoding="utf-8"?>
 <p:sld xmlns:a="http://schemas.openxmlformats.org/drawingml/2006/main" xmlns:r="http://schemas.openxmlformats.org/officeDocument/2006/relationships" xmlns:p="http://schemas.openxmlformats.org/presentationml/2006/main">
   <p:cSld>
+    <p:bg>
+      <p:bgPr>
+        <a:solidFill>
+          <a:schemeClr val="bg1"/>
+        </a:solidFill>
+        <a:effectLst/>
+      </p:bgPr>
+    </p:bg>
     <p:spTree>
       <p:nvGrpSpPr>
         <p:cNvPr id="1" name=""/>
@@ -3349,6 +6034,136 @@
       </p:grpSpPr>
       <p:sp>
         <p:nvSpPr>
+          <p:cNvPr id="15" name="Rectangle 14">
+            <a:extLst>
+              <a:ext uri="{FF2B5EF4-FFF2-40B4-BE49-F238E27FC236}">
+                <a16:creationId xmlns:a16="http://schemas.microsoft.com/office/drawing/2014/main" id="{23962611-DFD5-4092-AAFD-559E3DFCE2C9}"/>
+              </a:ext>
+              <a:ext uri="{C183D7F6-B498-43B3-948B-1728B52AA6E4}">
+                <adec:decorative xmlns:adec="http://schemas.microsoft.com/office/drawing/2017/decorative" val="1"/>
+              </a:ext>
+            </a:extLst>
+          </p:cNvPr>
+          <p:cNvSpPr>
+            <a:spLocks noGrp="1" noRot="1" noChangeAspect="1" noMove="1" noResize="1" noEditPoints="1" noAdjustHandles="1" noChangeArrowheads="1" noChangeShapeType="1" noTextEdit="1"/>
+          </p:cNvSpPr>
+          <p:nvPr>
+            <p:extLst>
+              <p:ext uri="{386F3935-93C4-4BCD-93E2-E3B085C9AB24}">
+                <p16:designElem xmlns:p16="http://schemas.microsoft.com/office/powerpoint/2015/main" val="1"/>
+              </p:ext>
+            </p:extLst>
+          </p:nvPr>
+        </p:nvSpPr>
+        <p:spPr>
+          <a:xfrm>
+            <a:off x="475488" y="0"/>
+            <a:ext cx="10910292" cy="6858000"/>
+          </a:xfrm>
+          <a:prstGeom prst="rect">
+            <a:avLst/>
+          </a:prstGeom>
+          <a:gradFill>
+            <a:gsLst>
+              <a:gs pos="0">
+                <a:schemeClr val="accent1">
+                  <a:lumMod val="90000"/>
+                </a:schemeClr>
+              </a:gs>
+              <a:gs pos="25000">
+                <a:schemeClr val="accent1">
+                  <a:lumMod val="90000"/>
+                </a:schemeClr>
+              </a:gs>
+              <a:gs pos="94000">
+                <a:schemeClr val="bg2">
+                  <a:lumMod val="25000"/>
+                </a:schemeClr>
+              </a:gs>
+              <a:gs pos="100000">
+                <a:schemeClr val="bg2">
+                  <a:lumMod val="25000"/>
+                </a:schemeClr>
+              </a:gs>
+            </a:gsLst>
+            <a:lin ang="4200000" scaled="0"/>
+          </a:gradFill>
+          <a:ln>
+            <a:noFill/>
+          </a:ln>
+        </p:spPr>
+        <p:style>
+          <a:lnRef idx="2">
+            <a:schemeClr val="accent1">
+              <a:shade val="50000"/>
+            </a:schemeClr>
+          </a:lnRef>
+          <a:fillRef idx="1">
+            <a:schemeClr val="accent1"/>
+          </a:fillRef>
+          <a:effectRef idx="0">
+            <a:schemeClr val="accent1"/>
+          </a:effectRef>
+          <a:fontRef idx="minor">
+            <a:schemeClr val="lt1"/>
+          </a:fontRef>
+        </p:style>
+        <p:txBody>
+          <a:bodyPr rtlCol="0" anchor="ctr"/>
+          <a:lstStyle/>
+          <a:p>
+            <a:pPr algn="ctr"/>
+            <a:endParaRPr lang="en-US"/>
+          </a:p>
+        </p:txBody>
+      </p:sp>
+      <p:pic>
+        <p:nvPicPr>
+          <p:cNvPr id="17" name="Picture 16">
+            <a:extLst>
+              <a:ext uri="{FF2B5EF4-FFF2-40B4-BE49-F238E27FC236}">
+                <a16:creationId xmlns:a16="http://schemas.microsoft.com/office/drawing/2014/main" id="{2270F1FA-0425-408F-9861-80BF5AFB276D}"/>
+              </a:ext>
+              <a:ext uri="{C183D7F6-B498-43B3-948B-1728B52AA6E4}">
+                <adec:decorative xmlns:adec="http://schemas.microsoft.com/office/drawing/2017/decorative" val="1"/>
+              </a:ext>
+            </a:extLst>
+          </p:cNvPr>
+          <p:cNvPicPr>
+            <a:picLocks noGrp="1" noRot="1" noChangeAspect="1" noMove="1" noResize="1" noEditPoints="1" noAdjustHandles="1" noChangeArrowheads="1" noChangeShapeType="1" noCrop="1"/>
+          </p:cNvPicPr>
+          <p:nvPr>
+            <p:extLst>
+              <p:ext uri="{386F3935-93C4-4BCD-93E2-E3B085C9AB24}">
+                <p16:designElem xmlns:p16="http://schemas.microsoft.com/office/powerpoint/2015/main" val="1"/>
+              </p:ext>
+            </p:extLst>
+          </p:nvPr>
+        </p:nvPicPr>
+        <p:blipFill>
+          <a:blip r:embed="rId2">
+            <a:extLst>
+              <a:ext uri="{28A0092B-C50C-407E-A947-70E740481C1C}">
+                <a14:useLocalDpi xmlns:a14="http://schemas.microsoft.com/office/drawing/2010/main" val="0"/>
+              </a:ext>
+            </a:extLst>
+          </a:blip>
+          <a:stretch>
+            <a:fillRect/>
+          </a:stretch>
+        </p:blipFill>
+        <p:spPr>
+          <a:xfrm>
+            <a:off x="0" y="0"/>
+            <a:ext cx="12192000" cy="6858000"/>
+          </a:xfrm>
+          <a:prstGeom prst="rect">
+            <a:avLst/>
+          </a:prstGeom>
+        </p:spPr>
+      </p:pic>
+      <p:sp>
+        <p:nvSpPr>
           <p:cNvPr id="2" name="Titre 1">
             <a:extLst>
               <a:ext uri="{FF2B5EF4-FFF2-40B4-BE49-F238E27FC236}">
@@ -3365,16 +6180,22 @@
         </p:nvSpPr>
         <p:spPr>
           <a:xfrm>
-            <a:off x="1524000" y="2574523"/>
-            <a:ext cx="9144000" cy="935439"/>
+            <a:off x="3045368" y="2043663"/>
+            <a:ext cx="6105194" cy="2031055"/>
           </a:xfrm>
         </p:spPr>
         <p:txBody>
-          <a:bodyPr/>
+          <a:bodyPr>
+            <a:normAutofit/>
+          </a:bodyPr>
           <a:lstStyle/>
           <a:p>
             <a:r>
-              <a:rPr lang="fr-CA" dirty="0"/>
+              <a:rPr lang="fr-CA">
+                <a:solidFill>
+                  <a:srgbClr val="FFFFFF"/>
+                </a:solidFill>
+              </a:rPr>
               <a:t>W.C.A.G.</a:t>
             </a:r>
           </a:p>
@@ -3396,35 +6217,50 @@
             <p:ph type="subTitle" idx="1"/>
           </p:nvPr>
         </p:nvSpPr>
-        <p:spPr/>
+        <p:spPr>
+          <a:xfrm>
+            <a:off x="3045368" y="4074718"/>
+            <a:ext cx="6105194" cy="682079"/>
+          </a:xfrm>
+        </p:spPr>
         <p:txBody>
-          <a:bodyPr/>
+          <a:bodyPr>
+            <a:normAutofit/>
+          </a:bodyPr>
           <a:lstStyle/>
           <a:p>
             <a:r>
-              <a:rPr lang="fr-CA" b="1" dirty="0"/>
-              <a:t>(Web Content </a:t>
-            </a:r>
-            <a:r>
-              <a:rPr lang="fr-CA" b="1" dirty="0" err="1"/>
-              <a:t>Accessibility</a:t>
-            </a:r>
-            <a:r>
-              <a:rPr lang="fr-CA" b="1" dirty="0"/>
-              <a:t> Guidelines)</a:t>
-            </a:r>
-          </a:p>
-          <a:p>
-            <a:r>
-              <a:rPr lang="fr-FR" b="1" dirty="0"/>
+              <a:rPr lang="fr-CA" sz="1500" b="1">
+                <a:solidFill>
+                  <a:srgbClr val="FFFFFF"/>
+                </a:solidFill>
+              </a:rPr>
+              <a:t>(Web Content Accessibility Guidelines)</a:t>
+            </a:r>
+          </a:p>
+          <a:p>
+            <a:r>
+              <a:rPr lang="fr-FR" sz="1500" b="1">
+                <a:solidFill>
+                  <a:srgbClr val="FFFFFF"/>
+                </a:solidFill>
+              </a:rPr>
               <a:t>Accessibilité du web</a:t>
             </a:r>
           </a:p>
           <a:p>
-            <a:endParaRPr lang="fr-CA" b="1" dirty="0"/>
-          </a:p>
-          <a:p>
-            <a:endParaRPr lang="fr-CA" dirty="0"/>
+            <a:endParaRPr lang="fr-CA" sz="1500" b="1">
+              <a:solidFill>
+                <a:srgbClr val="FFFFFF"/>
+              </a:solidFill>
+            </a:endParaRPr>
+          </a:p>
+          <a:p>
+            <a:endParaRPr lang="fr-CA" sz="1500">
+              <a:solidFill>
+                <a:srgbClr val="FFFFFF"/>
+              </a:solidFill>
+            </a:endParaRPr>
           </a:p>
         </p:txBody>
       </p:sp>
@@ -3441,7 +6277,7 @@
 </p:sld>
 </file>
 
-<file path=ppt/slides/slide2.xml><?xml version="1.0" encoding="utf-8"?>
+<file path=ppt/slides/slide10.xml><?xml version="1.0" encoding="utf-8"?>
 <p:sld xmlns:a="http://schemas.openxmlformats.org/drawingml/2006/main" xmlns:r="http://schemas.openxmlformats.org/officeDocument/2006/relationships" xmlns:p="http://schemas.openxmlformats.org/presentationml/2006/main">
   <p:cSld>
     <p:spTree>
@@ -3463,7 +6299,7 @@
           <p:cNvPr id="2" name="Titre 1">
             <a:extLst>
               <a:ext uri="{FF2B5EF4-FFF2-40B4-BE49-F238E27FC236}">
-                <a16:creationId xmlns:a16="http://schemas.microsoft.com/office/drawing/2014/main" id="{81B8D6EE-F17E-41DB-BC26-0A78ED66723B}"/>
+                <a16:creationId xmlns:a16="http://schemas.microsoft.com/office/drawing/2014/main" id="{08D3C413-EA10-4BD2-8B57-9DB505F80252}"/>
               </a:ext>
             </a:extLst>
           </p:cNvPr>
@@ -3474,10 +6310,247 @@
             <p:ph type="title"/>
           </p:nvPr>
         </p:nvSpPr>
+        <p:spPr/>
+        <p:txBody>
+          <a:bodyPr/>
+          <a:lstStyle/>
+          <a:p>
+            <a:r>
+              <a:rPr lang="fr-CA" dirty="0"/>
+              <a:t>Conclusion</a:t>
+            </a:r>
+          </a:p>
+        </p:txBody>
+      </p:sp>
+      <p:sp>
+        <p:nvSpPr>
+          <p:cNvPr id="3" name="Espace réservé du contenu 2">
+            <a:extLst>
+              <a:ext uri="{FF2B5EF4-FFF2-40B4-BE49-F238E27FC236}">
+                <a16:creationId xmlns:a16="http://schemas.microsoft.com/office/drawing/2014/main" id="{67487F34-8C7F-4C76-AF0C-F71E8863A918}"/>
+              </a:ext>
+            </a:extLst>
+          </p:cNvPr>
+          <p:cNvSpPr>
+            <a:spLocks noGrp="1"/>
+          </p:cNvSpPr>
+          <p:nvPr>
+            <p:ph idx="1"/>
+          </p:nvPr>
+        </p:nvSpPr>
+        <p:spPr/>
+        <p:txBody>
+          <a:bodyPr/>
+          <a:lstStyle/>
+          <a:p>
+            <a:r>
+              <a:rPr lang="fr-FR" dirty="0"/>
+              <a:t>Parlez de l’appréciation de votre défi </a:t>
+            </a:r>
+          </a:p>
+          <a:p>
+            <a:r>
+              <a:rPr lang="fr-FR" dirty="0"/>
+              <a:t>Feriez-vous le même choix? </a:t>
+            </a:r>
+          </a:p>
+          <a:p>
+            <a:r>
+              <a:rPr lang="fr-FR" dirty="0"/>
+              <a:t>Le conseillez-vous? </a:t>
+            </a:r>
+            <a:endParaRPr lang="fr-CA" dirty="0"/>
+          </a:p>
+        </p:txBody>
+      </p:sp>
+    </p:spTree>
+    <p:extLst>
+      <p:ext uri="{BB962C8B-B14F-4D97-AF65-F5344CB8AC3E}">
+        <p14:creationId xmlns:p14="http://schemas.microsoft.com/office/powerpoint/2010/main" val="1707092361"/>
+      </p:ext>
+    </p:extLst>
+  </p:cSld>
+  <p:clrMapOvr>
+    <a:masterClrMapping/>
+  </p:clrMapOvr>
+</p:sld>
+</file>
+
+<file path=ppt/slides/slide2.xml><?xml version="1.0" encoding="utf-8"?>
+<p:sld xmlns:a="http://schemas.openxmlformats.org/drawingml/2006/main" xmlns:r="http://schemas.openxmlformats.org/officeDocument/2006/relationships" xmlns:p="http://schemas.openxmlformats.org/presentationml/2006/main">
+  <p:cSld>
+    <p:bg>
+      <p:bgPr>
+        <a:solidFill>
+          <a:schemeClr val="bg1"/>
+        </a:solidFill>
+        <a:effectLst/>
+      </p:bgPr>
+    </p:bg>
+    <p:spTree>
+      <p:nvGrpSpPr>
+        <p:cNvPr id="1" name=""/>
+        <p:cNvGrpSpPr/>
+        <p:nvPr/>
+      </p:nvGrpSpPr>
+      <p:grpSpPr>
+        <a:xfrm>
+          <a:off x="0" y="0"/>
+          <a:ext cx="0" cy="0"/>
+          <a:chOff x="0" y="0"/>
+          <a:chExt cx="0" cy="0"/>
+        </a:xfrm>
+      </p:grpSpPr>
+      <p:sp>
+        <p:nvSpPr>
+          <p:cNvPr id="22" name="Rectangle 21">
+            <a:extLst>
+              <a:ext uri="{FF2B5EF4-FFF2-40B4-BE49-F238E27FC236}">
+                <a16:creationId xmlns:a16="http://schemas.microsoft.com/office/drawing/2014/main" id="{4351DFE5-F63D-4BE0-BDA9-E3EB88F01AA5}"/>
+              </a:ext>
+              <a:ext uri="{C183D7F6-B498-43B3-948B-1728B52AA6E4}">
+                <adec:decorative xmlns:adec="http://schemas.microsoft.com/office/drawing/2017/decorative" val="1"/>
+              </a:ext>
+            </a:extLst>
+          </p:cNvPr>
+          <p:cNvSpPr>
+            <a:spLocks noGrp="1" noRot="1" noChangeAspect="1" noMove="1" noResize="1" noEditPoints="1" noAdjustHandles="1" noChangeArrowheads="1" noChangeShapeType="1" noTextEdit="1"/>
+          </p:cNvSpPr>
+          <p:nvPr>
+            <p:extLst>
+              <p:ext uri="{386F3935-93C4-4BCD-93E2-E3B085C9AB24}">
+                <p16:designElem xmlns:p16="http://schemas.microsoft.com/office/powerpoint/2015/main" val="1"/>
+              </p:ext>
+            </p:extLst>
+          </p:nvPr>
+        </p:nvSpPr>
         <p:spPr>
           <a:xfrm>
-            <a:off x="838200" y="2565647"/>
-            <a:ext cx="10515600" cy="798990"/>
+            <a:off x="355601" y="0"/>
+            <a:ext cx="11480494" cy="2753936"/>
+          </a:xfrm>
+          <a:prstGeom prst="rect">
+            <a:avLst/>
+          </a:prstGeom>
+          <a:gradFill>
+            <a:gsLst>
+              <a:gs pos="0">
+                <a:schemeClr val="accent1">
+                  <a:lumMod val="90000"/>
+                </a:schemeClr>
+              </a:gs>
+              <a:gs pos="25000">
+                <a:schemeClr val="accent1">
+                  <a:lumMod val="90000"/>
+                </a:schemeClr>
+              </a:gs>
+              <a:gs pos="94000">
+                <a:schemeClr val="bg2">
+                  <a:lumMod val="25000"/>
+                </a:schemeClr>
+              </a:gs>
+              <a:gs pos="100000">
+                <a:schemeClr val="bg2">
+                  <a:lumMod val="25000"/>
+                </a:schemeClr>
+              </a:gs>
+            </a:gsLst>
+            <a:lin ang="4200000" scaled="0"/>
+          </a:gradFill>
+          <a:ln>
+            <a:noFill/>
+          </a:ln>
+        </p:spPr>
+        <p:style>
+          <a:lnRef idx="2">
+            <a:schemeClr val="accent1">
+              <a:shade val="50000"/>
+            </a:schemeClr>
+          </a:lnRef>
+          <a:fillRef idx="1">
+            <a:schemeClr val="accent1"/>
+          </a:fillRef>
+          <a:effectRef idx="0">
+            <a:schemeClr val="accent1"/>
+          </a:effectRef>
+          <a:fontRef idx="minor">
+            <a:schemeClr val="lt1"/>
+          </a:fontRef>
+        </p:style>
+        <p:txBody>
+          <a:bodyPr rtlCol="0" anchor="ctr"/>
+          <a:lstStyle/>
+          <a:p>
+            <a:pPr algn="ctr"/>
+            <a:endParaRPr lang="en-US"/>
+          </a:p>
+        </p:txBody>
+      </p:sp>
+      <p:pic>
+        <p:nvPicPr>
+          <p:cNvPr id="24" name="Picture 23">
+            <a:extLst>
+              <a:ext uri="{FF2B5EF4-FFF2-40B4-BE49-F238E27FC236}">
+                <a16:creationId xmlns:a16="http://schemas.microsoft.com/office/drawing/2014/main" id="{3AA16612-ACD2-4A16-8F2B-4514FD6BF28F}"/>
+              </a:ext>
+              <a:ext uri="{C183D7F6-B498-43B3-948B-1728B52AA6E4}">
+                <adec:decorative xmlns:adec="http://schemas.microsoft.com/office/drawing/2017/decorative" val="1"/>
+              </a:ext>
+            </a:extLst>
+          </p:cNvPr>
+          <p:cNvPicPr>
+            <a:picLocks noGrp="1" noRot="1" noChangeAspect="1" noMove="1" noResize="1" noEditPoints="1" noAdjustHandles="1" noChangeArrowheads="1" noChangeShapeType="1" noCrop="1"/>
+          </p:cNvPicPr>
+          <p:nvPr>
+            <p:extLst>
+              <p:ext uri="{386F3935-93C4-4BCD-93E2-E3B085C9AB24}">
+                <p16:designElem xmlns:p16="http://schemas.microsoft.com/office/powerpoint/2015/main" val="1"/>
+              </p:ext>
+            </p:extLst>
+          </p:nvPr>
+        </p:nvPicPr>
+        <p:blipFill>
+          <a:blip r:embed="rId2">
+            <a:extLst>
+              <a:ext uri="{28A0092B-C50C-407E-A947-70E740481C1C}">
+                <a14:useLocalDpi xmlns:a14="http://schemas.microsoft.com/office/drawing/2010/main" val="0"/>
+              </a:ext>
+            </a:extLst>
+          </a:blip>
+          <a:stretch>
+            <a:fillRect/>
+          </a:stretch>
+        </p:blipFill>
+        <p:spPr>
+          <a:xfrm>
+            <a:off x="0" y="0"/>
+            <a:ext cx="12192000" cy="6858000"/>
+          </a:xfrm>
+          <a:prstGeom prst="rect">
+            <a:avLst/>
+          </a:prstGeom>
+        </p:spPr>
+      </p:pic>
+      <p:sp>
+        <p:nvSpPr>
+          <p:cNvPr id="2" name="Titre 1">
+            <a:extLst>
+              <a:ext uri="{FF2B5EF4-FFF2-40B4-BE49-F238E27FC236}">
+                <a16:creationId xmlns:a16="http://schemas.microsoft.com/office/drawing/2014/main" id="{DB0C04F6-8CD6-43FF-A52E-BB181093C297}"/>
+              </a:ext>
+            </a:extLst>
+          </p:cNvPr>
+          <p:cNvSpPr>
+            <a:spLocks noGrp="1"/>
+          </p:cNvSpPr>
+          <p:nvPr>
+            <p:ph type="title"/>
+          </p:nvPr>
+        </p:nvSpPr>
+        <p:spPr>
+          <a:xfrm>
+            <a:off x="1179226" y="826680"/>
+            <a:ext cx="9833548" cy="1325563"/>
           </a:xfrm>
         </p:spPr>
         <p:txBody>
@@ -3488,10 +6561,18 @@
           <a:p>
             <a:pPr algn="ctr"/>
             <a:r>
-              <a:rPr lang="fr-CA" b="1" dirty="0"/>
-              <a:t>World Wide Web Consortium (W3C)</a:t>
-            </a:r>
-            <a:endParaRPr lang="fr-CA" dirty="0"/>
+              <a:rPr lang="fr-FR" sz="4000" dirty="0">
+                <a:solidFill>
+                  <a:srgbClr val="FFFFFF"/>
+                </a:solidFill>
+              </a:rPr>
+              <a:t>Explication du défi </a:t>
+            </a:r>
+            <a:endParaRPr lang="fr-CA" sz="4000" dirty="0">
+              <a:solidFill>
+                <a:srgbClr val="FFFFFF"/>
+              </a:solidFill>
+            </a:endParaRPr>
           </a:p>
         </p:txBody>
       </p:sp>
@@ -3500,7 +6581,7 @@
           <p:cNvPr id="3" name="Espace réservé du contenu 2">
             <a:extLst>
               <a:ext uri="{FF2B5EF4-FFF2-40B4-BE49-F238E27FC236}">
-                <a16:creationId xmlns:a16="http://schemas.microsoft.com/office/drawing/2014/main" id="{6FA0FA0C-98F0-4E8A-88AA-87136B4048D1}"/>
+                <a16:creationId xmlns:a16="http://schemas.microsoft.com/office/drawing/2014/main" id="{E7B0329D-C954-4183-A1FB-0A2EBA08685E}"/>
               </a:ext>
             </a:extLst>
           </p:cNvPr>
@@ -3513,29 +6594,96 @@
         </p:nvSpPr>
         <p:spPr>
           <a:xfrm>
-            <a:off x="838200" y="3450239"/>
-            <a:ext cx="10515600" cy="970841"/>
+            <a:off x="1179226" y="3092970"/>
+            <a:ext cx="9833548" cy="2693976"/>
           </a:xfrm>
         </p:spPr>
         <p:txBody>
-          <a:bodyPr/>
+          <a:bodyPr>
+            <a:normAutofit/>
+          </a:bodyPr>
           <a:lstStyle/>
           <a:p>
-            <a:pPr marL="0" indent="0" algn="ctr">
+            <a:pPr marL="0" indent="0">
               <a:buNone/>
             </a:pPr>
             <a:r>
-              <a:rPr lang="fr-FR" dirty="0"/>
-              <a:t>Organisation internationale de la normalisation du web</a:t>
-            </a:r>
-            <a:endParaRPr lang="fr-CA" dirty="0"/>
+              <a:rPr lang="fr-CA" sz="2000" dirty="0">
+                <a:solidFill>
+                  <a:srgbClr val="000000"/>
+                </a:solidFill>
+              </a:rPr>
+              <a:t>WCAG (</a:t>
+            </a:r>
+            <a:r>
+              <a:rPr lang="fr-CA" sz="2000">
+                <a:solidFill>
+                  <a:srgbClr val="000000"/>
+                </a:solidFill>
+              </a:rPr>
+              <a:t>accessibilité du web</a:t>
+            </a:r>
+            <a:r>
+              <a:rPr lang="fr-CA" sz="2000" dirty="0">
+                <a:solidFill>
+                  <a:srgbClr val="000000"/>
+                </a:solidFill>
+              </a:rPr>
+              <a:t>) permet aux personnes qui ont des handicaps de mieux naviguer sur le web. L’</a:t>
+            </a:r>
+            <a:r>
+              <a:rPr lang="fr-CA" sz="2000" b="1">
+                <a:solidFill>
+                  <a:srgbClr val="000000"/>
+                </a:solidFill>
+              </a:rPr>
+              <a:t> </a:t>
+            </a:r>
+            <a:r>
+              <a:rPr lang="fr-CA" sz="2000">
+                <a:solidFill>
+                  <a:srgbClr val="000000"/>
+                </a:solidFill>
+              </a:rPr>
+              <a:t>accessibilité du web a pour but de </a:t>
+            </a:r>
+            <a:r>
+              <a:rPr lang="fr-FR" sz="2000">
+                <a:solidFill>
+                  <a:srgbClr val="000000"/>
+                </a:solidFill>
+              </a:rPr>
+              <a:t>réduire ou supprimer les obstacles qui empêchent les utilisateurs d'accéder à des contenus ou d'interagir avec des services comme affiché du texte explicatif quand une image n’est pas affiché ou facilité la lecture pour les personnes avec un handicap de la vue a l’aide de la taille et de la couleur du texte.</a:t>
+            </a:r>
+            <a:endParaRPr lang="fr-CA" sz="2000" dirty="0">
+              <a:solidFill>
+                <a:srgbClr val="000000"/>
+              </a:solidFill>
+            </a:endParaRPr>
+          </a:p>
+          <a:p>
+            <a:pPr marL="0" indent="0">
+              <a:buNone/>
+            </a:pPr>
+            <a:endParaRPr lang="fr-CA" sz="2000" dirty="0">
+              <a:solidFill>
+                <a:srgbClr val="000000"/>
+              </a:solidFill>
+            </a:endParaRPr>
+          </a:p>
+          <a:p>
+            <a:endParaRPr lang="fr-CA" sz="2000" dirty="0">
+              <a:solidFill>
+                <a:srgbClr val="000000"/>
+              </a:solidFill>
+            </a:endParaRPr>
           </a:p>
         </p:txBody>
       </p:sp>
     </p:spTree>
     <p:extLst>
       <p:ext uri="{BB962C8B-B14F-4D97-AF65-F5344CB8AC3E}">
-        <p14:creationId xmlns:p14="http://schemas.microsoft.com/office/powerpoint/2010/main" val="2151762291"/>
+        <p14:creationId xmlns:p14="http://schemas.microsoft.com/office/powerpoint/2010/main" val="4146247918"/>
       </p:ext>
     </p:extLst>
   </p:cSld>
@@ -3548,6 +6696,14 @@
 <file path=ppt/slides/slide3.xml><?xml version="1.0" encoding="utf-8"?>
 <p:sld xmlns:a="http://schemas.openxmlformats.org/drawingml/2006/main" xmlns:r="http://schemas.openxmlformats.org/officeDocument/2006/relationships" xmlns:p="http://schemas.openxmlformats.org/presentationml/2006/main">
   <p:cSld>
+    <p:bg>
+      <p:bgPr>
+        <a:solidFill>
+          <a:schemeClr val="bg1"/>
+        </a:solidFill>
+        <a:effectLst/>
+      </p:bgPr>
+    </p:bg>
     <p:spTree>
       <p:nvGrpSpPr>
         <p:cNvPr id="1" name=""/>
@@ -3567,7 +6723,7 @@
           <p:cNvPr id="2" name="Titre 1">
             <a:extLst>
               <a:ext uri="{FF2B5EF4-FFF2-40B4-BE49-F238E27FC236}">
-                <a16:creationId xmlns:a16="http://schemas.microsoft.com/office/drawing/2014/main" id="{993C2BF5-0F9D-4370-A9D1-E2E3ABD11F45}"/>
+                <a16:creationId xmlns:a16="http://schemas.microsoft.com/office/drawing/2014/main" id="{4C8B2A16-554C-41AF-8756-FB173D9C364A}"/>
               </a:ext>
             </a:extLst>
           </p:cNvPr>
@@ -3578,80 +6734,61 @@
             <p:ph type="title"/>
           </p:nvPr>
         </p:nvSpPr>
-        <p:spPr/>
+        <p:spPr>
+          <a:xfrm>
+            <a:off x="838200" y="365125"/>
+            <a:ext cx="10515600" cy="1325563"/>
+          </a:xfrm>
+        </p:spPr>
         <p:txBody>
-          <a:bodyPr/>
+          <a:bodyPr>
+            <a:normAutofit/>
+          </a:bodyPr>
           <a:lstStyle/>
           <a:p>
-            <a:pPr algn="ctr"/>
-            <a:r>
-              <a:rPr lang="fr-CA" dirty="0"/>
-              <a:t>Objectif</a:t>
-            </a:r>
+            <a:r>
+              <a:rPr lang="fr-FR"/>
+              <a:t>Pourquoi c’était un défi pour vous? </a:t>
+            </a:r>
+            <a:endParaRPr lang="fr-CA"/>
           </a:p>
         </p:txBody>
       </p:sp>
-      <p:sp>
-        <p:nvSpPr>
-          <p:cNvPr id="3" name="Espace réservé du contenu 2">
-            <a:extLst>
-              <a:ext uri="{FF2B5EF4-FFF2-40B4-BE49-F238E27FC236}">
-                <a16:creationId xmlns:a16="http://schemas.microsoft.com/office/drawing/2014/main" id="{EF86C78D-928C-4015-B183-A0CE2188E69E}"/>
-              </a:ext>
-            </a:extLst>
-          </p:cNvPr>
-          <p:cNvSpPr>
-            <a:spLocks noGrp="1"/>
-          </p:cNvSpPr>
+      <p:graphicFrame>
+        <p:nvGraphicFramePr>
+          <p:cNvPr id="6" name="Espace réservé du contenu 2">
+            <a:extLst>
+              <a:ext uri="{FF2B5EF4-FFF2-40B4-BE49-F238E27FC236}">
+                <a16:creationId xmlns:a16="http://schemas.microsoft.com/office/drawing/2014/main" id="{BB4CE2D7-12BE-4AA4-815F-8CBE5E65FBD4}"/>
+              </a:ext>
+            </a:extLst>
+          </p:cNvPr>
+          <p:cNvGraphicFramePr>
+            <a:graphicFrameLocks noGrp="1"/>
+          </p:cNvGraphicFramePr>
           <p:nvPr>
             <p:ph idx="1"/>
-          </p:nvPr>
-        </p:nvSpPr>
-        <p:spPr/>
-        <p:txBody>
-          <a:bodyPr/>
-          <a:lstStyle/>
-          <a:p>
-            <a:r>
-              <a:rPr lang="fr-CA" dirty="0"/>
-              <a:t>Aide les personnes handicapées </a:t>
-            </a:r>
-            <a:r>
-              <a:rPr lang="fr-FR" dirty="0"/>
-              <a:t>et plus généralement, tous les utilisateurs, quels que soient leurs dispositifs d’accès (mobile, tablette, etc.)</a:t>
-            </a:r>
-            <a:endParaRPr lang="fr-CA" dirty="0"/>
-          </a:p>
-          <a:p>
-            <a:r>
-              <a:rPr lang="fr-FR" dirty="0"/>
-              <a:t>Cherchent à réduire ou supprimer les obstacles qui empêchent les utilisateurs </a:t>
-            </a:r>
-          </a:p>
-          <a:p>
-            <a:pPr lvl="1"/>
-            <a:r>
-              <a:rPr lang="fr-FR" dirty="0"/>
-              <a:t>d'accéder à des contenus </a:t>
-            </a:r>
-          </a:p>
-          <a:p>
-            <a:pPr lvl="1"/>
-            <a:r>
-              <a:rPr lang="fr-FR" dirty="0"/>
-              <a:t>d'interagir avec des services.</a:t>
-            </a:r>
-            <a:endParaRPr lang="fr-CA" dirty="0"/>
-          </a:p>
-          <a:p>
-            <a:endParaRPr lang="fr-CA" dirty="0"/>
-          </a:p>
-        </p:txBody>
-      </p:sp>
+            <p:extLst>
+              <p:ext uri="{D42A27DB-BD31-4B8C-83A1-F6EECF244321}">
+                <p14:modId xmlns:p14="http://schemas.microsoft.com/office/powerpoint/2010/main" val="1612778890"/>
+              </p:ext>
+            </p:extLst>
+          </p:nvPr>
+        </p:nvGraphicFramePr>
+        <p:xfrm>
+          <a:off x="838200" y="1825625"/>
+          <a:ext cx="10515600" cy="4351338"/>
+        </p:xfrm>
+        <a:graphic>
+          <a:graphicData uri="http://schemas.openxmlformats.org/drawingml/2006/diagram">
+            <dgm:relIds xmlns:dgm="http://schemas.openxmlformats.org/drawingml/2006/diagram" xmlns:r="http://schemas.openxmlformats.org/officeDocument/2006/relationships" r:dm="rId2" r:lo="rId3" r:qs="rId4" r:cs="rId5"/>
+          </a:graphicData>
+        </a:graphic>
+      </p:graphicFrame>
     </p:spTree>
     <p:extLst>
       <p:ext uri="{BB962C8B-B14F-4D97-AF65-F5344CB8AC3E}">
-        <p14:creationId xmlns:p14="http://schemas.microsoft.com/office/powerpoint/2010/main" val="1103078202"/>
+        <p14:creationId xmlns:p14="http://schemas.microsoft.com/office/powerpoint/2010/main" val="2964769339"/>
       </p:ext>
     </p:extLst>
   </p:cSld>
@@ -3664,6 +6801,14 @@
 <file path=ppt/slides/slide4.xml><?xml version="1.0" encoding="utf-8"?>
 <p:sld xmlns:a="http://schemas.openxmlformats.org/drawingml/2006/main" xmlns:r="http://schemas.openxmlformats.org/officeDocument/2006/relationships" xmlns:p="http://schemas.openxmlformats.org/presentationml/2006/main">
   <p:cSld>
+    <p:bg>
+      <p:bgPr>
+        <a:solidFill>
+          <a:schemeClr val="bg1"/>
+        </a:solidFill>
+        <a:effectLst/>
+      </p:bgPr>
+    </p:bg>
     <p:spTree>
       <p:nvGrpSpPr>
         <p:cNvPr id="1" name=""/>
@@ -3680,10 +6825,140 @@
       </p:grpSpPr>
       <p:sp>
         <p:nvSpPr>
+          <p:cNvPr id="17" name="Rectangle 16">
+            <a:extLst>
+              <a:ext uri="{FF2B5EF4-FFF2-40B4-BE49-F238E27FC236}">
+                <a16:creationId xmlns:a16="http://schemas.microsoft.com/office/drawing/2014/main" id="{4351DFE5-F63D-4BE0-BDA9-E3EB88F01AA5}"/>
+              </a:ext>
+              <a:ext uri="{C183D7F6-B498-43B3-948B-1728B52AA6E4}">
+                <adec:decorative xmlns:adec="http://schemas.microsoft.com/office/drawing/2017/decorative" val="1"/>
+              </a:ext>
+            </a:extLst>
+          </p:cNvPr>
+          <p:cNvSpPr>
+            <a:spLocks noGrp="1" noRot="1" noChangeAspect="1" noMove="1" noResize="1" noEditPoints="1" noAdjustHandles="1" noChangeArrowheads="1" noChangeShapeType="1" noTextEdit="1"/>
+          </p:cNvSpPr>
+          <p:nvPr>
+            <p:extLst>
+              <p:ext uri="{386F3935-93C4-4BCD-93E2-E3B085C9AB24}">
+                <p16:designElem xmlns:p16="http://schemas.microsoft.com/office/powerpoint/2015/main" val="1"/>
+              </p:ext>
+            </p:extLst>
+          </p:nvPr>
+        </p:nvSpPr>
+        <p:spPr>
+          <a:xfrm>
+            <a:off x="355601" y="0"/>
+            <a:ext cx="11480494" cy="2753936"/>
+          </a:xfrm>
+          <a:prstGeom prst="rect">
+            <a:avLst/>
+          </a:prstGeom>
+          <a:gradFill>
+            <a:gsLst>
+              <a:gs pos="0">
+                <a:schemeClr val="accent1">
+                  <a:lumMod val="90000"/>
+                </a:schemeClr>
+              </a:gs>
+              <a:gs pos="25000">
+                <a:schemeClr val="accent1">
+                  <a:lumMod val="90000"/>
+                </a:schemeClr>
+              </a:gs>
+              <a:gs pos="94000">
+                <a:schemeClr val="bg2">
+                  <a:lumMod val="25000"/>
+                </a:schemeClr>
+              </a:gs>
+              <a:gs pos="100000">
+                <a:schemeClr val="bg2">
+                  <a:lumMod val="25000"/>
+                </a:schemeClr>
+              </a:gs>
+            </a:gsLst>
+            <a:lin ang="4200000" scaled="0"/>
+          </a:gradFill>
+          <a:ln>
+            <a:noFill/>
+          </a:ln>
+        </p:spPr>
+        <p:style>
+          <a:lnRef idx="2">
+            <a:schemeClr val="accent1">
+              <a:shade val="50000"/>
+            </a:schemeClr>
+          </a:lnRef>
+          <a:fillRef idx="1">
+            <a:schemeClr val="accent1"/>
+          </a:fillRef>
+          <a:effectRef idx="0">
+            <a:schemeClr val="accent1"/>
+          </a:effectRef>
+          <a:fontRef idx="minor">
+            <a:schemeClr val="lt1"/>
+          </a:fontRef>
+        </p:style>
+        <p:txBody>
+          <a:bodyPr rtlCol="0" anchor="ctr"/>
+          <a:lstStyle/>
+          <a:p>
+            <a:pPr algn="ctr"/>
+            <a:endParaRPr lang="en-US"/>
+          </a:p>
+        </p:txBody>
+      </p:sp>
+      <p:pic>
+        <p:nvPicPr>
+          <p:cNvPr id="19" name="Picture 18">
+            <a:extLst>
+              <a:ext uri="{FF2B5EF4-FFF2-40B4-BE49-F238E27FC236}">
+                <a16:creationId xmlns:a16="http://schemas.microsoft.com/office/drawing/2014/main" id="{3AA16612-ACD2-4A16-8F2B-4514FD6BF28F}"/>
+              </a:ext>
+              <a:ext uri="{C183D7F6-B498-43B3-948B-1728B52AA6E4}">
+                <adec:decorative xmlns:adec="http://schemas.microsoft.com/office/drawing/2017/decorative" val="1"/>
+              </a:ext>
+            </a:extLst>
+          </p:cNvPr>
+          <p:cNvPicPr>
+            <a:picLocks noGrp="1" noRot="1" noChangeAspect="1" noMove="1" noResize="1" noEditPoints="1" noAdjustHandles="1" noChangeArrowheads="1" noChangeShapeType="1" noCrop="1"/>
+          </p:cNvPicPr>
+          <p:nvPr>
+            <p:extLst>
+              <p:ext uri="{386F3935-93C4-4BCD-93E2-E3B085C9AB24}">
+                <p16:designElem xmlns:p16="http://schemas.microsoft.com/office/powerpoint/2015/main" val="1"/>
+              </p:ext>
+            </p:extLst>
+          </p:nvPr>
+        </p:nvPicPr>
+        <p:blipFill>
+          <a:blip r:embed="rId2">
+            <a:extLst>
+              <a:ext uri="{28A0092B-C50C-407E-A947-70E740481C1C}">
+                <a14:useLocalDpi xmlns:a14="http://schemas.microsoft.com/office/drawing/2010/main" val="0"/>
+              </a:ext>
+            </a:extLst>
+          </a:blip>
+          <a:stretch>
+            <a:fillRect/>
+          </a:stretch>
+        </p:blipFill>
+        <p:spPr>
+          <a:xfrm>
+            <a:off x="0" y="0"/>
+            <a:ext cx="12192000" cy="6858000"/>
+          </a:xfrm>
+          <a:prstGeom prst="rect">
+            <a:avLst/>
+          </a:prstGeom>
+        </p:spPr>
+      </p:pic>
+      <p:sp>
+        <p:nvSpPr>
           <p:cNvPr id="2" name="Titre 1">
             <a:extLst>
               <a:ext uri="{FF2B5EF4-FFF2-40B4-BE49-F238E27FC236}">
-                <a16:creationId xmlns:a16="http://schemas.microsoft.com/office/drawing/2014/main" id="{7E9107E4-5C25-4A9E-AE56-0DF0B27A6C07}"/>
+                <a16:creationId xmlns:a16="http://schemas.microsoft.com/office/drawing/2014/main" id="{D6B92700-3900-4CC6-8C93-D937A67A53A0}"/>
               </a:ext>
             </a:extLst>
           </p:cNvPr>
@@ -3694,16 +6969,32 @@
             <p:ph type="title"/>
           </p:nvPr>
         </p:nvSpPr>
-        <p:spPr/>
+        <p:spPr>
+          <a:xfrm>
+            <a:off x="1179226" y="826680"/>
+            <a:ext cx="9833548" cy="1325563"/>
+          </a:xfrm>
+        </p:spPr>
         <p:txBody>
-          <a:bodyPr/>
+          <a:bodyPr>
+            <a:normAutofit/>
+          </a:bodyPr>
           <a:lstStyle/>
           <a:p>
             <a:pPr algn="ctr"/>
             <a:r>
-              <a:rPr lang="fr-CA" dirty="0"/>
-              <a:t>Les niveaux d'accessibilité WCAG</a:t>
-            </a:r>
+              <a:rPr lang="fr-FR" sz="4000">
+                <a:solidFill>
+                  <a:srgbClr val="FFFFFF"/>
+                </a:solidFill>
+              </a:rPr>
+              <a:t>Pourquoi avez-vous choisi ce défi? </a:t>
+            </a:r>
+            <a:endParaRPr lang="fr-CA" sz="4000">
+              <a:solidFill>
+                <a:srgbClr val="FFFFFF"/>
+              </a:solidFill>
+            </a:endParaRPr>
           </a:p>
         </p:txBody>
       </p:sp>
@@ -3712,7 +7003,7 @@
           <p:cNvPr id="3" name="Espace réservé du contenu 2">
             <a:extLst>
               <a:ext uri="{FF2B5EF4-FFF2-40B4-BE49-F238E27FC236}">
-                <a16:creationId xmlns:a16="http://schemas.microsoft.com/office/drawing/2014/main" id="{A99A53BF-3777-4C4C-A9EA-AB3D70E130EB}"/>
+                <a16:creationId xmlns:a16="http://schemas.microsoft.com/office/drawing/2014/main" id="{6A1DB1C7-2F3B-4F8E-A25D-2F347D50DD53}"/>
               </a:ext>
             </a:extLst>
           </p:cNvPr>
@@ -3725,29 +7016,26 @@
         </p:nvSpPr>
         <p:spPr>
           <a:xfrm>
-            <a:off x="838200" y="2325949"/>
-            <a:ext cx="10515600" cy="3851013"/>
+            <a:off x="1179226" y="3092970"/>
+            <a:ext cx="9833548" cy="2693976"/>
           </a:xfrm>
         </p:spPr>
         <p:txBody>
-          <a:bodyPr/>
+          <a:bodyPr>
+            <a:normAutofit/>
+          </a:bodyPr>
           <a:lstStyle/>
           <a:p>
-            <a:r>
-              <a:rPr lang="fr-CA" dirty="0"/>
-              <a:t>Niveau A</a:t>
-            </a:r>
-          </a:p>
-          <a:p>
-            <a:r>
-              <a:rPr lang="fr-CA" dirty="0"/>
-              <a:t>Niveau AA</a:t>
-            </a:r>
-          </a:p>
-          <a:p>
-            <a:r>
-              <a:rPr lang="fr-CA" dirty="0"/>
-              <a:t>Niveau AAA</a:t>
+            <a:pPr marL="0" indent="0">
+              <a:buNone/>
+            </a:pPr>
+            <a:r>
+              <a:rPr lang="fr-CA" sz="2000">
+                <a:solidFill>
+                  <a:srgbClr val="000000"/>
+                </a:solidFill>
+              </a:rPr>
+              <a:t>Comme nous avons été obligé d’utilisé les requis techniques imposé par le clients, nous devions choisir parmi les choix qui nous a été imposé. Nous avons donc choisi l’accessibilité (WCAG).</a:t>
             </a:r>
           </a:p>
         </p:txBody>
@@ -3755,7 +7043,7 @@
     </p:spTree>
     <p:extLst>
       <p:ext uri="{BB962C8B-B14F-4D97-AF65-F5344CB8AC3E}">
-        <p14:creationId xmlns:p14="http://schemas.microsoft.com/office/powerpoint/2010/main" val="1881677078"/>
+        <p14:creationId xmlns:p14="http://schemas.microsoft.com/office/powerpoint/2010/main" val="849460376"/>
       </p:ext>
     </p:extLst>
   </p:cSld>
@@ -3768,6 +7056,14 @@
 <file path=ppt/slides/slide5.xml><?xml version="1.0" encoding="utf-8"?>
 <p:sld xmlns:a="http://schemas.openxmlformats.org/drawingml/2006/main" xmlns:r="http://schemas.openxmlformats.org/officeDocument/2006/relationships" xmlns:p="http://schemas.openxmlformats.org/presentationml/2006/main">
   <p:cSld>
+    <p:bg>
+      <p:bgPr>
+        <a:solidFill>
+          <a:schemeClr val="bg1"/>
+        </a:solidFill>
+        <a:effectLst/>
+      </p:bgPr>
+    </p:bg>
     <p:spTree>
       <p:nvGrpSpPr>
         <p:cNvPr id="1" name=""/>
@@ -3784,10 +7080,140 @@
       </p:grpSpPr>
       <p:sp>
         <p:nvSpPr>
+          <p:cNvPr id="8" name="Rectangle 7">
+            <a:extLst>
+              <a:ext uri="{FF2B5EF4-FFF2-40B4-BE49-F238E27FC236}">
+                <a16:creationId xmlns:a16="http://schemas.microsoft.com/office/drawing/2014/main" id="{4351DFE5-F63D-4BE0-BDA9-E3EB88F01AA5}"/>
+              </a:ext>
+              <a:ext uri="{C183D7F6-B498-43B3-948B-1728B52AA6E4}">
+                <adec:decorative xmlns:adec="http://schemas.microsoft.com/office/drawing/2017/decorative" val="1"/>
+              </a:ext>
+            </a:extLst>
+          </p:cNvPr>
+          <p:cNvSpPr>
+            <a:spLocks noGrp="1" noRot="1" noChangeAspect="1" noMove="1" noResize="1" noEditPoints="1" noAdjustHandles="1" noChangeArrowheads="1" noChangeShapeType="1" noTextEdit="1"/>
+          </p:cNvSpPr>
+          <p:nvPr>
+            <p:extLst>
+              <p:ext uri="{386F3935-93C4-4BCD-93E2-E3B085C9AB24}">
+                <p16:designElem xmlns:p16="http://schemas.microsoft.com/office/powerpoint/2015/main" val="1"/>
+              </p:ext>
+            </p:extLst>
+          </p:nvPr>
+        </p:nvSpPr>
+        <p:spPr>
+          <a:xfrm>
+            <a:off x="355601" y="0"/>
+            <a:ext cx="11480494" cy="2753936"/>
+          </a:xfrm>
+          <a:prstGeom prst="rect">
+            <a:avLst/>
+          </a:prstGeom>
+          <a:gradFill>
+            <a:gsLst>
+              <a:gs pos="0">
+                <a:schemeClr val="accent1">
+                  <a:lumMod val="90000"/>
+                </a:schemeClr>
+              </a:gs>
+              <a:gs pos="25000">
+                <a:schemeClr val="accent1">
+                  <a:lumMod val="90000"/>
+                </a:schemeClr>
+              </a:gs>
+              <a:gs pos="94000">
+                <a:schemeClr val="bg2">
+                  <a:lumMod val="25000"/>
+                </a:schemeClr>
+              </a:gs>
+              <a:gs pos="100000">
+                <a:schemeClr val="bg2">
+                  <a:lumMod val="25000"/>
+                </a:schemeClr>
+              </a:gs>
+            </a:gsLst>
+            <a:lin ang="4200000" scaled="0"/>
+          </a:gradFill>
+          <a:ln>
+            <a:noFill/>
+          </a:ln>
+        </p:spPr>
+        <p:style>
+          <a:lnRef idx="2">
+            <a:schemeClr val="accent1">
+              <a:shade val="50000"/>
+            </a:schemeClr>
+          </a:lnRef>
+          <a:fillRef idx="1">
+            <a:schemeClr val="accent1"/>
+          </a:fillRef>
+          <a:effectRef idx="0">
+            <a:schemeClr val="accent1"/>
+          </a:effectRef>
+          <a:fontRef idx="minor">
+            <a:schemeClr val="lt1"/>
+          </a:fontRef>
+        </p:style>
+        <p:txBody>
+          <a:bodyPr rtlCol="0" anchor="ctr"/>
+          <a:lstStyle/>
+          <a:p>
+            <a:pPr algn="ctr"/>
+            <a:endParaRPr lang="en-US"/>
+          </a:p>
+        </p:txBody>
+      </p:sp>
+      <p:pic>
+        <p:nvPicPr>
+          <p:cNvPr id="12" name="Picture 9">
+            <a:extLst>
+              <a:ext uri="{FF2B5EF4-FFF2-40B4-BE49-F238E27FC236}">
+                <a16:creationId xmlns:a16="http://schemas.microsoft.com/office/drawing/2014/main" id="{3AA16612-ACD2-4A16-8F2B-4514FD6BF28F}"/>
+              </a:ext>
+              <a:ext uri="{C183D7F6-B498-43B3-948B-1728B52AA6E4}">
+                <adec:decorative xmlns:adec="http://schemas.microsoft.com/office/drawing/2017/decorative" val="1"/>
+              </a:ext>
+            </a:extLst>
+          </p:cNvPr>
+          <p:cNvPicPr>
+            <a:picLocks noGrp="1" noRot="1" noChangeAspect="1" noMove="1" noResize="1" noEditPoints="1" noAdjustHandles="1" noChangeArrowheads="1" noChangeShapeType="1" noCrop="1"/>
+          </p:cNvPicPr>
+          <p:nvPr>
+            <p:extLst>
+              <p:ext uri="{386F3935-93C4-4BCD-93E2-E3B085C9AB24}">
+                <p16:designElem xmlns:p16="http://schemas.microsoft.com/office/powerpoint/2015/main" val="1"/>
+              </p:ext>
+            </p:extLst>
+          </p:nvPr>
+        </p:nvPicPr>
+        <p:blipFill>
+          <a:blip r:embed="rId2">
+            <a:extLst>
+              <a:ext uri="{28A0092B-C50C-407E-A947-70E740481C1C}">
+                <a14:useLocalDpi xmlns:a14="http://schemas.microsoft.com/office/drawing/2010/main" val="0"/>
+              </a:ext>
+            </a:extLst>
+          </a:blip>
+          <a:stretch>
+            <a:fillRect/>
+          </a:stretch>
+        </p:blipFill>
+        <p:spPr>
+          <a:xfrm>
+            <a:off x="0" y="0"/>
+            <a:ext cx="12192000" cy="6858000"/>
+          </a:xfrm>
+          <a:prstGeom prst="rect">
+            <a:avLst/>
+          </a:prstGeom>
+        </p:spPr>
+      </p:pic>
+      <p:sp>
+        <p:nvSpPr>
           <p:cNvPr id="2" name="Titre 1">
             <a:extLst>
               <a:ext uri="{FF2B5EF4-FFF2-40B4-BE49-F238E27FC236}">
-                <a16:creationId xmlns:a16="http://schemas.microsoft.com/office/drawing/2014/main" id="{4FD1A17C-D631-4932-BEC9-8DB812DAAA32}"/>
+                <a16:creationId xmlns:a16="http://schemas.microsoft.com/office/drawing/2014/main" id="{F736B04C-ADF2-4C59-AD1A-EE1319F16B76}"/>
               </a:ext>
             </a:extLst>
           </p:cNvPr>
@@ -3800,28 +7226,39 @@
         </p:nvSpPr>
         <p:spPr>
           <a:xfrm>
-            <a:off x="838200" y="852256"/>
-            <a:ext cx="10515600" cy="838432"/>
+            <a:off x="1179226" y="826680"/>
+            <a:ext cx="9833548" cy="1325563"/>
           </a:xfrm>
         </p:spPr>
         <p:txBody>
-          <a:bodyPr/>
+          <a:bodyPr>
+            <a:normAutofit/>
+          </a:bodyPr>
           <a:lstStyle/>
           <a:p>
             <a:pPr algn="ctr"/>
             <a:r>
-              <a:rPr lang="fr-CA" dirty="0"/>
-              <a:t>Niveau A</a:t>
-            </a:r>
+              <a:rPr lang="fr-FR" sz="4000">
+                <a:solidFill>
+                  <a:srgbClr val="FFFFFF"/>
+                </a:solidFill>
+              </a:rPr>
+              <a:t>Son utilisation et sa pertinence </a:t>
+            </a:r>
+            <a:endParaRPr lang="fr-CA" sz="4000">
+              <a:solidFill>
+                <a:srgbClr val="FFFFFF"/>
+              </a:solidFill>
+            </a:endParaRPr>
           </a:p>
         </p:txBody>
       </p:sp>
       <p:sp>
         <p:nvSpPr>
-          <p:cNvPr id="3" name="Espace réservé du contenu 2">
-            <a:extLst>
-              <a:ext uri="{FF2B5EF4-FFF2-40B4-BE49-F238E27FC236}">
-                <a16:creationId xmlns:a16="http://schemas.microsoft.com/office/drawing/2014/main" id="{E9BC9D6A-299E-4FE8-B4E1-EA41922D00A3}"/>
+          <p:cNvPr id="13" name="Espace réservé du contenu 2">
+            <a:extLst>
+              <a:ext uri="{FF2B5EF4-FFF2-40B4-BE49-F238E27FC236}">
+                <a16:creationId xmlns:a16="http://schemas.microsoft.com/office/drawing/2014/main" id="{2A4B29CC-7369-4A8C-A075-D38F92647C31}"/>
               </a:ext>
             </a:extLst>
           </p:cNvPr>
@@ -3832,14 +7269,42 @@
             <p:ph idx="1"/>
           </p:nvPr>
         </p:nvSpPr>
-        <p:spPr/>
+        <p:spPr>
+          <a:xfrm>
+            <a:off x="1179226" y="3092970"/>
+            <a:ext cx="9833548" cy="2693976"/>
+          </a:xfrm>
+        </p:spPr>
         <p:txBody>
-          <a:bodyPr/>
+          <a:bodyPr>
+            <a:normAutofit/>
+          </a:bodyPr>
           <a:lstStyle/>
           <a:p>
-            <a:r>
-              <a:rPr lang="fr-CA" dirty="0"/>
-              <a:t>Se concentre sur le HTML en 14 critères</a:t>
+            <a:endParaRPr lang="fr-CA" sz="2000" dirty="0">
+              <a:solidFill>
+                <a:srgbClr val="000000"/>
+              </a:solidFill>
+            </a:endParaRPr>
+          </a:p>
+          <a:p>
+            <a:r>
+              <a:rPr lang="fr-CA" sz="2000" dirty="0">
+                <a:solidFill>
+                  <a:srgbClr val="000000"/>
+                </a:solidFill>
+              </a:rPr>
+              <a:t>Permet la standardisation des pages web.</a:t>
+            </a:r>
+          </a:p>
+          <a:p>
+            <a:r>
+              <a:rPr lang="fr-CA" sz="2000" dirty="0">
+                <a:solidFill>
+                  <a:srgbClr val="000000"/>
+                </a:solidFill>
+              </a:rPr>
+              <a:t>Permet aux personnes avec des handicapes d’avoir accès au site avec plus de facilité.</a:t>
             </a:r>
           </a:p>
         </p:txBody>
@@ -3847,7 +7312,7 @@
     </p:spTree>
     <p:extLst>
       <p:ext uri="{BB962C8B-B14F-4D97-AF65-F5344CB8AC3E}">
-        <p14:creationId xmlns:p14="http://schemas.microsoft.com/office/powerpoint/2010/main" val="3852589891"/>
+        <p14:creationId xmlns:p14="http://schemas.microsoft.com/office/powerpoint/2010/main" val="258624074"/>
       </p:ext>
     </p:extLst>
   </p:cSld>
@@ -3879,7 +7344,7 @@
           <p:cNvPr id="2" name="Titre 1">
             <a:extLst>
               <a:ext uri="{FF2B5EF4-FFF2-40B4-BE49-F238E27FC236}">
-                <a16:creationId xmlns:a16="http://schemas.microsoft.com/office/drawing/2014/main" id="{6D7CD732-5B0E-4F81-95E8-73FC64F212E4}"/>
+                <a16:creationId xmlns:a16="http://schemas.microsoft.com/office/drawing/2014/main" id="{3161770B-35B0-439D-8F6C-CB7F65088346}"/>
               </a:ext>
             </a:extLst>
           </p:cNvPr>
@@ -3890,20 +7355,14 @@
             <p:ph type="title"/>
           </p:nvPr>
         </p:nvSpPr>
-        <p:spPr>
-          <a:xfrm>
-            <a:off x="838200" y="807868"/>
-            <a:ext cx="10515600" cy="882820"/>
-          </a:xfrm>
-        </p:spPr>
+        <p:spPr/>
         <p:txBody>
           <a:bodyPr/>
           <a:lstStyle/>
           <a:p>
-            <a:pPr algn="ctr"/>
             <a:r>
               <a:rPr lang="fr-CA" dirty="0"/>
-              <a:t>Niveau AA</a:t>
+              <a:t>Fonctionnement</a:t>
             </a:r>
           </a:p>
         </p:txBody>
@@ -3913,7 +7372,7 @@
           <p:cNvPr id="3" name="Espace réservé du contenu 2">
             <a:extLst>
               <a:ext uri="{FF2B5EF4-FFF2-40B4-BE49-F238E27FC236}">
-                <a16:creationId xmlns:a16="http://schemas.microsoft.com/office/drawing/2014/main" id="{E501F2AD-A4A8-4FED-869F-DD87B302160D}"/>
+                <a16:creationId xmlns:a16="http://schemas.microsoft.com/office/drawing/2014/main" id="{83739C54-2F2D-45C1-B28A-345F15B488A3}"/>
               </a:ext>
             </a:extLst>
           </p:cNvPr>
@@ -3924,14 +7383,561 @@
             <p:ph idx="1"/>
           </p:nvPr>
         </p:nvSpPr>
-        <p:spPr/>
+        <p:spPr>
+          <a:xfrm>
+            <a:off x="838200" y="1466851"/>
+            <a:ext cx="10515600" cy="3165416"/>
+          </a:xfrm>
+        </p:spPr>
         <p:txBody>
-          <a:bodyPr/>
+          <a:bodyPr>
+            <a:normAutofit/>
+          </a:bodyPr>
           <a:lstStyle/>
           <a:p>
-            <a:r>
-              <a:rPr lang="fr-CA" dirty="0"/>
-              <a:t>Critères du niveau A, plus adaptation des nouvelles technologies W3C comme XML,CSS,SIML</a:t>
+            <a:pPr marL="0" indent="0">
+              <a:buNone/>
+            </a:pPr>
+            <a:r>
+              <a:rPr lang="fr-CA" dirty="0">
+                <a:solidFill>
+                  <a:srgbClr val="000000"/>
+                </a:solidFill>
+              </a:rPr>
+              <a:t>On peut aller sur des sites spécialisés pour évalué notre site comme</a:t>
+            </a:r>
+          </a:p>
+          <a:p>
+            <a:pPr marL="0" indent="0">
+              <a:buNone/>
+            </a:pPr>
+            <a:r>
+              <a:rPr lang="fr-CA" dirty="0">
+                <a:solidFill>
+                  <a:srgbClr val="000000"/>
+                </a:solidFill>
+              </a:rPr>
+              <a:t> </a:t>
+            </a:r>
+            <a:r>
+              <a:rPr lang="fr-CA" dirty="0">
+                <a:solidFill>
+                  <a:srgbClr val="000000"/>
+                </a:solidFill>
+                <a:hlinkClick r:id="rId2"/>
+              </a:rPr>
+              <a:t>https://webaim.org/resources/</a:t>
+            </a:r>
+            <a:r>
+              <a:rPr lang="fr-CA" dirty="0">
+                <a:solidFill>
+                  <a:srgbClr val="000000"/>
+                </a:solidFill>
+              </a:rPr>
+              <a:t> </a:t>
+            </a:r>
+          </a:p>
+          <a:p>
+            <a:pPr marL="0" indent="0">
+              <a:buNone/>
+            </a:pPr>
+            <a:endParaRPr lang="fr-CA" dirty="0">
+              <a:solidFill>
+                <a:srgbClr val="000000"/>
+              </a:solidFill>
+            </a:endParaRPr>
+          </a:p>
+          <a:p>
+            <a:pPr marL="0" indent="0">
+              <a:buNone/>
+            </a:pPr>
+            <a:endParaRPr lang="fr-CA" dirty="0">
+              <a:solidFill>
+                <a:srgbClr val="000000"/>
+              </a:solidFill>
+            </a:endParaRPr>
+          </a:p>
+          <a:p>
+            <a:pPr marL="0" indent="0">
+              <a:buNone/>
+            </a:pPr>
+            <a:r>
+              <a:rPr lang="fr-CA" dirty="0">
+                <a:solidFill>
+                  <a:srgbClr val="000000"/>
+                </a:solidFill>
+              </a:rPr>
+              <a:t>ou </a:t>
+            </a:r>
+          </a:p>
+          <a:p>
+            <a:pPr marL="0" indent="0">
+              <a:buNone/>
+            </a:pPr>
+            <a:r>
+              <a:rPr lang="fr-CA" dirty="0">
+                <a:solidFill>
+                  <a:srgbClr val="000000"/>
+                </a:solidFill>
+                <a:hlinkClick r:id="rId3"/>
+              </a:rPr>
+              <a:t>http://squizlabs.github.io/HTML_CodeSniffer/</a:t>
+            </a:r>
+            <a:r>
+              <a:rPr lang="fr-CA" dirty="0">
+                <a:solidFill>
+                  <a:srgbClr val="000000"/>
+                </a:solidFill>
+              </a:rPr>
+              <a:t> .</a:t>
+            </a:r>
+          </a:p>
+          <a:p>
+            <a:endParaRPr lang="fr-CA" dirty="0"/>
+          </a:p>
+        </p:txBody>
+      </p:sp>
+      <p:pic>
+        <p:nvPicPr>
+          <p:cNvPr id="4" name="Image 3">
+            <a:extLst>
+              <a:ext uri="{FF2B5EF4-FFF2-40B4-BE49-F238E27FC236}">
+                <a16:creationId xmlns:a16="http://schemas.microsoft.com/office/drawing/2014/main" id="{BBCA0325-400E-462A-882E-1372843E3FB9}"/>
+              </a:ext>
+            </a:extLst>
+          </p:cNvPr>
+          <p:cNvPicPr>
+            <a:picLocks noChangeAspect="1"/>
+          </p:cNvPicPr>
+          <p:nvPr/>
+        </p:nvPicPr>
+        <p:blipFill>
+          <a:blip r:embed="rId4"/>
+          <a:stretch>
+            <a:fillRect/>
+          </a:stretch>
+        </p:blipFill>
+        <p:spPr>
+          <a:xfrm>
+            <a:off x="914859" y="4546541"/>
+            <a:ext cx="6266991" cy="2166559"/>
+          </a:xfrm>
+          <a:prstGeom prst="rect">
+            <a:avLst/>
+          </a:prstGeom>
+        </p:spPr>
+      </p:pic>
+      <p:pic>
+        <p:nvPicPr>
+          <p:cNvPr id="5" name="Image 4">
+            <a:extLst>
+              <a:ext uri="{FF2B5EF4-FFF2-40B4-BE49-F238E27FC236}">
+                <a16:creationId xmlns:a16="http://schemas.microsoft.com/office/drawing/2014/main" id="{8DEC8E98-3FC9-44A0-BEA0-05282D43A8EF}"/>
+              </a:ext>
+            </a:extLst>
+          </p:cNvPr>
+          <p:cNvPicPr>
+            <a:picLocks noChangeAspect="1"/>
+          </p:cNvPicPr>
+          <p:nvPr/>
+        </p:nvPicPr>
+        <p:blipFill>
+          <a:blip r:embed="rId5"/>
+          <a:stretch>
+            <a:fillRect/>
+          </a:stretch>
+        </p:blipFill>
+        <p:spPr>
+          <a:xfrm>
+            <a:off x="914859" y="2465708"/>
+            <a:ext cx="5004220" cy="1114300"/>
+          </a:xfrm>
+          <a:prstGeom prst="rect">
+            <a:avLst/>
+          </a:prstGeom>
+        </p:spPr>
+      </p:pic>
+    </p:spTree>
+    <p:extLst>
+      <p:ext uri="{BB962C8B-B14F-4D97-AF65-F5344CB8AC3E}">
+        <p14:creationId xmlns:p14="http://schemas.microsoft.com/office/powerpoint/2010/main" val="1688868475"/>
+      </p:ext>
+    </p:extLst>
+  </p:cSld>
+  <p:clrMapOvr>
+    <a:masterClrMapping/>
+  </p:clrMapOvr>
+</p:sld>
+</file>
+
+<file path=ppt/slides/slide7.xml><?xml version="1.0" encoding="utf-8"?>
+<p:sld xmlns:a="http://schemas.openxmlformats.org/drawingml/2006/main" xmlns:r="http://schemas.openxmlformats.org/officeDocument/2006/relationships" xmlns:p="http://schemas.openxmlformats.org/presentationml/2006/main">
+  <p:cSld>
+    <p:bg>
+      <p:bgPr>
+        <a:solidFill>
+          <a:schemeClr val="bg1"/>
+        </a:solidFill>
+        <a:effectLst/>
+      </p:bgPr>
+    </p:bg>
+    <p:spTree>
+      <p:nvGrpSpPr>
+        <p:cNvPr id="1" name=""/>
+        <p:cNvGrpSpPr/>
+        <p:nvPr/>
+      </p:nvGrpSpPr>
+      <p:grpSpPr>
+        <a:xfrm>
+          <a:off x="0" y="0"/>
+          <a:ext cx="0" cy="0"/>
+          <a:chOff x="0" y="0"/>
+          <a:chExt cx="0" cy="0"/>
+        </a:xfrm>
+      </p:grpSpPr>
+      <p:sp>
+        <p:nvSpPr>
+          <p:cNvPr id="9" name="Rectangle 8">
+            <a:extLst>
+              <a:ext uri="{FF2B5EF4-FFF2-40B4-BE49-F238E27FC236}">
+                <a16:creationId xmlns:a16="http://schemas.microsoft.com/office/drawing/2014/main" id="{A4AC5506-6312-4701-8D3C-40187889A947}"/>
+              </a:ext>
+              <a:ext uri="{C183D7F6-B498-43B3-948B-1728B52AA6E4}">
+                <adec:decorative xmlns:adec="http://schemas.microsoft.com/office/drawing/2017/decorative" val="1"/>
+              </a:ext>
+            </a:extLst>
+          </p:cNvPr>
+          <p:cNvSpPr>
+            <a:spLocks noGrp="1" noRot="1" noChangeAspect="1" noMove="1" noResize="1" noEditPoints="1" noAdjustHandles="1" noChangeArrowheads="1" noChangeShapeType="1" noTextEdit="1"/>
+          </p:cNvSpPr>
+          <p:nvPr>
+            <p:extLst>
+              <p:ext uri="{386F3935-93C4-4BCD-93E2-E3B085C9AB24}">
+                <p16:designElem xmlns:p16="http://schemas.microsoft.com/office/powerpoint/2015/main" val="1"/>
+              </p:ext>
+            </p:extLst>
+          </p:nvPr>
+        </p:nvSpPr>
+        <p:spPr>
+          <a:xfrm>
+            <a:off x="0" y="651752"/>
+            <a:ext cx="12192000" cy="736551"/>
+          </a:xfrm>
+          <a:prstGeom prst="rect">
+            <a:avLst/>
+          </a:prstGeom>
+          <a:solidFill>
+            <a:schemeClr val="tx1"/>
+          </a:solidFill>
+          <a:ln>
+            <a:noFill/>
+          </a:ln>
+        </p:spPr>
+        <p:style>
+          <a:lnRef idx="2">
+            <a:schemeClr val="accent1">
+              <a:shade val="50000"/>
+            </a:schemeClr>
+          </a:lnRef>
+          <a:fillRef idx="1">
+            <a:schemeClr val="accent1"/>
+          </a:fillRef>
+          <a:effectRef idx="0">
+            <a:schemeClr val="accent1"/>
+          </a:effectRef>
+          <a:fontRef idx="minor">
+            <a:schemeClr val="lt1"/>
+          </a:fontRef>
+        </p:style>
+        <p:txBody>
+          <a:bodyPr rtlCol="0" anchor="ctr"/>
+          <a:lstStyle/>
+          <a:p>
+            <a:pPr algn="ctr"/>
+            <a:endParaRPr lang="en-US"/>
+          </a:p>
+        </p:txBody>
+      </p:sp>
+      <p:sp>
+        <p:nvSpPr>
+          <p:cNvPr id="2" name="Titre 1">
+            <a:extLst>
+              <a:ext uri="{FF2B5EF4-FFF2-40B4-BE49-F238E27FC236}">
+                <a16:creationId xmlns:a16="http://schemas.microsoft.com/office/drawing/2014/main" id="{539CD605-D4B2-46C0-9A42-342A810A9617}"/>
+              </a:ext>
+            </a:extLst>
+          </p:cNvPr>
+          <p:cNvSpPr>
+            <a:spLocks noGrp="1"/>
+          </p:cNvSpPr>
+          <p:nvPr>
+            <p:ph type="title"/>
+          </p:nvPr>
+        </p:nvSpPr>
+        <p:spPr>
+          <a:xfrm>
+            <a:off x="556532" y="643467"/>
+            <a:ext cx="11210925" cy="744836"/>
+          </a:xfrm>
+        </p:spPr>
+        <p:txBody>
+          <a:bodyPr vert="horz" lIns="91440" tIns="45720" rIns="91440" bIns="45720" rtlCol="0" anchor="ctr">
+            <a:normAutofit/>
+          </a:bodyPr>
+          <a:lstStyle/>
+          <a:p>
+            <a:pPr algn="ctr"/>
+            <a:r>
+              <a:rPr lang="en-US" sz="3200" kern="1200">
+                <a:solidFill>
+                  <a:schemeClr val="bg1"/>
+                </a:solidFill>
+                <a:latin typeface="+mj-lt"/>
+                <a:ea typeface="+mj-ea"/>
+                <a:cs typeface="+mj-cs"/>
+              </a:rPr>
+              <a:t>Example</a:t>
+            </a:r>
+          </a:p>
+        </p:txBody>
+      </p:sp>
+      <p:pic>
+        <p:nvPicPr>
+          <p:cNvPr id="4" name="Image 3">
+            <a:extLst>
+              <a:ext uri="{FF2B5EF4-FFF2-40B4-BE49-F238E27FC236}">
+                <a16:creationId xmlns:a16="http://schemas.microsoft.com/office/drawing/2014/main" id="{49417ABB-55ED-476D-BFA1-91CBC82AA849}"/>
+              </a:ext>
+            </a:extLst>
+          </p:cNvPr>
+          <p:cNvPicPr>
+            <a:picLocks noChangeAspect="1"/>
+          </p:cNvPicPr>
+          <p:nvPr/>
+        </p:nvPicPr>
+        <p:blipFill>
+          <a:blip r:embed="rId2"/>
+          <a:stretch>
+            <a:fillRect/>
+          </a:stretch>
+        </p:blipFill>
+        <p:spPr>
+          <a:xfrm>
+            <a:off x="864811" y="1675227"/>
+            <a:ext cx="10462377" cy="4394199"/>
+          </a:xfrm>
+          <a:prstGeom prst="rect">
+            <a:avLst/>
+          </a:prstGeom>
+        </p:spPr>
+      </p:pic>
+    </p:spTree>
+    <p:extLst>
+      <p:ext uri="{BB962C8B-B14F-4D97-AF65-F5344CB8AC3E}">
+        <p14:creationId xmlns:p14="http://schemas.microsoft.com/office/powerpoint/2010/main" val="2323281279"/>
+      </p:ext>
+    </p:extLst>
+  </p:cSld>
+  <p:clrMapOvr>
+    <a:masterClrMapping/>
+  </p:clrMapOvr>
+</p:sld>
+</file>
+
+<file path=ppt/slides/slide8.xml><?xml version="1.0" encoding="utf-8"?>
+<p:sld xmlns:a="http://schemas.openxmlformats.org/drawingml/2006/main" xmlns:r="http://schemas.openxmlformats.org/officeDocument/2006/relationships" xmlns:p="http://schemas.openxmlformats.org/presentationml/2006/main">
+  <p:cSld>
+    <p:bg>
+      <p:bgPr>
+        <a:solidFill>
+          <a:schemeClr val="bg1"/>
+        </a:solidFill>
+        <a:effectLst/>
+      </p:bgPr>
+    </p:bg>
+    <p:spTree>
+      <p:nvGrpSpPr>
+        <p:cNvPr id="1" name=""/>
+        <p:cNvGrpSpPr/>
+        <p:nvPr/>
+      </p:nvGrpSpPr>
+      <p:grpSpPr>
+        <a:xfrm>
+          <a:off x="0" y="0"/>
+          <a:ext cx="0" cy="0"/>
+          <a:chOff x="0" y="0"/>
+          <a:chExt cx="0" cy="0"/>
+        </a:xfrm>
+      </p:grpSpPr>
+      <p:sp>
+        <p:nvSpPr>
+          <p:cNvPr id="7" name="Rectangle 6">
+            <a:extLst>
+              <a:ext uri="{FF2B5EF4-FFF2-40B4-BE49-F238E27FC236}">
+                <a16:creationId xmlns:a16="http://schemas.microsoft.com/office/drawing/2014/main" id="{23962611-DFD5-4092-AAFD-559E3DFCE2C9}"/>
+              </a:ext>
+              <a:ext uri="{C183D7F6-B498-43B3-948B-1728B52AA6E4}">
+                <adec:decorative xmlns:adec="http://schemas.microsoft.com/office/drawing/2017/decorative" val="1"/>
+              </a:ext>
+            </a:extLst>
+          </p:cNvPr>
+          <p:cNvSpPr>
+            <a:spLocks noGrp="1" noRot="1" noChangeAspect="1" noMove="1" noResize="1" noEditPoints="1" noAdjustHandles="1" noChangeArrowheads="1" noChangeShapeType="1" noTextEdit="1"/>
+          </p:cNvSpPr>
+          <p:nvPr>
+            <p:extLst>
+              <p:ext uri="{386F3935-93C4-4BCD-93E2-E3B085C9AB24}">
+                <p16:designElem xmlns:p16="http://schemas.microsoft.com/office/powerpoint/2015/main" val="1"/>
+              </p:ext>
+            </p:extLst>
+          </p:nvPr>
+        </p:nvSpPr>
+        <p:spPr>
+          <a:xfrm>
+            <a:off x="475488" y="0"/>
+            <a:ext cx="10910292" cy="6858000"/>
+          </a:xfrm>
+          <a:prstGeom prst="rect">
+            <a:avLst/>
+          </a:prstGeom>
+          <a:gradFill>
+            <a:gsLst>
+              <a:gs pos="0">
+                <a:schemeClr val="accent1">
+                  <a:lumMod val="90000"/>
+                </a:schemeClr>
+              </a:gs>
+              <a:gs pos="25000">
+                <a:schemeClr val="accent1">
+                  <a:lumMod val="90000"/>
+                </a:schemeClr>
+              </a:gs>
+              <a:gs pos="94000">
+                <a:schemeClr val="bg2">
+                  <a:lumMod val="25000"/>
+                </a:schemeClr>
+              </a:gs>
+              <a:gs pos="100000">
+                <a:schemeClr val="bg2">
+                  <a:lumMod val="25000"/>
+                </a:schemeClr>
+              </a:gs>
+            </a:gsLst>
+            <a:lin ang="4200000" scaled="0"/>
+          </a:gradFill>
+          <a:ln>
+            <a:noFill/>
+          </a:ln>
+        </p:spPr>
+        <p:style>
+          <a:lnRef idx="2">
+            <a:schemeClr val="accent1">
+              <a:shade val="50000"/>
+            </a:schemeClr>
+          </a:lnRef>
+          <a:fillRef idx="1">
+            <a:schemeClr val="accent1"/>
+          </a:fillRef>
+          <a:effectRef idx="0">
+            <a:schemeClr val="accent1"/>
+          </a:effectRef>
+          <a:fontRef idx="minor">
+            <a:schemeClr val="lt1"/>
+          </a:fontRef>
+        </p:style>
+        <p:txBody>
+          <a:bodyPr rtlCol="0" anchor="ctr"/>
+          <a:lstStyle/>
+          <a:p>
+            <a:pPr algn="ctr"/>
+            <a:endParaRPr lang="en-US"/>
+          </a:p>
+        </p:txBody>
+      </p:sp>
+      <p:pic>
+        <p:nvPicPr>
+          <p:cNvPr id="9" name="Picture 8">
+            <a:extLst>
+              <a:ext uri="{FF2B5EF4-FFF2-40B4-BE49-F238E27FC236}">
+                <a16:creationId xmlns:a16="http://schemas.microsoft.com/office/drawing/2014/main" id="{2270F1FA-0425-408F-9861-80BF5AFB276D}"/>
+              </a:ext>
+              <a:ext uri="{C183D7F6-B498-43B3-948B-1728B52AA6E4}">
+                <adec:decorative xmlns:adec="http://schemas.microsoft.com/office/drawing/2017/decorative" val="1"/>
+              </a:ext>
+            </a:extLst>
+          </p:cNvPr>
+          <p:cNvPicPr>
+            <a:picLocks noGrp="1" noRot="1" noChangeAspect="1" noMove="1" noResize="1" noEditPoints="1" noAdjustHandles="1" noChangeArrowheads="1" noChangeShapeType="1" noCrop="1"/>
+          </p:cNvPicPr>
+          <p:nvPr>
+            <p:extLst>
+              <p:ext uri="{386F3935-93C4-4BCD-93E2-E3B085C9AB24}">
+                <p16:designElem xmlns:p16="http://schemas.microsoft.com/office/powerpoint/2015/main" val="1"/>
+              </p:ext>
+            </p:extLst>
+          </p:nvPr>
+        </p:nvPicPr>
+        <p:blipFill>
+          <a:blip r:embed="rId2">
+            <a:extLst>
+              <a:ext uri="{28A0092B-C50C-407E-A947-70E740481C1C}">
+                <a14:useLocalDpi xmlns:a14="http://schemas.microsoft.com/office/drawing/2010/main" val="0"/>
+              </a:ext>
+            </a:extLst>
+          </a:blip>
+          <a:stretch>
+            <a:fillRect/>
+          </a:stretch>
+        </p:blipFill>
+        <p:spPr>
+          <a:xfrm>
+            <a:off x="0" y="0"/>
+            <a:ext cx="12192000" cy="6858000"/>
+          </a:xfrm>
+          <a:prstGeom prst="rect">
+            <a:avLst/>
+          </a:prstGeom>
+        </p:spPr>
+      </p:pic>
+      <p:sp>
+        <p:nvSpPr>
+          <p:cNvPr id="2" name="Titre 1">
+            <a:extLst>
+              <a:ext uri="{FF2B5EF4-FFF2-40B4-BE49-F238E27FC236}">
+                <a16:creationId xmlns:a16="http://schemas.microsoft.com/office/drawing/2014/main" id="{A6053B76-92C2-4C8E-86EF-A192F37D5FBA}"/>
+              </a:ext>
+            </a:extLst>
+          </p:cNvPr>
+          <p:cNvSpPr>
+            <a:spLocks noGrp="1"/>
+          </p:cNvSpPr>
+          <p:nvPr>
+            <p:ph type="title"/>
+          </p:nvPr>
+        </p:nvSpPr>
+        <p:spPr>
+          <a:xfrm>
+            <a:off x="3045368" y="2043663"/>
+            <a:ext cx="6105194" cy="2031055"/>
+          </a:xfrm>
+        </p:spPr>
+        <p:txBody>
+          <a:bodyPr vert="horz" lIns="91440" tIns="45720" rIns="91440" bIns="45720" rtlCol="0" anchor="b">
+            <a:normAutofit/>
+          </a:bodyPr>
+          <a:lstStyle/>
+          <a:p>
+            <a:pPr algn="ctr"/>
+            <a:r>
+              <a:rPr lang="en-US" sz="6000" kern="1200">
+                <a:solidFill>
+                  <a:srgbClr val="FFFFFF"/>
+                </a:solidFill>
+                <a:latin typeface="+mj-lt"/>
+                <a:ea typeface="+mj-ea"/>
+                <a:cs typeface="+mj-cs"/>
+              </a:rPr>
+              <a:t>Démonstration</a:t>
             </a:r>
           </a:p>
         </p:txBody>
@@ -3939,7 +7945,218 @@
     </p:spTree>
     <p:extLst>
       <p:ext uri="{BB962C8B-B14F-4D97-AF65-F5344CB8AC3E}">
-        <p14:creationId xmlns:p14="http://schemas.microsoft.com/office/powerpoint/2010/main" val="2576197629"/>
+        <p14:creationId xmlns:p14="http://schemas.microsoft.com/office/powerpoint/2010/main" val="2691058009"/>
+      </p:ext>
+    </p:extLst>
+  </p:cSld>
+  <p:clrMapOvr>
+    <a:masterClrMapping/>
+  </p:clrMapOvr>
+</p:sld>
+</file>
+
+<file path=ppt/slides/slide9.xml><?xml version="1.0" encoding="utf-8"?>
+<p:sld xmlns:a="http://schemas.openxmlformats.org/drawingml/2006/main" xmlns:r="http://schemas.openxmlformats.org/officeDocument/2006/relationships" xmlns:p="http://schemas.openxmlformats.org/presentationml/2006/main">
+  <p:cSld>
+    <p:bg>
+      <p:bgPr>
+        <a:solidFill>
+          <a:schemeClr val="bg1"/>
+        </a:solidFill>
+        <a:effectLst/>
+      </p:bgPr>
+    </p:bg>
+    <p:spTree>
+      <p:nvGrpSpPr>
+        <p:cNvPr id="1" name=""/>
+        <p:cNvGrpSpPr/>
+        <p:nvPr/>
+      </p:nvGrpSpPr>
+      <p:grpSpPr>
+        <a:xfrm>
+          <a:off x="0" y="0"/>
+          <a:ext cx="0" cy="0"/>
+          <a:chOff x="0" y="0"/>
+          <a:chExt cx="0" cy="0"/>
+        </a:xfrm>
+      </p:grpSpPr>
+      <p:sp>
+        <p:nvSpPr>
+          <p:cNvPr id="8" name="Rectangle 7">
+            <a:extLst>
+              <a:ext uri="{FF2B5EF4-FFF2-40B4-BE49-F238E27FC236}">
+                <a16:creationId xmlns:a16="http://schemas.microsoft.com/office/drawing/2014/main" id="{23962611-DFD5-4092-AAFD-559E3DFCE2C9}"/>
+              </a:ext>
+              <a:ext uri="{C183D7F6-B498-43B3-948B-1728B52AA6E4}">
+                <adec:decorative xmlns:adec="http://schemas.microsoft.com/office/drawing/2017/decorative" val="1"/>
+              </a:ext>
+            </a:extLst>
+          </p:cNvPr>
+          <p:cNvSpPr>
+            <a:spLocks noGrp="1" noRot="1" noChangeAspect="1" noMove="1" noResize="1" noEditPoints="1" noAdjustHandles="1" noChangeArrowheads="1" noChangeShapeType="1" noTextEdit="1"/>
+          </p:cNvSpPr>
+          <p:nvPr>
+            <p:extLst>
+              <p:ext uri="{386F3935-93C4-4BCD-93E2-E3B085C9AB24}">
+                <p16:designElem xmlns:p16="http://schemas.microsoft.com/office/powerpoint/2015/main" val="1"/>
+              </p:ext>
+            </p:extLst>
+          </p:nvPr>
+        </p:nvSpPr>
+        <p:spPr>
+          <a:xfrm>
+            <a:off x="475488" y="0"/>
+            <a:ext cx="10910292" cy="6858000"/>
+          </a:xfrm>
+          <a:prstGeom prst="rect">
+            <a:avLst/>
+          </a:prstGeom>
+          <a:gradFill>
+            <a:gsLst>
+              <a:gs pos="0">
+                <a:schemeClr val="accent1">
+                  <a:lumMod val="90000"/>
+                </a:schemeClr>
+              </a:gs>
+              <a:gs pos="25000">
+                <a:schemeClr val="accent1">
+                  <a:lumMod val="90000"/>
+                </a:schemeClr>
+              </a:gs>
+              <a:gs pos="94000">
+                <a:schemeClr val="bg2">
+                  <a:lumMod val="25000"/>
+                </a:schemeClr>
+              </a:gs>
+              <a:gs pos="100000">
+                <a:schemeClr val="bg2">
+                  <a:lumMod val="25000"/>
+                </a:schemeClr>
+              </a:gs>
+            </a:gsLst>
+            <a:lin ang="4200000" scaled="0"/>
+          </a:gradFill>
+          <a:ln>
+            <a:noFill/>
+          </a:ln>
+        </p:spPr>
+        <p:style>
+          <a:lnRef idx="2">
+            <a:schemeClr val="accent1">
+              <a:shade val="50000"/>
+            </a:schemeClr>
+          </a:lnRef>
+          <a:fillRef idx="1">
+            <a:schemeClr val="accent1"/>
+          </a:fillRef>
+          <a:effectRef idx="0">
+            <a:schemeClr val="accent1"/>
+          </a:effectRef>
+          <a:fontRef idx="minor">
+            <a:schemeClr val="lt1"/>
+          </a:fontRef>
+        </p:style>
+        <p:txBody>
+          <a:bodyPr rtlCol="0" anchor="ctr"/>
+          <a:lstStyle/>
+          <a:p>
+            <a:pPr algn="ctr"/>
+            <a:endParaRPr lang="en-US"/>
+          </a:p>
+        </p:txBody>
+      </p:sp>
+      <p:pic>
+        <p:nvPicPr>
+          <p:cNvPr id="10" name="Picture 9">
+            <a:extLst>
+              <a:ext uri="{FF2B5EF4-FFF2-40B4-BE49-F238E27FC236}">
+                <a16:creationId xmlns:a16="http://schemas.microsoft.com/office/drawing/2014/main" id="{2270F1FA-0425-408F-9861-80BF5AFB276D}"/>
+              </a:ext>
+              <a:ext uri="{C183D7F6-B498-43B3-948B-1728B52AA6E4}">
+                <adec:decorative xmlns:adec="http://schemas.microsoft.com/office/drawing/2017/decorative" val="1"/>
+              </a:ext>
+            </a:extLst>
+          </p:cNvPr>
+          <p:cNvPicPr>
+            <a:picLocks noGrp="1" noRot="1" noChangeAspect="1" noMove="1" noResize="1" noEditPoints="1" noAdjustHandles="1" noChangeArrowheads="1" noChangeShapeType="1" noCrop="1"/>
+          </p:cNvPicPr>
+          <p:nvPr>
+            <p:extLst>
+              <p:ext uri="{386F3935-93C4-4BCD-93E2-E3B085C9AB24}">
+                <p16:designElem xmlns:p16="http://schemas.microsoft.com/office/powerpoint/2015/main" val="1"/>
+              </p:ext>
+            </p:extLst>
+          </p:nvPr>
+        </p:nvPicPr>
+        <p:blipFill>
+          <a:blip r:embed="rId2">
+            <a:extLst>
+              <a:ext uri="{28A0092B-C50C-407E-A947-70E740481C1C}">
+                <a14:useLocalDpi xmlns:a14="http://schemas.microsoft.com/office/drawing/2010/main" val="0"/>
+              </a:ext>
+            </a:extLst>
+          </a:blip>
+          <a:stretch>
+            <a:fillRect/>
+          </a:stretch>
+        </p:blipFill>
+        <p:spPr>
+          <a:xfrm>
+            <a:off x="0" y="0"/>
+            <a:ext cx="12192000" cy="6858000"/>
+          </a:xfrm>
+          <a:prstGeom prst="rect">
+            <a:avLst/>
+          </a:prstGeom>
+        </p:spPr>
+      </p:pic>
+      <p:sp>
+        <p:nvSpPr>
+          <p:cNvPr id="2" name="Titre 1">
+            <a:extLst>
+              <a:ext uri="{FF2B5EF4-FFF2-40B4-BE49-F238E27FC236}">
+                <a16:creationId xmlns:a16="http://schemas.microsoft.com/office/drawing/2014/main" id="{E467E556-1C30-43AA-9ECD-0A37339E3B7B}"/>
+              </a:ext>
+            </a:extLst>
+          </p:cNvPr>
+          <p:cNvSpPr>
+            <a:spLocks noGrp="1"/>
+          </p:cNvSpPr>
+          <p:nvPr>
+            <p:ph type="title"/>
+          </p:nvPr>
+        </p:nvSpPr>
+        <p:spPr>
+          <a:xfrm>
+            <a:off x="3045368" y="2043663"/>
+            <a:ext cx="6105194" cy="2031055"/>
+          </a:xfrm>
+        </p:spPr>
+        <p:txBody>
+          <a:bodyPr vert="horz" lIns="91440" tIns="45720" rIns="91440" bIns="45720" rtlCol="0" anchor="b">
+            <a:normAutofit/>
+          </a:bodyPr>
+          <a:lstStyle/>
+          <a:p>
+            <a:pPr algn="ctr"/>
+            <a:r>
+              <a:rPr lang="en-US" sz="6000" kern="1200">
+                <a:solidFill>
+                  <a:srgbClr val="FFFFFF"/>
+                </a:solidFill>
+                <a:latin typeface="+mj-lt"/>
+                <a:ea typeface="+mj-ea"/>
+                <a:cs typeface="+mj-cs"/>
+              </a:rPr>
+              <a:t>Problème rencontré</a:t>
+            </a:r>
+          </a:p>
+        </p:txBody>
+      </p:sp>
+    </p:spTree>
+    <p:extLst>
+      <p:ext uri="{BB962C8B-B14F-4D97-AF65-F5344CB8AC3E}">
+        <p14:creationId xmlns:p14="http://schemas.microsoft.com/office/powerpoint/2010/main" val="278913217"/>
       </p:ext>
     </p:extLst>
   </p:cSld>
@@ -4245,6 +8462,15 @@
 </file>
 
 <file path=customXml/item1.xml><?xml version="1.0" encoding="utf-8"?>
+<?mso-contentType ?>
+<FormTemplates xmlns="http://schemas.microsoft.com/sharepoint/v3/contenttype/forms">
+  <Display>DocumentLibraryForm</Display>
+  <Edit>DocumentLibraryForm</Edit>
+  <New>DocumentLibraryForm</New>
+</FormTemplates>
+</file>
+
+<file path=customXml/item2.xml><?xml version="1.0" encoding="utf-8"?>
 <ct:contentTypeSchema xmlns:ct="http://schemas.microsoft.com/office/2006/metadata/contentType" xmlns:ma="http://schemas.microsoft.com/office/2006/metadata/properties/metaAttributes" ct:_="" ma:_="" ma:contentTypeName="Document" ma:contentTypeID="0x010100D1668D2859982848A32D1A59A564FB0E" ma:contentTypeVersion="5" ma:contentTypeDescription="Crée un document." ma:contentTypeScope="" ma:versionID="0e26b5bf503d6a0c12ffa314caca9a01">
   <xsd:schema xmlns:xsd="http://www.w3.org/2001/XMLSchema" xmlns:xs="http://www.w3.org/2001/XMLSchema" xmlns:p="http://schemas.microsoft.com/office/2006/metadata/properties" xmlns:ns3="9dd8093c-299d-4394-abad-302533e48a1a" xmlns:ns4="9464fc4d-5a15-4ca9-8daa-b087dd3ea7a0" targetNamespace="http://schemas.microsoft.com/office/2006/metadata/properties" ma:root="true" ma:fieldsID="a5b01f2b2619e3dba1891b5b8c05e1a9" ns3:_="" ns4:_="">
     <xsd:import namespace="9dd8093c-299d-4394-abad-302533e48a1a"/>
@@ -4415,15 +8641,6 @@
 </ct:contentTypeSchema>
 </file>
 
-<file path=customXml/item2.xml><?xml version="1.0" encoding="utf-8"?>
-<?mso-contentType ?>
-<FormTemplates xmlns="http://schemas.microsoft.com/sharepoint/v3/contenttype/forms">
-  <Display>DocumentLibraryForm</Display>
-  <Edit>DocumentLibraryForm</Edit>
-  <New>DocumentLibraryForm</New>
-</FormTemplates>
-</file>
-
 <file path=customXml/item3.xml><?xml version="1.0" encoding="utf-8"?>
 <p:properties xmlns:p="http://schemas.microsoft.com/office/2006/metadata/properties" xmlns:xsi="http://www.w3.org/2001/XMLSchema-instance" xmlns:pc="http://schemas.microsoft.com/office/infopath/2007/PartnerControls">
   <documentManagement/>
@@ -4431,6 +8648,14 @@
 </file>
 
 <file path=customXml/itemProps1.xml><?xml version="1.0" encoding="utf-8"?>
+<ds:datastoreItem xmlns:ds="http://schemas.openxmlformats.org/officeDocument/2006/customXml" ds:itemID="{8E23A132-71C2-4969-8EE7-0517C6F1E1B8}">
+  <ds:schemaRefs>
+    <ds:schemaRef ds:uri="http://schemas.microsoft.com/sharepoint/v3/contenttype/forms"/>
+  </ds:schemaRefs>
+</ds:datastoreItem>
+</file>
+
+<file path=customXml/itemProps2.xml><?xml version="1.0" encoding="utf-8"?>
 <ds:datastoreItem xmlns:ds="http://schemas.openxmlformats.org/officeDocument/2006/customXml" ds:itemID="{13836321-5008-48D0-82F4-864B697E3108}">
   <ds:schemaRefs>
     <ds:schemaRef ds:uri="http://schemas.microsoft.com/office/2006/metadata/contentType"/>
@@ -4445,14 +8670,6 @@
     <ds:schemaRef ds:uri="http://purl.org/dc/elements/1.1/"/>
     <ds:schemaRef ds:uri="http://purl.org/dc/terms/"/>
     <ds:schemaRef ds:uri="http://schemas.microsoft.com/internal/obd"/>
-  </ds:schemaRefs>
-</ds:datastoreItem>
-</file>
-
-<file path=customXml/itemProps2.xml><?xml version="1.0" encoding="utf-8"?>
-<ds:datastoreItem xmlns:ds="http://schemas.openxmlformats.org/officeDocument/2006/customXml" ds:itemID="{8E23A132-71C2-4969-8EE7-0517C6F1E1B8}">
-  <ds:schemaRefs>
-    <ds:schemaRef ds:uri="http://schemas.microsoft.com/sharepoint/v3/contenttype/forms"/>
   </ds:schemaRefs>
 </ds:datastoreItem>
 </file>
